--- a/books/deep-learning-design-patterns/Workshops/Junior/Deep Learning Design Patterns - Workshop - Chapter 2.pptx
+++ b/books/deep-learning-design-patterns/Workshops/Junior/Deep Learning Design Patterns - Workshop - Chapter 2.pptx
@@ -8684,29 +8684,29 @@
               <a:buNone/>
             </a:pPr>
             <a:r>
-              <a:rPr lang="en" sz="4800">
+              <a:rPr lang="en" sz="3600">
                 <a:solidFill>
                   <a:srgbClr val="3D85C6"/>
                 </a:solidFill>
               </a:rPr>
-              <a:t>Deep Learning by Design</a:t>
+              <a:t>Deep Learning Design Patterns</a:t>
             </a:r>
             <a:br>
-              <a:rPr lang="en" sz="4800">
+              <a:rPr lang="en" sz="3600">
                 <a:solidFill>
                   <a:srgbClr val="3D85C6"/>
                 </a:solidFill>
               </a:rPr>
             </a:br>
             <a:r>
-              <a:rPr lang="en" sz="4800">
+              <a:rPr lang="en" sz="3600">
                 <a:solidFill>
                   <a:srgbClr val="3D85C6"/>
                 </a:solidFill>
               </a:rPr>
-              <a:t>Using Tensorflow 2.0</a:t>
-            </a:r>
-            <a:endParaRPr sz="4800">
+              <a:t>with Tensorflow 2.0</a:t>
+            </a:r>
+            <a:endParaRPr sz="3600">
               <a:solidFill>
                 <a:srgbClr val="3D85C6"/>
               </a:solidFill>
@@ -15352,7 +15352,7 @@
             <a:tbl>
               <a:tblPr>
                 <a:noFill/>
-                <a:tableStyleId>{9CF5AB1F-C4BB-41C6-8FA2-EFEB3E40D859}</a:tableStyleId>
+                <a:tableStyleId>{264BC707-175E-4C08-A337-32AED62F180F}</a:tableStyleId>
               </a:tblPr>
               <a:tblGrid>
                 <a:gridCol w="8412950"/>
@@ -23360,7 +23360,7 @@
             <a:tbl>
               <a:tblPr>
                 <a:noFill/>
-                <a:tableStyleId>{9CF5AB1F-C4BB-41C6-8FA2-EFEB3E40D859}</a:tableStyleId>
+                <a:tableStyleId>{264BC707-175E-4C08-A337-32AED62F180F}</a:tableStyleId>
               </a:tblPr>
               <a:tblGrid>
                 <a:gridCol w="4596175"/>
@@ -25030,7 +25030,7 @@
             <a:tbl>
               <a:tblPr>
                 <a:noFill/>
-                <a:tableStyleId>{9CF5AB1F-C4BB-41C6-8FA2-EFEB3E40D859}</a:tableStyleId>
+                <a:tableStyleId>{264BC707-175E-4C08-A337-32AED62F180F}</a:tableStyleId>
               </a:tblPr>
               <a:tblGrid>
                 <a:gridCol w="4171275"/>
@@ -28027,7 +28027,7 @@
             <a:tbl>
               <a:tblPr>
                 <a:noFill/>
-                <a:tableStyleId>{9CF5AB1F-C4BB-41C6-8FA2-EFEB3E40D859}</a:tableStyleId>
+                <a:tableStyleId>{264BC707-175E-4C08-A337-32AED62F180F}</a:tableStyleId>
               </a:tblPr>
               <a:tblGrid>
                 <a:gridCol w="3804650"/>
@@ -29918,7 +29918,7 @@
                 </a:highlight>
                 <a:hlinkClick r:id="rId4"/>
               </a:rPr>
-              <a:t>Deep Learning by Design - Workshop - Chapter 5.ipynb</a:t>
+              <a:t>Deep Learning Design Patterns - Workshop - Chapter 2.ipynb</a:t>
             </a:r>
             <a:endParaRPr b="1" sz="1200">
               <a:solidFill>
@@ -31082,7 +31082,7 @@
             <a:tbl>
               <a:tblPr>
                 <a:noFill/>
-                <a:tableStyleId>{9CF5AB1F-C4BB-41C6-8FA2-EFEB3E40D859}</a:tableStyleId>
+                <a:tableStyleId>{264BC707-175E-4C08-A337-32AED62F180F}</a:tableStyleId>
               </a:tblPr>
               <a:tblGrid>
                 <a:gridCol w="6191250"/>
@@ -35047,7 +35047,7 @@
             <a:tbl>
               <a:tblPr>
                 <a:noFill/>
-                <a:tableStyleId>{9CF5AB1F-C4BB-41C6-8FA2-EFEB3E40D859}</a:tableStyleId>
+                <a:tableStyleId>{264BC707-175E-4C08-A337-32AED62F180F}</a:tableStyleId>
               </a:tblPr>
               <a:tblGrid>
                 <a:gridCol w="6150775"/>

--- a/books/deep-learning-design-patterns/Workshops/Junior/Deep Learning Design Patterns - Workshop - Chapter 2.pptx
+++ b/books/deep-learning-design-patterns/Workshops/Junior/Deep Learning Design Patterns - Workshop - Chapter 2.pptx
@@ -40,7 +40,6 @@
     <p:sldId id="285" r:id="rId36"/>
     <p:sldId id="286" r:id="rId37"/>
     <p:sldId id="287" r:id="rId38"/>
-    <p:sldId id="288" r:id="rId39"/>
   </p:sldIdLst>
   <p:sldSz cy="5143500" cx="9144000"/>
   <p:notesSz cx="6858000" cy="9144000"/>
@@ -1133,7 +1132,7 @@
       </p:grpSpPr>
       <p:sp>
         <p:nvSpPr>
-          <p:cNvPr id="243" name="Google Shape;243;g7d510cf431_0_142:notes"/>
+          <p:cNvPr id="243" name="Google Shape;243;g7d510cf431_0_163:notes"/>
           <p:cNvSpPr/>
           <p:nvPr>
             <p:ph idx="2" type="sldImg"/>
@@ -1168,7 +1167,7 @@
       </p:sp>
       <p:sp>
         <p:nvSpPr>
-          <p:cNvPr id="244" name="Google Shape;244;g7d510cf431_0_142:notes"/>
+          <p:cNvPr id="244" name="Google Shape;244;g7d510cf431_0_163:notes"/>
           <p:cNvSpPr txBox="1"/>
           <p:nvPr>
             <p:ph idx="1" type="body"/>
@@ -1232,7 +1231,7 @@
       </p:grpSpPr>
       <p:sp>
         <p:nvSpPr>
-          <p:cNvPr id="249" name="Google Shape;249;g7d510cf431_0_163:notes"/>
+          <p:cNvPr id="249" name="Google Shape;249;g7d510cf431_0_168:notes"/>
           <p:cNvSpPr/>
           <p:nvPr>
             <p:ph idx="2" type="sldImg"/>
@@ -1267,7 +1266,7 @@
       </p:sp>
       <p:sp>
         <p:nvSpPr>
-          <p:cNvPr id="250" name="Google Shape;250;g7d510cf431_0_163:notes"/>
+          <p:cNvPr id="250" name="Google Shape;250;g7d510cf431_0_168:notes"/>
           <p:cNvSpPr txBox="1"/>
           <p:nvPr>
             <p:ph idx="1" type="body"/>
@@ -1317,7 +1316,7 @@
   <p:cSld>
     <p:spTree>
       <p:nvGrpSpPr>
-        <p:cNvPr id="254" name="Shape 254"/>
+        <p:cNvPr id="282" name="Shape 282"/>
         <p:cNvGrpSpPr/>
         <p:nvPr/>
       </p:nvGrpSpPr>
@@ -1331,7 +1330,7 @@
       </p:grpSpPr>
       <p:sp>
         <p:nvSpPr>
-          <p:cNvPr id="255" name="Google Shape;255;g7d510cf431_0_168:notes"/>
+          <p:cNvPr id="283" name="Google Shape;283;g7d510cf431_0_244:notes"/>
           <p:cNvSpPr/>
           <p:nvPr>
             <p:ph idx="2" type="sldImg"/>
@@ -1366,7 +1365,7 @@
       </p:sp>
       <p:sp>
         <p:nvSpPr>
-          <p:cNvPr id="256" name="Google Shape;256;g7d510cf431_0_168:notes"/>
+          <p:cNvPr id="284" name="Google Shape;284;g7d510cf431_0_244:notes"/>
           <p:cNvSpPr txBox="1"/>
           <p:nvPr>
             <p:ph idx="1" type="body"/>
@@ -1416,7 +1415,7 @@
   <p:cSld>
     <p:spTree>
       <p:nvGrpSpPr>
-        <p:cNvPr id="295" name="Shape 295"/>
+        <p:cNvPr id="290" name="Shape 290"/>
         <p:cNvGrpSpPr/>
         <p:nvPr/>
       </p:nvGrpSpPr>
@@ -1430,7 +1429,7 @@
       </p:grpSpPr>
       <p:sp>
         <p:nvSpPr>
-          <p:cNvPr id="296" name="Google Shape;296;g7d510cf431_0_244:notes"/>
+          <p:cNvPr id="291" name="Google Shape;291;g7d510cf431_0_288:notes"/>
           <p:cNvSpPr/>
           <p:nvPr>
             <p:ph idx="2" type="sldImg"/>
@@ -1465,7 +1464,7 @@
       </p:sp>
       <p:sp>
         <p:nvSpPr>
-          <p:cNvPr id="297" name="Google Shape;297;g7d510cf431_0_244:notes"/>
+          <p:cNvPr id="292" name="Google Shape;292;g7d510cf431_0_288:notes"/>
           <p:cNvSpPr txBox="1"/>
           <p:nvPr>
             <p:ph idx="1" type="body"/>
@@ -1515,7 +1514,7 @@
   <p:cSld>
     <p:spTree>
       <p:nvGrpSpPr>
-        <p:cNvPr id="303" name="Shape 303"/>
+        <p:cNvPr id="297" name="Shape 297"/>
         <p:cNvGrpSpPr/>
         <p:nvPr/>
       </p:nvGrpSpPr>
@@ -1529,7 +1528,7 @@
       </p:grpSpPr>
       <p:sp>
         <p:nvSpPr>
-          <p:cNvPr id="304" name="Google Shape;304;g7d510cf431_0_288:notes"/>
+          <p:cNvPr id="298" name="Google Shape;298;g7d510cf431_0_324:notes"/>
           <p:cNvSpPr/>
           <p:nvPr>
             <p:ph idx="2" type="sldImg"/>
@@ -1564,7 +1563,7 @@
       </p:sp>
       <p:sp>
         <p:nvSpPr>
-          <p:cNvPr id="305" name="Google Shape;305;g7d510cf431_0_288:notes"/>
+          <p:cNvPr id="299" name="Google Shape;299;g7d510cf431_0_324:notes"/>
           <p:cNvSpPr txBox="1"/>
           <p:nvPr>
             <p:ph idx="1" type="body"/>
@@ -1614,7 +1613,7 @@
   <p:cSld>
     <p:spTree>
       <p:nvGrpSpPr>
-        <p:cNvPr id="310" name="Shape 310"/>
+        <p:cNvPr id="305" name="Shape 305"/>
         <p:cNvGrpSpPr/>
         <p:nvPr/>
       </p:nvGrpSpPr>
@@ -1628,7 +1627,7 @@
       </p:grpSpPr>
       <p:sp>
         <p:nvSpPr>
-          <p:cNvPr id="311" name="Google Shape;311;g7d510cf431_0_324:notes"/>
+          <p:cNvPr id="306" name="Google Shape;306;g7d510cf431_0_334:notes"/>
           <p:cNvSpPr/>
           <p:nvPr>
             <p:ph idx="2" type="sldImg"/>
@@ -1663,7 +1662,7 @@
       </p:sp>
       <p:sp>
         <p:nvSpPr>
-          <p:cNvPr id="312" name="Google Shape;312;g7d510cf431_0_324:notes"/>
+          <p:cNvPr id="307" name="Google Shape;307;g7d510cf431_0_334:notes"/>
           <p:cNvSpPr txBox="1"/>
           <p:nvPr>
             <p:ph idx="1" type="body"/>
@@ -1713,7 +1712,7 @@
   <p:cSld>
     <p:spTree>
       <p:nvGrpSpPr>
-        <p:cNvPr id="318" name="Shape 318"/>
+        <p:cNvPr id="313" name="Shape 313"/>
         <p:cNvGrpSpPr/>
         <p:nvPr/>
       </p:nvGrpSpPr>
@@ -1727,7 +1726,7 @@
       </p:grpSpPr>
       <p:sp>
         <p:nvSpPr>
-          <p:cNvPr id="319" name="Google Shape;319;g7d510cf431_0_334:notes"/>
+          <p:cNvPr id="314" name="Google Shape;314;g7d510cf431_0_345:notes"/>
           <p:cNvSpPr/>
           <p:nvPr>
             <p:ph idx="2" type="sldImg"/>
@@ -1762,7 +1761,7 @@
       </p:sp>
       <p:sp>
         <p:nvSpPr>
-          <p:cNvPr id="320" name="Google Shape;320;g7d510cf431_0_334:notes"/>
+          <p:cNvPr id="315" name="Google Shape;315;g7d510cf431_0_345:notes"/>
           <p:cNvSpPr txBox="1"/>
           <p:nvPr>
             <p:ph idx="1" type="body"/>
@@ -1911,7 +1910,7 @@
   <p:cSld>
     <p:spTree>
       <p:nvGrpSpPr>
-        <p:cNvPr id="326" name="Shape 326"/>
+        <p:cNvPr id="321" name="Shape 321"/>
         <p:cNvGrpSpPr/>
         <p:nvPr/>
       </p:nvGrpSpPr>
@@ -1925,7 +1924,7 @@
       </p:grpSpPr>
       <p:sp>
         <p:nvSpPr>
-          <p:cNvPr id="327" name="Google Shape;327;g7d510cf431_0_345:notes"/>
+          <p:cNvPr id="322" name="Google Shape;322;g7d510cf431_0_355:notes"/>
           <p:cNvSpPr/>
           <p:nvPr>
             <p:ph idx="2" type="sldImg"/>
@@ -1960,7 +1959,7 @@
       </p:sp>
       <p:sp>
         <p:nvSpPr>
-          <p:cNvPr id="328" name="Google Shape;328;g7d510cf431_0_345:notes"/>
+          <p:cNvPr id="323" name="Google Shape;323;g7d510cf431_0_355:notes"/>
           <p:cNvSpPr txBox="1"/>
           <p:nvPr>
             <p:ph idx="1" type="body"/>
@@ -2010,7 +2009,7 @@
   <p:cSld>
     <p:spTree>
       <p:nvGrpSpPr>
-        <p:cNvPr id="334" name="Shape 334"/>
+        <p:cNvPr id="328" name="Shape 328"/>
         <p:cNvGrpSpPr/>
         <p:nvPr/>
       </p:nvGrpSpPr>
@@ -2024,7 +2023,7 @@
       </p:grpSpPr>
       <p:sp>
         <p:nvSpPr>
-          <p:cNvPr id="335" name="Google Shape;335;g7d510cf431_0_355:notes"/>
+          <p:cNvPr id="329" name="Google Shape;329;g7d510cf431_0_362:notes"/>
           <p:cNvSpPr/>
           <p:nvPr>
             <p:ph idx="2" type="sldImg"/>
@@ -2059,7 +2058,7 @@
       </p:sp>
       <p:sp>
         <p:nvSpPr>
-          <p:cNvPr id="336" name="Google Shape;336;g7d510cf431_0_355:notes"/>
+          <p:cNvPr id="330" name="Google Shape;330;g7d510cf431_0_362:notes"/>
           <p:cNvSpPr txBox="1"/>
           <p:nvPr>
             <p:ph idx="1" type="body"/>
@@ -2109,7 +2108,7 @@
   <p:cSld>
     <p:spTree>
       <p:nvGrpSpPr>
-        <p:cNvPr id="341" name="Shape 341"/>
+        <p:cNvPr id="336" name="Shape 336"/>
         <p:cNvGrpSpPr/>
         <p:nvPr/>
       </p:nvGrpSpPr>
@@ -2123,7 +2122,7 @@
       </p:grpSpPr>
       <p:sp>
         <p:nvSpPr>
-          <p:cNvPr id="342" name="Google Shape;342;g7d510cf431_0_362:notes"/>
+          <p:cNvPr id="337" name="Google Shape;337;g7d510cf431_0_372:notes"/>
           <p:cNvSpPr/>
           <p:nvPr>
             <p:ph idx="2" type="sldImg"/>
@@ -2158,7 +2157,7 @@
       </p:sp>
       <p:sp>
         <p:nvSpPr>
-          <p:cNvPr id="343" name="Google Shape;343;g7d510cf431_0_362:notes"/>
+          <p:cNvPr id="338" name="Google Shape;338;g7d510cf431_0_372:notes"/>
           <p:cNvSpPr txBox="1"/>
           <p:nvPr>
             <p:ph idx="1" type="body"/>
@@ -2208,7 +2207,7 @@
   <p:cSld>
     <p:spTree>
       <p:nvGrpSpPr>
-        <p:cNvPr id="349" name="Shape 349"/>
+        <p:cNvPr id="344" name="Shape 344"/>
         <p:cNvGrpSpPr/>
         <p:nvPr/>
       </p:nvGrpSpPr>
@@ -2222,7 +2221,7 @@
       </p:grpSpPr>
       <p:sp>
         <p:nvSpPr>
-          <p:cNvPr id="350" name="Google Shape;350;g7d510cf431_0_372:notes"/>
+          <p:cNvPr id="345" name="Google Shape;345;g7d510cf431_2_30:notes"/>
           <p:cNvSpPr/>
           <p:nvPr>
             <p:ph idx="2" type="sldImg"/>
@@ -2257,7 +2256,7 @@
       </p:sp>
       <p:sp>
         <p:nvSpPr>
-          <p:cNvPr id="351" name="Google Shape;351;g7d510cf431_0_372:notes"/>
+          <p:cNvPr id="346" name="Google Shape;346;g7d510cf431_2_30:notes"/>
           <p:cNvSpPr txBox="1"/>
           <p:nvPr>
             <p:ph idx="1" type="body"/>
@@ -2307,7 +2306,7 @@
   <p:cSld>
     <p:spTree>
       <p:nvGrpSpPr>
-        <p:cNvPr id="357" name="Shape 357"/>
+        <p:cNvPr id="351" name="Shape 351"/>
         <p:cNvGrpSpPr/>
         <p:nvPr/>
       </p:nvGrpSpPr>
@@ -2321,7 +2320,7 @@
       </p:grpSpPr>
       <p:sp>
         <p:nvSpPr>
-          <p:cNvPr id="358" name="Google Shape;358;g7d510cf431_2_30:notes"/>
+          <p:cNvPr id="352" name="Google Shape;352;g7d510cf431_2_55:notes"/>
           <p:cNvSpPr/>
           <p:nvPr>
             <p:ph idx="2" type="sldImg"/>
@@ -2356,7 +2355,7 @@
       </p:sp>
       <p:sp>
         <p:nvSpPr>
-          <p:cNvPr id="359" name="Google Shape;359;g7d510cf431_2_30:notes"/>
+          <p:cNvPr id="353" name="Google Shape;353;g7d510cf431_2_55:notes"/>
           <p:cNvSpPr txBox="1"/>
           <p:nvPr>
             <p:ph idx="1" type="body"/>
@@ -2406,7 +2405,7 @@
   <p:cSld>
     <p:spTree>
       <p:nvGrpSpPr>
-        <p:cNvPr id="364" name="Shape 364"/>
+        <p:cNvPr id="357" name="Shape 357"/>
         <p:cNvGrpSpPr/>
         <p:nvPr/>
       </p:nvGrpSpPr>
@@ -2420,7 +2419,7 @@
       </p:grpSpPr>
       <p:sp>
         <p:nvSpPr>
-          <p:cNvPr id="365" name="Google Shape;365;g7d510cf431_2_55:notes"/>
+          <p:cNvPr id="358" name="Google Shape;358;g7d510cf431_2_78:notes"/>
           <p:cNvSpPr/>
           <p:nvPr>
             <p:ph idx="2" type="sldImg"/>
@@ -2455,7 +2454,7 @@
       </p:sp>
       <p:sp>
         <p:nvSpPr>
-          <p:cNvPr id="366" name="Google Shape;366;g7d510cf431_2_55:notes"/>
+          <p:cNvPr id="359" name="Google Shape;359;g7d510cf431_2_78:notes"/>
           <p:cNvSpPr txBox="1"/>
           <p:nvPr>
             <p:ph idx="1" type="body"/>
@@ -2505,7 +2504,7 @@
   <p:cSld>
     <p:spTree>
       <p:nvGrpSpPr>
-        <p:cNvPr id="370" name="Shape 370"/>
+        <p:cNvPr id="365" name="Shape 365"/>
         <p:cNvGrpSpPr/>
         <p:nvPr/>
       </p:nvGrpSpPr>
@@ -2519,7 +2518,7 @@
       </p:grpSpPr>
       <p:sp>
         <p:nvSpPr>
-          <p:cNvPr id="371" name="Google Shape;371;g7d510cf431_2_78:notes"/>
+          <p:cNvPr id="366" name="Google Shape;366;g7d510cf431_2_86:notes"/>
           <p:cNvSpPr/>
           <p:nvPr>
             <p:ph idx="2" type="sldImg"/>
@@ -2554,7 +2553,7 @@
       </p:sp>
       <p:sp>
         <p:nvSpPr>
-          <p:cNvPr id="372" name="Google Shape;372;g7d510cf431_2_78:notes"/>
+          <p:cNvPr id="367" name="Google Shape;367;g7d510cf431_2_86:notes"/>
           <p:cNvSpPr txBox="1"/>
           <p:nvPr>
             <p:ph idx="1" type="body"/>
@@ -2604,7 +2603,7 @@
   <p:cSld>
     <p:spTree>
       <p:nvGrpSpPr>
-        <p:cNvPr id="378" name="Shape 378"/>
+        <p:cNvPr id="373" name="Shape 373"/>
         <p:cNvGrpSpPr/>
         <p:nvPr/>
       </p:nvGrpSpPr>
@@ -2618,7 +2617,7 @@
       </p:grpSpPr>
       <p:sp>
         <p:nvSpPr>
-          <p:cNvPr id="379" name="Google Shape;379;g7d510cf431_2_86:notes"/>
+          <p:cNvPr id="374" name="Google Shape;374;g7d510cf431_2_97:notes"/>
           <p:cNvSpPr/>
           <p:nvPr>
             <p:ph idx="2" type="sldImg"/>
@@ -2653,7 +2652,7 @@
       </p:sp>
       <p:sp>
         <p:nvSpPr>
-          <p:cNvPr id="380" name="Google Shape;380;g7d510cf431_2_86:notes"/>
+          <p:cNvPr id="375" name="Google Shape;375;g7d510cf431_2_97:notes"/>
           <p:cNvSpPr txBox="1"/>
           <p:nvPr>
             <p:ph idx="1" type="body"/>
@@ -2703,7 +2702,7 @@
   <p:cSld>
     <p:spTree>
       <p:nvGrpSpPr>
-        <p:cNvPr id="386" name="Shape 386"/>
+        <p:cNvPr id="380" name="Shape 380"/>
         <p:cNvGrpSpPr/>
         <p:nvPr/>
       </p:nvGrpSpPr>
@@ -2717,7 +2716,7 @@
       </p:grpSpPr>
       <p:sp>
         <p:nvSpPr>
-          <p:cNvPr id="387" name="Google Shape;387;g7d510cf431_2_97:notes"/>
+          <p:cNvPr id="381" name="Google Shape;381;g7d510cf431_2_107:notes"/>
           <p:cNvSpPr/>
           <p:nvPr>
             <p:ph idx="2" type="sldImg"/>
@@ -2752,7 +2751,7 @@
       </p:sp>
       <p:sp>
         <p:nvSpPr>
-          <p:cNvPr id="388" name="Google Shape;388;g7d510cf431_2_97:notes"/>
+          <p:cNvPr id="382" name="Google Shape;382;g7d510cf431_2_107:notes"/>
           <p:cNvSpPr txBox="1"/>
           <p:nvPr>
             <p:ph idx="1" type="body"/>
@@ -2802,7 +2801,7 @@
   <p:cSld>
     <p:spTree>
       <p:nvGrpSpPr>
-        <p:cNvPr id="393" name="Shape 393"/>
+        <p:cNvPr id="387" name="Shape 387"/>
         <p:cNvGrpSpPr/>
         <p:nvPr/>
       </p:nvGrpSpPr>
@@ -2816,7 +2815,7 @@
       </p:grpSpPr>
       <p:sp>
         <p:nvSpPr>
-          <p:cNvPr id="394" name="Google Shape;394;g7d510cf431_2_107:notes"/>
+          <p:cNvPr id="388" name="Google Shape;388;g7d510cf431_2_117:notes"/>
           <p:cNvSpPr/>
           <p:nvPr>
             <p:ph idx="2" type="sldImg"/>
@@ -2851,7 +2850,7 @@
       </p:sp>
       <p:sp>
         <p:nvSpPr>
-          <p:cNvPr id="395" name="Google Shape;395;g7d510cf431_2_107:notes"/>
+          <p:cNvPr id="389" name="Google Shape;389;g7d510cf431_2_117:notes"/>
           <p:cNvSpPr txBox="1"/>
           <p:nvPr>
             <p:ph idx="1" type="body"/>
@@ -3000,7 +2999,7 @@
   <p:cSld>
     <p:spTree>
       <p:nvGrpSpPr>
-        <p:cNvPr id="400" name="Shape 400"/>
+        <p:cNvPr id="394" name="Shape 394"/>
         <p:cNvGrpSpPr/>
         <p:nvPr/>
       </p:nvGrpSpPr>
@@ -3014,7 +3013,7 @@
       </p:grpSpPr>
       <p:sp>
         <p:nvSpPr>
-          <p:cNvPr id="401" name="Google Shape;401;g7d510cf431_2_117:notes"/>
+          <p:cNvPr id="395" name="Google Shape;395;g7d510cf431_2_125:notes"/>
           <p:cNvSpPr/>
           <p:nvPr>
             <p:ph idx="2" type="sldImg"/>
@@ -3049,7 +3048,7 @@
       </p:sp>
       <p:sp>
         <p:nvSpPr>
-          <p:cNvPr id="402" name="Google Shape;402;g7d510cf431_2_117:notes"/>
+          <p:cNvPr id="396" name="Google Shape;396;g7d510cf431_2_125:notes"/>
           <p:cNvSpPr txBox="1"/>
           <p:nvPr>
             <p:ph idx="1" type="body"/>
@@ -3099,7 +3098,7 @@
   <p:cSld>
     <p:spTree>
       <p:nvGrpSpPr>
-        <p:cNvPr id="407" name="Shape 407"/>
+        <p:cNvPr id="400" name="Shape 400"/>
         <p:cNvGrpSpPr/>
         <p:nvPr/>
       </p:nvGrpSpPr>
@@ -3113,7 +3112,7 @@
       </p:grpSpPr>
       <p:sp>
         <p:nvSpPr>
-          <p:cNvPr id="408" name="Google Shape;408;g7d510cf431_2_125:notes"/>
+          <p:cNvPr id="401" name="Google Shape;401;g7d510cf431_2_131:notes"/>
           <p:cNvSpPr/>
           <p:nvPr>
             <p:ph idx="2" type="sldImg"/>
@@ -3148,7 +3147,7 @@
       </p:sp>
       <p:sp>
         <p:nvSpPr>
-          <p:cNvPr id="409" name="Google Shape;409;g7d510cf431_2_125:notes"/>
+          <p:cNvPr id="402" name="Google Shape;402;g7d510cf431_2_131:notes"/>
           <p:cNvSpPr txBox="1"/>
           <p:nvPr>
             <p:ph idx="1" type="body"/>
@@ -3198,7 +3197,7 @@
   <p:cSld>
     <p:spTree>
       <p:nvGrpSpPr>
-        <p:cNvPr id="413" name="Shape 413"/>
+        <p:cNvPr id="407" name="Shape 407"/>
         <p:cNvGrpSpPr/>
         <p:nvPr/>
       </p:nvGrpSpPr>
@@ -3212,7 +3211,7 @@
       </p:grpSpPr>
       <p:sp>
         <p:nvSpPr>
-          <p:cNvPr id="414" name="Google Shape;414;g7d510cf431_2_131:notes"/>
+          <p:cNvPr id="408" name="Google Shape;408;g7d510cf431_2_140:notes"/>
           <p:cNvSpPr/>
           <p:nvPr>
             <p:ph idx="2" type="sldImg"/>
@@ -3247,106 +3246,7 @@
       </p:sp>
       <p:sp>
         <p:nvSpPr>
-          <p:cNvPr id="415" name="Google Shape;415;g7d510cf431_2_131:notes"/>
-          <p:cNvSpPr txBox="1"/>
-          <p:nvPr>
-            <p:ph idx="1" type="body"/>
-          </p:nvPr>
-        </p:nvSpPr>
-        <p:spPr>
-          <a:xfrm>
-            <a:off x="685800" y="4343400"/>
-            <a:ext cx="5486400" cy="4114800"/>
-          </a:xfrm>
-          <a:prstGeom prst="rect">
-            <a:avLst/>
-          </a:prstGeom>
-        </p:spPr>
-        <p:txBody>
-          <a:bodyPr anchorCtr="0" anchor="t" bIns="91425" lIns="91425" spcFirstLastPara="1" rIns="91425" wrap="square" tIns="91425">
-            <a:noAutofit/>
-          </a:bodyPr>
-          <a:lstStyle/>
-          <a:p>
-            <a:pPr indent="0" lvl="0" marL="0" rtl="0" algn="l">
-              <a:spcBef>
-                <a:spcPts val="0"/>
-              </a:spcBef>
-              <a:spcAft>
-                <a:spcPts val="0"/>
-              </a:spcAft>
-              <a:buNone/>
-            </a:pPr>
-            <a:r>
-              <a:t/>
-            </a:r>
-            <a:endParaRPr/>
-          </a:p>
-        </p:txBody>
-      </p:sp>
-    </p:spTree>
-  </p:cSld>
-  <p:clrMapOvr>
-    <a:masterClrMapping/>
-  </p:clrMapOvr>
-</p:notes>
-</file>
-
-<file path=ppt/notesSlides/notesSlide33.xml><?xml version="1.0" encoding="utf-8"?>
-<p:notes xmlns:a="http://schemas.openxmlformats.org/drawingml/2006/main" xmlns:r="http://schemas.openxmlformats.org/officeDocument/2006/relationships" xmlns:mc="http://schemas.openxmlformats.org/markup-compatibility/2006" xmlns:mv="urn:schemas-microsoft-com:mac:vml" xmlns:p="http://schemas.openxmlformats.org/presentationml/2006/main" xmlns:c="http://schemas.openxmlformats.org/drawingml/2006/chart" xmlns:dgm="http://schemas.openxmlformats.org/drawingml/2006/diagram" xmlns:o="urn:schemas-microsoft-com:office:office" xmlns:v="urn:schemas-microsoft-com:vml" xmlns:pvml="urn:schemas-microsoft-com:office:powerpoint" xmlns:com="http://schemas.openxmlformats.org/drawingml/2006/compatibility" xmlns:p14="http://schemas.microsoft.com/office/powerpoint/2010/main" xmlns:p15="http://schemas.microsoft.com/office/powerpoint/2012/main" showMasterPhAnim="0" showMasterSp="0">
-  <p:cSld>
-    <p:spTree>
-      <p:nvGrpSpPr>
-        <p:cNvPr id="420" name="Shape 420"/>
-        <p:cNvGrpSpPr/>
-        <p:nvPr/>
-      </p:nvGrpSpPr>
-      <p:grpSpPr>
-        <a:xfrm>
-          <a:off x="0" y="0"/>
-          <a:ext cx="0" cy="0"/>
-          <a:chOff x="0" y="0"/>
-          <a:chExt cx="0" cy="0"/>
-        </a:xfrm>
-      </p:grpSpPr>
-      <p:sp>
-        <p:nvSpPr>
-          <p:cNvPr id="421" name="Google Shape;421;g7d510cf431_2_140:notes"/>
-          <p:cNvSpPr/>
-          <p:nvPr>
-            <p:ph idx="2" type="sldImg"/>
-          </p:nvPr>
-        </p:nvSpPr>
-        <p:spPr>
-          <a:xfrm>
-            <a:off x="381300" y="685800"/>
-            <a:ext cx="6096000" cy="3429000"/>
-          </a:xfrm>
-          <a:custGeom>
-            <a:rect b="b" l="l" r="r" t="t"/>
-            <a:pathLst>
-              <a:path extrusionOk="0" h="120000" w="120000">
-                <a:moveTo>
-                  <a:pt x="0" y="0"/>
-                </a:moveTo>
-                <a:lnTo>
-                  <a:pt x="120000" y="0"/>
-                </a:lnTo>
-                <a:lnTo>
-                  <a:pt x="120000" y="120000"/>
-                </a:lnTo>
-                <a:lnTo>
-                  <a:pt x="0" y="120000"/>
-                </a:lnTo>
-                <a:close/>
-              </a:path>
-            </a:pathLst>
-          </a:custGeom>
-        </p:spPr>
-      </p:sp>
-      <p:sp>
-        <p:nvSpPr>
-          <p:cNvPr id="422" name="Google Shape;422;g7d510cf431_2_140:notes"/>
+          <p:cNvPr id="409" name="Google Shape;409;g7d510cf431_2_140:notes"/>
           <p:cNvSpPr txBox="1"/>
           <p:nvPr>
             <p:ph idx="1" type="body"/>
@@ -13190,7 +13090,7 @@
                   <a:srgbClr val="A61C00"/>
                 </a:solidFill>
               </a:rPr>
-              <a:t>Inception V2</a:t>
+              <a:t>Inception V2 Block</a:t>
             </a:r>
             <a:endParaRPr>
               <a:solidFill>
@@ -13203,399 +13103,6 @@
       <p:sp>
         <p:nvSpPr>
           <p:cNvPr id="253" name="Google Shape;253;p26"/>
-          <p:cNvSpPr txBox="1"/>
-          <p:nvPr/>
-        </p:nvSpPr>
-        <p:spPr>
-          <a:xfrm>
-            <a:off x="311700" y="1105350"/>
-            <a:ext cx="8520600" cy="2253000"/>
-          </a:xfrm>
-          <a:prstGeom prst="rect">
-            <a:avLst/>
-          </a:prstGeom>
-          <a:noFill/>
-          <a:ln>
-            <a:noFill/>
-          </a:ln>
-        </p:spPr>
-        <p:txBody>
-          <a:bodyPr anchorCtr="0" anchor="t" bIns="91425" lIns="91425" spcFirstLastPara="1" rIns="91425" wrap="square" tIns="91425">
-            <a:noAutofit/>
-          </a:bodyPr>
-          <a:lstStyle/>
-          <a:p>
-            <a:pPr indent="0" lvl="0" marL="0" rtl="0" algn="ctr">
-              <a:lnSpc>
-                <a:spcPct val="115000"/>
-              </a:lnSpc>
-              <a:spcBef>
-                <a:spcPts val="0"/>
-              </a:spcBef>
-              <a:spcAft>
-                <a:spcPts val="0"/>
-              </a:spcAft>
-              <a:buClr>
-                <a:schemeClr val="dk1"/>
-              </a:buClr>
-              <a:buSzPts val="1100"/>
-              <a:buFont typeface="Arial"/>
-              <a:buNone/>
-            </a:pPr>
-            <a:r>
-              <a:rPr b="1" lang="en" sz="1200">
-                <a:solidFill>
-                  <a:schemeClr val="dk1"/>
-                </a:solidFill>
-              </a:rPr>
-              <a:t> Factoring Convolutions</a:t>
-            </a:r>
-            <a:br>
-              <a:rPr lang="en" sz="1100">
-                <a:solidFill>
-                  <a:schemeClr val="dk1"/>
-                </a:solidFill>
-              </a:rPr>
-            </a:br>
-            <a:endParaRPr sz="1200">
-              <a:solidFill>
-                <a:schemeClr val="dk1"/>
-              </a:solidFill>
-            </a:endParaRPr>
-          </a:p>
-          <a:p>
-            <a:pPr indent="0" lvl="0" marL="0" rtl="0" algn="l">
-              <a:lnSpc>
-                <a:spcPct val="115000"/>
-              </a:lnSpc>
-              <a:spcBef>
-                <a:spcPts val="0"/>
-              </a:spcBef>
-              <a:spcAft>
-                <a:spcPts val="0"/>
-              </a:spcAft>
-              <a:buClr>
-                <a:schemeClr val="dk1"/>
-              </a:buClr>
-              <a:buSzPts val="1100"/>
-              <a:buFont typeface="Arial"/>
-              <a:buNone/>
-            </a:pPr>
-            <a:r>
-              <a:rPr b="1" lang="en" sz="1200">
-                <a:solidFill>
-                  <a:schemeClr val="dk1"/>
-                </a:solidFill>
-              </a:rPr>
-              <a:t>Inception v2</a:t>
-            </a:r>
-            <a:r>
-              <a:rPr lang="en" sz="1200">
-                <a:solidFill>
-                  <a:schemeClr val="dk1"/>
-                </a:solidFill>
-              </a:rPr>
-              <a:t> introduced the </a:t>
-            </a:r>
-            <a:r>
-              <a:rPr b="1" lang="en" sz="1200">
-                <a:solidFill>
-                  <a:srgbClr val="4A86E8"/>
-                </a:solidFill>
-              </a:rPr>
-              <a:t>concept of factorization for the more expensive convolutions in an inception module to reduce computational complexity</a:t>
-            </a:r>
-            <a:r>
-              <a:rPr lang="en" sz="1200">
-                <a:solidFill>
-                  <a:schemeClr val="dk1"/>
-                </a:solidFill>
-              </a:rPr>
-              <a:t>, and </a:t>
-            </a:r>
-            <a:r>
-              <a:rPr b="1" lang="en" sz="1200">
-                <a:solidFill>
-                  <a:srgbClr val="4A86E8"/>
-                </a:solidFill>
-              </a:rPr>
-              <a:t>reduce information loss from representational bottlenecks</a:t>
-            </a:r>
-            <a:r>
-              <a:rPr lang="en" sz="1200">
-                <a:solidFill>
-                  <a:schemeClr val="dk1"/>
-                </a:solidFill>
-              </a:rPr>
-              <a:t>.</a:t>
-            </a:r>
-            <a:endParaRPr sz="1200">
-              <a:solidFill>
-                <a:schemeClr val="dk1"/>
-              </a:solidFill>
-            </a:endParaRPr>
-          </a:p>
-          <a:p>
-            <a:pPr indent="0" lvl="0" marL="0" rtl="0" algn="l">
-              <a:lnSpc>
-                <a:spcPct val="115000"/>
-              </a:lnSpc>
-              <a:spcBef>
-                <a:spcPts val="0"/>
-              </a:spcBef>
-              <a:spcAft>
-                <a:spcPts val="0"/>
-              </a:spcAft>
-              <a:buClr>
-                <a:schemeClr val="dk1"/>
-              </a:buClr>
-              <a:buSzPts val="1100"/>
-              <a:buFont typeface="Arial"/>
-              <a:buNone/>
-            </a:pPr>
-            <a:r>
-              <a:t/>
-            </a:r>
-            <a:endParaRPr sz="1200">
-              <a:solidFill>
-                <a:schemeClr val="dk1"/>
-              </a:solidFill>
-            </a:endParaRPr>
-          </a:p>
-          <a:p>
-            <a:pPr indent="0" lvl="0" marL="0" rtl="0" algn="l">
-              <a:lnSpc>
-                <a:spcPct val="115000"/>
-              </a:lnSpc>
-              <a:spcBef>
-                <a:spcPts val="0"/>
-              </a:spcBef>
-              <a:spcAft>
-                <a:spcPts val="0"/>
-              </a:spcAft>
-              <a:buClr>
-                <a:schemeClr val="dk1"/>
-              </a:buClr>
-              <a:buSzPts val="1100"/>
-              <a:buFont typeface="Arial"/>
-              <a:buNone/>
-            </a:pPr>
-            <a:r>
-              <a:rPr lang="en" sz="1200" u="sng">
-                <a:solidFill>
-                  <a:schemeClr val="dk1"/>
-                </a:solidFill>
-              </a:rPr>
-              <a:t>The larger a filter (kernel) size is in a convolution, the more computationally expensive it is. </a:t>
-            </a:r>
-            <a:endParaRPr sz="1200" u="sng">
-              <a:solidFill>
-                <a:schemeClr val="dk1"/>
-              </a:solidFill>
-            </a:endParaRPr>
-          </a:p>
-          <a:p>
-            <a:pPr indent="0" lvl="0" marL="0" rtl="0" algn="l">
-              <a:lnSpc>
-                <a:spcPct val="115000"/>
-              </a:lnSpc>
-              <a:spcBef>
-                <a:spcPts val="0"/>
-              </a:spcBef>
-              <a:spcAft>
-                <a:spcPts val="0"/>
-              </a:spcAft>
-              <a:buClr>
-                <a:schemeClr val="dk1"/>
-              </a:buClr>
-              <a:buSzPts val="1100"/>
-              <a:buFont typeface="Arial"/>
-              <a:buNone/>
-            </a:pPr>
-            <a:r>
-              <a:t/>
-            </a:r>
-            <a:endParaRPr sz="1200">
-              <a:solidFill>
-                <a:schemeClr val="dk1"/>
-              </a:solidFill>
-            </a:endParaRPr>
-          </a:p>
-          <a:p>
-            <a:pPr indent="0" lvl="0" marL="0" rtl="0" algn="l">
-              <a:lnSpc>
-                <a:spcPct val="115000"/>
-              </a:lnSpc>
-              <a:spcBef>
-                <a:spcPts val="0"/>
-              </a:spcBef>
-              <a:spcAft>
-                <a:spcPts val="0"/>
-              </a:spcAft>
-              <a:buClr>
-                <a:schemeClr val="dk1"/>
-              </a:buClr>
-              <a:buSzPts val="1100"/>
-              <a:buFont typeface="Arial"/>
-              <a:buNone/>
-            </a:pPr>
-            <a:r>
-              <a:rPr lang="en" sz="1200">
-                <a:solidFill>
-                  <a:schemeClr val="dk1"/>
-                </a:solidFill>
-              </a:rPr>
-              <a:t>A 5 x 5 convolution in the inception module was 2.78x more computationally expensive than a 3 x 3. In the Inception v2 module, the</a:t>
-            </a:r>
-            <a:r>
-              <a:rPr b="1" lang="en" sz="1200">
-                <a:solidFill>
-                  <a:srgbClr val="4A86E8"/>
-                </a:solidFill>
-              </a:rPr>
-              <a:t> 5 x 5 filter is replaced by a stack of two 3 x 3 filters, which results in a reduction of computational complexity of the replaced 5 x 5 filter by 33%.</a:t>
-            </a:r>
-            <a:endParaRPr b="1" sz="1200">
-              <a:solidFill>
-                <a:srgbClr val="4A86E8"/>
-              </a:solidFill>
-            </a:endParaRPr>
-          </a:p>
-          <a:p>
-            <a:pPr indent="0" lvl="0" marL="0" rtl="0" algn="l">
-              <a:lnSpc>
-                <a:spcPct val="115000"/>
-              </a:lnSpc>
-              <a:spcBef>
-                <a:spcPts val="0"/>
-              </a:spcBef>
-              <a:spcAft>
-                <a:spcPts val="0"/>
-              </a:spcAft>
-              <a:buClr>
-                <a:schemeClr val="dk1"/>
-              </a:buClr>
-              <a:buSzPts val="1100"/>
-              <a:buFont typeface="Arial"/>
-              <a:buNone/>
-            </a:pPr>
-            <a:r>
-              <a:t/>
-            </a:r>
-            <a:endParaRPr sz="1200">
-              <a:solidFill>
-                <a:schemeClr val="dk1"/>
-              </a:solidFill>
-            </a:endParaRPr>
-          </a:p>
-          <a:p>
-            <a:pPr indent="0" lvl="0" marL="0" rtl="0" algn="l">
-              <a:lnSpc>
-                <a:spcPct val="115000"/>
-              </a:lnSpc>
-              <a:spcBef>
-                <a:spcPts val="0"/>
-              </a:spcBef>
-              <a:spcAft>
-                <a:spcPts val="0"/>
-              </a:spcAft>
-              <a:buClr>
-                <a:schemeClr val="dk1"/>
-              </a:buClr>
-              <a:buSzPts val="1100"/>
-              <a:buFont typeface="Arial"/>
-              <a:buNone/>
-            </a:pPr>
-            <a:r>
-              <a:t/>
-            </a:r>
-            <a:endParaRPr sz="1200">
-              <a:solidFill>
-                <a:schemeClr val="dk1"/>
-              </a:solidFill>
-            </a:endParaRPr>
-          </a:p>
-        </p:txBody>
-      </p:sp>
-    </p:spTree>
-  </p:cSld>
-  <p:clrMapOvr>
-    <a:masterClrMapping/>
-  </p:clrMapOvr>
-</p:sld>
-</file>
-
-<file path=ppt/slides/slide15.xml><?xml version="1.0" encoding="utf-8"?>
-<p:sld xmlns:a="http://schemas.openxmlformats.org/drawingml/2006/main" xmlns:r="http://schemas.openxmlformats.org/officeDocument/2006/relationships" xmlns:mc="http://schemas.openxmlformats.org/markup-compatibility/2006" xmlns:mv="urn:schemas-microsoft-com:mac:vml" xmlns:p="http://schemas.openxmlformats.org/presentationml/2006/main" xmlns:c="http://schemas.openxmlformats.org/drawingml/2006/chart" xmlns:dgm="http://schemas.openxmlformats.org/drawingml/2006/diagram" xmlns:o="urn:schemas-microsoft-com:office:office" xmlns:v="urn:schemas-microsoft-com:vml" xmlns:pvml="urn:schemas-microsoft-com:office:powerpoint" xmlns:com="http://schemas.openxmlformats.org/drawingml/2006/compatibility" xmlns:p14="http://schemas.microsoft.com/office/powerpoint/2010/main" xmlns:p15="http://schemas.microsoft.com/office/powerpoint/2012/main">
-  <p:cSld>
-    <p:spTree>
-      <p:nvGrpSpPr>
-        <p:cNvPr id="257" name="Shape 257"/>
-        <p:cNvGrpSpPr/>
-        <p:nvPr/>
-      </p:nvGrpSpPr>
-      <p:grpSpPr>
-        <a:xfrm>
-          <a:off x="0" y="0"/>
-          <a:ext cx="0" cy="0"/>
-          <a:chOff x="0" y="0"/>
-          <a:chExt cx="0" cy="0"/>
-        </a:xfrm>
-      </p:grpSpPr>
-      <p:sp>
-        <p:nvSpPr>
-          <p:cNvPr id="258" name="Google Shape;258;p27"/>
-          <p:cNvSpPr txBox="1"/>
-          <p:nvPr>
-            <p:ph type="title"/>
-          </p:nvPr>
-        </p:nvSpPr>
-        <p:spPr>
-          <a:xfrm>
-            <a:off x="311700" y="445025"/>
-            <a:ext cx="8520600" cy="572700"/>
-          </a:xfrm>
-          <a:prstGeom prst="rect">
-            <a:avLst/>
-          </a:prstGeom>
-          <a:solidFill>
-            <a:srgbClr val="D9D9D9"/>
-          </a:solidFill>
-        </p:spPr>
-        <p:txBody>
-          <a:bodyPr anchorCtr="0" anchor="t" bIns="91425" lIns="91425" spcFirstLastPara="1" rIns="91425" wrap="square" tIns="91425">
-            <a:noAutofit/>
-          </a:bodyPr>
-          <a:lstStyle/>
-          <a:p>
-            <a:pPr indent="0" lvl="0" marL="0" rtl="0" algn="ctr">
-              <a:spcBef>
-                <a:spcPts val="0"/>
-              </a:spcBef>
-              <a:spcAft>
-                <a:spcPts val="0"/>
-              </a:spcAft>
-              <a:buNone/>
-            </a:pPr>
-            <a:r>
-              <a:rPr lang="en">
-                <a:solidFill>
-                  <a:srgbClr val="A61C00"/>
-                </a:solidFill>
-              </a:rPr>
-              <a:t>Inception V2 Block</a:t>
-            </a:r>
-            <a:endParaRPr>
-              <a:solidFill>
-                <a:srgbClr val="A61C00"/>
-              </a:solidFill>
-            </a:endParaRPr>
-          </a:p>
-        </p:txBody>
-      </p:sp>
-      <p:sp>
-        <p:nvSpPr>
-          <p:cNvPr id="259" name="Google Shape;259;p27"/>
           <p:cNvSpPr txBox="1"/>
           <p:nvPr/>
         </p:nvSpPr>
@@ -13833,14 +13340,14 @@
       </p:sp>
       <p:sp>
         <p:nvSpPr>
-          <p:cNvPr id="260" name="Google Shape;260;p27"/>
+          <p:cNvPr id="254" name="Google Shape;254;p26"/>
           <p:cNvSpPr/>
           <p:nvPr/>
         </p:nvSpPr>
         <p:spPr>
           <a:xfrm>
-            <a:off x="2622093" y="2800048"/>
-            <a:ext cx="644700" cy="291900"/>
+            <a:off x="2662225" y="2814002"/>
+            <a:ext cx="651000" cy="297000"/>
           </a:xfrm>
           <a:prstGeom prst="roundRect">
             <a:avLst>
@@ -13885,14 +13392,14 @@
       </p:sp>
       <p:sp>
         <p:nvSpPr>
-          <p:cNvPr id="261" name="Google Shape;261;p27"/>
+          <p:cNvPr id="255" name="Google Shape;255;p26"/>
           <p:cNvSpPr/>
           <p:nvPr/>
         </p:nvSpPr>
         <p:spPr>
           <a:xfrm>
-            <a:off x="2622093" y="3306305"/>
-            <a:ext cx="644700" cy="291900"/>
+            <a:off x="2662225" y="3329250"/>
+            <a:ext cx="651000" cy="297000"/>
           </a:xfrm>
           <a:prstGeom prst="roundRect">
             <a:avLst>
@@ -13937,14 +13444,14 @@
       </p:sp>
       <p:sp>
         <p:nvSpPr>
-          <p:cNvPr id="262" name="Google Shape;262;p27"/>
+          <p:cNvPr id="256" name="Google Shape;256;p26"/>
           <p:cNvSpPr/>
           <p:nvPr/>
         </p:nvSpPr>
         <p:spPr>
           <a:xfrm>
-            <a:off x="3398041" y="2800048"/>
-            <a:ext cx="644700" cy="291900"/>
+            <a:off x="3445876" y="2814002"/>
+            <a:ext cx="651000" cy="297000"/>
           </a:xfrm>
           <a:prstGeom prst="roundRect">
             <a:avLst>
@@ -13989,14 +13496,14 @@
       </p:sp>
       <p:sp>
         <p:nvSpPr>
-          <p:cNvPr id="263" name="Google Shape;263;p27"/>
+          <p:cNvPr id="257" name="Google Shape;257;p26"/>
           <p:cNvSpPr/>
           <p:nvPr/>
         </p:nvSpPr>
         <p:spPr>
           <a:xfrm>
-            <a:off x="4173989" y="2800048"/>
-            <a:ext cx="644700" cy="291900"/>
+            <a:off x="4229527" y="2814002"/>
+            <a:ext cx="651000" cy="297000"/>
           </a:xfrm>
           <a:prstGeom prst="roundRect">
             <a:avLst>
@@ -14041,14 +13548,14 @@
       </p:sp>
       <p:sp>
         <p:nvSpPr>
-          <p:cNvPr id="264" name="Google Shape;264;p27"/>
+          <p:cNvPr id="258" name="Google Shape;258;p26"/>
           <p:cNvSpPr/>
           <p:nvPr/>
         </p:nvSpPr>
         <p:spPr>
           <a:xfrm>
-            <a:off x="4949938" y="2800048"/>
-            <a:ext cx="644700" cy="291900"/>
+            <a:off x="5013177" y="2814002"/>
+            <a:ext cx="651000" cy="297000"/>
           </a:xfrm>
           <a:prstGeom prst="roundRect">
             <a:avLst>
@@ -14093,14 +13600,14 @@
       </p:sp>
       <p:sp>
         <p:nvSpPr>
-          <p:cNvPr id="265" name="Google Shape;265;p27"/>
+          <p:cNvPr id="259" name="Google Shape;259;p26"/>
           <p:cNvSpPr/>
           <p:nvPr/>
         </p:nvSpPr>
         <p:spPr>
           <a:xfrm>
-            <a:off x="4173989" y="3306305"/>
-            <a:ext cx="644700" cy="291900"/>
+            <a:off x="4229527" y="3329250"/>
+            <a:ext cx="651000" cy="297000"/>
           </a:xfrm>
           <a:prstGeom prst="roundRect">
             <a:avLst>
@@ -14145,14 +13652,14 @@
       </p:sp>
       <p:sp>
         <p:nvSpPr>
-          <p:cNvPr id="266" name="Google Shape;266;p27"/>
+          <p:cNvPr id="260" name="Google Shape;260;p26"/>
           <p:cNvSpPr/>
           <p:nvPr/>
         </p:nvSpPr>
         <p:spPr>
           <a:xfrm>
-            <a:off x="4949938" y="3306305"/>
-            <a:ext cx="644700" cy="291900"/>
+            <a:off x="5013177" y="3329250"/>
+            <a:ext cx="651000" cy="297000"/>
           </a:xfrm>
           <a:prstGeom prst="roundRect">
             <a:avLst>
@@ -14189,7 +13696,7 @@
             </a:pPr>
             <a:r>
               <a:rPr b="1" lang="en" sz="800"/>
-              <a:t> 5 x 5</a:t>
+              <a:t> 3 x 3</a:t>
             </a:r>
             <a:endParaRPr b="1" sz="800"/>
           </a:p>
@@ -14197,14 +13704,14 @@
       </p:sp>
       <p:cxnSp>
         <p:nvCxnSpPr>
-          <p:cNvPr id="267" name="Google Shape;267;p27"/>
+          <p:cNvPr id="261" name="Google Shape;261;p26"/>
           <p:cNvCxnSpPr/>
           <p:nvPr/>
         </p:nvCxnSpPr>
         <p:spPr>
           <a:xfrm>
-            <a:off x="2941838" y="2558159"/>
-            <a:ext cx="2334900" cy="1800"/>
+            <a:off x="2985144" y="2567816"/>
+            <a:ext cx="2358000" cy="1800"/>
           </a:xfrm>
           <a:prstGeom prst="straightConnector1">
             <a:avLst/>
@@ -14223,14 +13730,14 @@
       </p:cxnSp>
       <p:cxnSp>
         <p:nvCxnSpPr>
-          <p:cNvPr id="268" name="Google Shape;268;p27"/>
+          <p:cNvPr id="262" name="Google Shape;262;p26"/>
           <p:cNvCxnSpPr/>
           <p:nvPr/>
         </p:nvCxnSpPr>
         <p:spPr>
           <a:xfrm flipH="1">
-            <a:off x="2941888" y="2574812"/>
-            <a:ext cx="5100" cy="211200"/>
+            <a:off x="2973296" y="2587877"/>
+            <a:ext cx="5100" cy="215100"/>
           </a:xfrm>
           <a:prstGeom prst="straightConnector1">
             <a:avLst/>
@@ -14249,14 +13756,14 @@
       </p:cxnSp>
       <p:cxnSp>
         <p:nvCxnSpPr>
-          <p:cNvPr id="269" name="Google Shape;269;p27"/>
+          <p:cNvPr id="263" name="Google Shape;263;p26"/>
           <p:cNvCxnSpPr/>
           <p:nvPr/>
         </p:nvCxnSpPr>
         <p:spPr>
           <a:xfrm flipH="1">
-            <a:off x="3717837" y="2574812"/>
-            <a:ext cx="5100" cy="211200"/>
+            <a:off x="3768896" y="2584764"/>
+            <a:ext cx="5100" cy="215100"/>
           </a:xfrm>
           <a:prstGeom prst="straightConnector1">
             <a:avLst/>
@@ -14275,14 +13782,14 @@
       </p:cxnSp>
       <p:cxnSp>
         <p:nvCxnSpPr>
-          <p:cNvPr id="270" name="Google Shape;270;p27"/>
+          <p:cNvPr id="264" name="Google Shape;264;p26"/>
           <p:cNvCxnSpPr/>
           <p:nvPr/>
         </p:nvCxnSpPr>
         <p:spPr>
           <a:xfrm flipH="1">
-            <a:off x="4493785" y="2574812"/>
-            <a:ext cx="5100" cy="211200"/>
+            <a:off x="4552547" y="2584764"/>
+            <a:ext cx="5100" cy="215100"/>
           </a:xfrm>
           <a:prstGeom prst="straightConnector1">
             <a:avLst/>
@@ -14301,14 +13808,14 @@
       </p:cxnSp>
       <p:cxnSp>
         <p:nvCxnSpPr>
-          <p:cNvPr id="271" name="Google Shape;271;p27"/>
+          <p:cNvPr id="265" name="Google Shape;265;p26"/>
           <p:cNvCxnSpPr/>
           <p:nvPr/>
         </p:nvCxnSpPr>
         <p:spPr>
           <a:xfrm flipH="1">
-            <a:off x="5269733" y="2574812"/>
-            <a:ext cx="5100" cy="211200"/>
+            <a:off x="5336198" y="2584764"/>
+            <a:ext cx="5100" cy="215100"/>
           </a:xfrm>
           <a:prstGeom prst="straightConnector1">
             <a:avLst/>
@@ -14327,14 +13834,14 @@
       </p:cxnSp>
       <p:cxnSp>
         <p:nvCxnSpPr>
-          <p:cNvPr id="272" name="Google Shape;272;p27"/>
+          <p:cNvPr id="266" name="Google Shape;266;p26"/>
           <p:cNvCxnSpPr/>
           <p:nvPr/>
         </p:nvCxnSpPr>
         <p:spPr>
           <a:xfrm flipH="1">
-            <a:off x="2941876" y="3091805"/>
-            <a:ext cx="5100" cy="211200"/>
+            <a:off x="2973283" y="3114052"/>
+            <a:ext cx="5100" cy="215100"/>
           </a:xfrm>
           <a:prstGeom prst="straightConnector1">
             <a:avLst/>
@@ -14353,14 +13860,14 @@
       </p:cxnSp>
       <p:cxnSp>
         <p:nvCxnSpPr>
-          <p:cNvPr id="273" name="Google Shape;273;p27"/>
+          <p:cNvPr id="267" name="Google Shape;267;p26"/>
           <p:cNvCxnSpPr/>
           <p:nvPr/>
         </p:nvCxnSpPr>
         <p:spPr>
           <a:xfrm flipH="1">
-            <a:off x="4498935" y="3091805"/>
-            <a:ext cx="5100" cy="211200"/>
+            <a:off x="4557748" y="3110940"/>
+            <a:ext cx="5100" cy="215100"/>
           </a:xfrm>
           <a:prstGeom prst="straightConnector1">
             <a:avLst/>
@@ -14379,14 +13886,14 @@
       </p:cxnSp>
       <p:cxnSp>
         <p:nvCxnSpPr>
-          <p:cNvPr id="274" name="Google Shape;274;p27"/>
+          <p:cNvPr id="268" name="Google Shape;268;p26"/>
           <p:cNvCxnSpPr/>
           <p:nvPr/>
         </p:nvCxnSpPr>
         <p:spPr>
           <a:xfrm flipH="1">
-            <a:off x="5269733" y="3091805"/>
-            <a:ext cx="5100" cy="211200"/>
+            <a:off x="5336198" y="3110940"/>
+            <a:ext cx="5100" cy="215100"/>
           </a:xfrm>
           <a:prstGeom prst="straightConnector1">
             <a:avLst/>
@@ -14405,14 +13912,14 @@
       </p:cxnSp>
       <p:sp>
         <p:nvSpPr>
-          <p:cNvPr id="275" name="Google Shape;275;p27"/>
+          <p:cNvPr id="269" name="Google Shape;269;p26"/>
           <p:cNvSpPr/>
           <p:nvPr/>
         </p:nvSpPr>
         <p:spPr>
           <a:xfrm>
-            <a:off x="2622951" y="4322085"/>
-            <a:ext cx="2972700" cy="291900"/>
+            <a:off x="2663092" y="4363071"/>
+            <a:ext cx="3002100" cy="297000"/>
           </a:xfrm>
           <a:prstGeom prst="roundRect">
             <a:avLst>
@@ -14457,14 +13964,14 @@
       </p:sp>
       <p:cxnSp>
         <p:nvCxnSpPr>
-          <p:cNvPr id="276" name="Google Shape;276;p27"/>
+          <p:cNvPr id="270" name="Google Shape;270;p26"/>
           <p:cNvCxnSpPr/>
           <p:nvPr/>
         </p:nvCxnSpPr>
         <p:spPr>
           <a:xfrm>
-            <a:off x="2946988" y="3598062"/>
-            <a:ext cx="6600" cy="725400"/>
+            <a:off x="2978396" y="3629301"/>
+            <a:ext cx="6600" cy="738300"/>
           </a:xfrm>
           <a:prstGeom prst="straightConnector1">
             <a:avLst/>
@@ -14483,14 +13990,14 @@
       </p:cxnSp>
       <p:cxnSp>
         <p:nvCxnSpPr>
-          <p:cNvPr id="277" name="Google Shape;277;p27"/>
+          <p:cNvPr id="271" name="Google Shape;271;p26"/>
           <p:cNvCxnSpPr/>
           <p:nvPr/>
         </p:nvCxnSpPr>
         <p:spPr>
           <a:xfrm flipH="1">
-            <a:off x="4496139" y="4032341"/>
-            <a:ext cx="600" cy="274200"/>
+            <a:off x="4554748" y="3629512"/>
+            <a:ext cx="8100" cy="717600"/>
           </a:xfrm>
           <a:prstGeom prst="straightConnector1">
             <a:avLst/>
@@ -14509,14 +14016,14 @@
       </p:cxnSp>
       <p:cxnSp>
         <p:nvCxnSpPr>
-          <p:cNvPr id="278" name="Google Shape;278;p27"/>
+          <p:cNvPr id="272" name="Google Shape;272;p26"/>
           <p:cNvCxnSpPr/>
           <p:nvPr/>
         </p:nvCxnSpPr>
         <p:spPr>
           <a:xfrm flipH="1">
-            <a:off x="3721737" y="3082321"/>
-            <a:ext cx="1200" cy="1241100"/>
+            <a:off x="3772796" y="3101288"/>
+            <a:ext cx="1200" cy="1263000"/>
           </a:xfrm>
           <a:prstGeom prst="straightConnector1">
             <a:avLst/>
@@ -14535,14 +14042,14 @@
       </p:cxnSp>
       <p:sp>
         <p:nvSpPr>
-          <p:cNvPr id="279" name="Google Shape;279;p27"/>
+          <p:cNvPr id="273" name="Google Shape;273;p26"/>
           <p:cNvSpPr txBox="1"/>
           <p:nvPr/>
         </p:nvSpPr>
         <p:spPr>
           <a:xfrm>
-            <a:off x="3879996" y="2081975"/>
-            <a:ext cx="726300" cy="236100"/>
+            <a:off x="3932614" y="2083174"/>
+            <a:ext cx="733500" cy="240300"/>
           </a:xfrm>
           <a:prstGeom prst="rect">
             <a:avLst/>
@@ -14577,14 +14084,14 @@
       </p:sp>
       <p:cxnSp>
         <p:nvCxnSpPr>
-          <p:cNvPr id="280" name="Google Shape;280;p27"/>
+          <p:cNvPr id="274" name="Google Shape;274;p26"/>
           <p:cNvCxnSpPr/>
           <p:nvPr/>
         </p:nvCxnSpPr>
         <p:spPr>
           <a:xfrm>
-            <a:off x="4109230" y="2333202"/>
-            <a:ext cx="0" cy="219600"/>
+            <a:off x="4164124" y="2338864"/>
+            <a:ext cx="0" cy="223500"/>
           </a:xfrm>
           <a:prstGeom prst="straightConnector1">
             <a:avLst/>
@@ -14603,42 +14110,14 @@
       </p:cxnSp>
       <p:cxnSp>
         <p:nvCxnSpPr>
-          <p:cNvPr id="281" name="Google Shape;281;p27"/>
+          <p:cNvPr id="275" name="Google Shape;275;p26"/>
           <p:cNvCxnSpPr/>
           <p:nvPr/>
         </p:nvCxnSpPr>
         <p:spPr>
           <a:xfrm flipH="1">
-            <a:off x="4106705" y="4613830"/>
-            <a:ext cx="5100" cy="211200"/>
-          </a:xfrm>
-          <a:prstGeom prst="straightConnector1">
-            <a:avLst/>
-          </a:prstGeom>
-          <a:noFill/>
-          <a:ln cap="flat" cmpd="sng" w="9525">
-            <a:solidFill>
-              <a:srgbClr val="595959"/>
-            </a:solidFill>
-            <a:prstDash val="solid"/>
-            <a:round/>
-            <a:headEnd len="med" w="med" type="none"/>
-            <a:tailEnd len="med" w="med" type="triangle"/>
-          </a:ln>
-        </p:spPr>
-      </p:cxnSp>
-      <p:cxnSp>
-        <p:nvCxnSpPr>
-          <p:cNvPr id="282" name="Google Shape;282;p27"/>
-          <p:cNvCxnSpPr>
-            <a:stCxn id="266" idx="2"/>
-          </p:cNvCxnSpPr>
-          <p:nvPr/>
-        </p:nvCxnSpPr>
-        <p:spPr>
-          <a:xfrm flipH="1">
-            <a:off x="5269588" y="3598205"/>
-            <a:ext cx="2700" cy="719100"/>
+            <a:off x="4161625" y="4659998"/>
+            <a:ext cx="5100" cy="215100"/>
           </a:xfrm>
           <a:prstGeom prst="straightConnector1">
             <a:avLst/>
@@ -14657,14 +14136,14 @@
       </p:cxnSp>
       <p:sp>
         <p:nvSpPr>
-          <p:cNvPr id="283" name="Google Shape;283;p27"/>
+          <p:cNvPr id="276" name="Google Shape;276;p26"/>
           <p:cNvSpPr txBox="1"/>
           <p:nvPr/>
         </p:nvSpPr>
         <p:spPr>
           <a:xfrm>
-            <a:off x="3817000" y="4786403"/>
-            <a:ext cx="726300" cy="236100"/>
+            <a:off x="3900804" y="4865708"/>
+            <a:ext cx="733500" cy="240300"/>
           </a:xfrm>
           <a:prstGeom prst="rect">
             <a:avLst/>
@@ -14699,14 +14178,14 @@
       </p:sp>
       <p:sp>
         <p:nvSpPr>
-          <p:cNvPr id="284" name="Google Shape;284;p27"/>
+          <p:cNvPr id="277" name="Google Shape;277;p26"/>
           <p:cNvSpPr txBox="1"/>
           <p:nvPr/>
         </p:nvSpPr>
         <p:spPr>
           <a:xfrm>
-            <a:off x="855650" y="3874575"/>
-            <a:ext cx="1400100" cy="281700"/>
+            <a:off x="6066313" y="3427137"/>
+            <a:ext cx="1301100" cy="717600"/>
           </a:xfrm>
           <a:prstGeom prst="rect">
             <a:avLst/>
@@ -14733,7 +14212,39 @@
             </a:pPr>
             <a:r>
               <a:rPr b="1" lang="en" sz="1000"/>
-              <a:t>Linear Projection</a:t>
+              <a:t>5 x 5 replaced </a:t>
+            </a:r>
+            <a:endParaRPr b="1" sz="1000"/>
+          </a:p>
+          <a:p>
+            <a:pPr indent="0" lvl="0" marL="0" rtl="0" algn="l">
+              <a:spcBef>
+                <a:spcPts val="0"/>
+              </a:spcBef>
+              <a:spcAft>
+                <a:spcPts val="0"/>
+              </a:spcAft>
+              <a:buNone/>
+            </a:pPr>
+            <a:r>
+              <a:rPr b="1" lang="en" sz="1000"/>
+              <a:t>by stack of two </a:t>
+            </a:r>
+            <a:endParaRPr b="1" sz="1000"/>
+          </a:p>
+          <a:p>
+            <a:pPr indent="0" lvl="0" marL="0" rtl="0" algn="l">
+              <a:spcBef>
+                <a:spcPts val="0"/>
+              </a:spcBef>
+              <a:spcAft>
+                <a:spcPts val="0"/>
+              </a:spcAft>
+              <a:buNone/>
+            </a:pPr>
+            <a:r>
+              <a:rPr b="1" lang="en" sz="1000"/>
+              <a:t>3 x 3</a:t>
             </a:r>
             <a:endParaRPr b="1" sz="1000"/>
           </a:p>
@@ -14741,78 +14252,17 @@
       </p:sp>
       <p:cxnSp>
         <p:nvCxnSpPr>
-          <p:cNvPr id="285" name="Google Shape;285;p27"/>
-          <p:cNvCxnSpPr>
-            <a:stCxn id="284" idx="3"/>
-            <a:endCxn id="261" idx="1"/>
-          </p:cNvCxnSpPr>
-          <p:nvPr/>
-        </p:nvCxnSpPr>
-        <p:spPr>
-          <a:xfrm flipH="1" rot="10800000">
-            <a:off x="2255750" y="3452325"/>
-            <a:ext cx="366300" cy="563100"/>
-          </a:xfrm>
-          <a:prstGeom prst="curvedConnector3">
-            <a:avLst>
-              <a:gd fmla="val 50006" name="adj1"/>
-            </a:avLst>
-          </a:prstGeom>
-          <a:noFill/>
-          <a:ln cap="flat" cmpd="sng" w="9525">
-            <a:solidFill>
-              <a:srgbClr val="595959"/>
-            </a:solidFill>
-            <a:prstDash val="solid"/>
-            <a:round/>
-            <a:headEnd len="med" w="med" type="none"/>
-            <a:tailEnd len="med" w="med" type="triangle"/>
-          </a:ln>
-        </p:spPr>
-      </p:cxnSp>
-      <p:cxnSp>
-        <p:nvCxnSpPr>
-          <p:cNvPr id="286" name="Google Shape;286;p27"/>
-          <p:cNvCxnSpPr>
-            <a:endCxn id="264" idx="3"/>
-          </p:cNvCxnSpPr>
-          <p:nvPr/>
-        </p:nvCxnSpPr>
-        <p:spPr>
-          <a:xfrm flipH="1">
-            <a:off x="5594638" y="2404498"/>
-            <a:ext cx="551100" cy="541500"/>
-          </a:xfrm>
-          <a:prstGeom prst="curvedConnector2">
-            <a:avLst/>
-          </a:prstGeom>
-          <a:noFill/>
-          <a:ln cap="flat" cmpd="sng" w="9525">
-            <a:solidFill>
-              <a:srgbClr val="595959"/>
-            </a:solidFill>
-            <a:prstDash val="solid"/>
-            <a:round/>
-            <a:headEnd len="med" w="med" type="none"/>
-            <a:tailEnd len="med" w="med" type="triangle"/>
-          </a:ln>
-        </p:spPr>
-      </p:cxnSp>
-      <p:cxnSp>
-        <p:nvCxnSpPr>
-          <p:cNvPr id="287" name="Google Shape;287;p27"/>
+          <p:cNvPr id="278" name="Google Shape;278;p26"/>
           <p:cNvCxnSpPr/>
           <p:nvPr/>
         </p:nvCxnSpPr>
         <p:spPr>
           <a:xfrm flipH="1">
-            <a:off x="4848662" y="2342440"/>
-            <a:ext cx="1238100" cy="454500"/>
+            <a:off x="5343711" y="3629512"/>
+            <a:ext cx="5100" cy="215100"/>
           </a:xfrm>
-          <a:prstGeom prst="curvedConnector3">
-            <a:avLst>
-              <a:gd fmla="val 50000" name="adj1"/>
-            </a:avLst>
+          <a:prstGeom prst="straightConnector1">
+            <a:avLst/>
           </a:prstGeom>
           <a:noFill/>
           <a:ln cap="flat" cmpd="sng" w="9525">
@@ -14828,214 +14278,14 @@
       </p:cxnSp>
       <p:sp>
         <p:nvSpPr>
-          <p:cNvPr id="288" name="Google Shape;288;p27"/>
-          <p:cNvSpPr txBox="1"/>
-          <p:nvPr/>
-        </p:nvSpPr>
-        <p:spPr>
-          <a:xfrm>
-            <a:off x="6201236" y="2221344"/>
-            <a:ext cx="1216800" cy="281700"/>
-          </a:xfrm>
-          <a:prstGeom prst="rect">
-            <a:avLst/>
-          </a:prstGeom>
-          <a:noFill/>
-          <a:ln>
-            <a:noFill/>
-          </a:ln>
-        </p:spPr>
-        <p:txBody>
-          <a:bodyPr anchorCtr="0" anchor="t" bIns="91425" lIns="91425" spcFirstLastPara="1" rIns="91425" wrap="square" tIns="91425">
-            <a:noAutofit/>
-          </a:bodyPr>
-          <a:lstStyle/>
-          <a:p>
-            <a:pPr indent="0" lvl="0" marL="0" rtl="0" algn="l">
-              <a:spcBef>
-                <a:spcPts val="0"/>
-              </a:spcBef>
-              <a:spcAft>
-                <a:spcPts val="0"/>
-              </a:spcAft>
-              <a:buNone/>
-            </a:pPr>
-            <a:r>
-              <a:rPr b="1" lang="en" sz="1000"/>
-              <a:t>Filter Reduction</a:t>
-            </a:r>
-            <a:endParaRPr b="1" sz="1000"/>
-          </a:p>
-        </p:txBody>
-      </p:sp>
-      <p:sp>
-        <p:nvSpPr>
-          <p:cNvPr id="289" name="Google Shape;289;p27"/>
-          <p:cNvSpPr txBox="1"/>
-          <p:nvPr/>
-        </p:nvSpPr>
-        <p:spPr>
-          <a:xfrm>
-            <a:off x="6040481" y="3011171"/>
-            <a:ext cx="2441700" cy="563100"/>
-          </a:xfrm>
-          <a:prstGeom prst="rect">
-            <a:avLst/>
-          </a:prstGeom>
-          <a:noFill/>
-          <a:ln>
-            <a:noFill/>
-          </a:ln>
-        </p:spPr>
-        <p:txBody>
-          <a:bodyPr anchorCtr="0" anchor="t" bIns="91425" lIns="91425" spcFirstLastPara="1" rIns="91425" wrap="square" tIns="91425">
-            <a:noAutofit/>
-          </a:bodyPr>
-          <a:lstStyle/>
-          <a:p>
-            <a:pPr indent="0" lvl="0" marL="0" rtl="0" algn="l">
-              <a:spcBef>
-                <a:spcPts val="0"/>
-              </a:spcBef>
-              <a:spcAft>
-                <a:spcPts val="0"/>
-              </a:spcAft>
-              <a:buNone/>
-            </a:pPr>
-            <a:r>
-              <a:rPr b="1" lang="en" sz="800">
-                <a:solidFill>
-                  <a:srgbClr val="0097A7"/>
-                </a:solidFill>
-              </a:rPr>
-              <a:t>In paper, this is done to reduce computational complexity on the 3x3 and the more expensive 5x5 filters.</a:t>
-            </a:r>
-            <a:endParaRPr b="1" sz="800">
-              <a:solidFill>
-                <a:srgbClr val="0097A7"/>
-              </a:solidFill>
-            </a:endParaRPr>
-          </a:p>
-        </p:txBody>
-      </p:sp>
-      <p:cxnSp>
-        <p:nvCxnSpPr>
-          <p:cNvPr id="290" name="Google Shape;290;p27"/>
-          <p:cNvCxnSpPr/>
-          <p:nvPr/>
-        </p:nvCxnSpPr>
-        <p:spPr>
-          <a:xfrm rot="-5400000">
-            <a:off x="6502569" y="2542873"/>
-            <a:ext cx="609000" cy="415500"/>
-          </a:xfrm>
-          <a:prstGeom prst="curvedConnector3">
-            <a:avLst>
-              <a:gd fmla="val 50000" name="adj1"/>
-            </a:avLst>
-          </a:prstGeom>
-          <a:noFill/>
-          <a:ln cap="flat" cmpd="sng" w="9525">
-            <a:solidFill>
-              <a:srgbClr val="0097A7"/>
-            </a:solidFill>
-            <a:prstDash val="solid"/>
-            <a:round/>
-            <a:headEnd len="med" w="med" type="none"/>
-            <a:tailEnd len="med" w="med" type="triangle"/>
-          </a:ln>
-        </p:spPr>
-      </p:cxnSp>
-      <p:cxnSp>
-        <p:nvCxnSpPr>
-          <p:cNvPr id="291" name="Google Shape;291;p27"/>
-          <p:cNvCxnSpPr>
-            <a:endCxn id="292" idx="3"/>
-          </p:cNvCxnSpPr>
-          <p:nvPr/>
-        </p:nvCxnSpPr>
-        <p:spPr>
-          <a:xfrm rot="10800000">
-            <a:off x="4818689" y="3916082"/>
-            <a:ext cx="1068600" cy="304200"/>
-          </a:xfrm>
-          <a:prstGeom prst="curvedConnector3">
-            <a:avLst>
-              <a:gd fmla="val 50000" name="adj1"/>
-            </a:avLst>
-          </a:prstGeom>
-          <a:noFill/>
-          <a:ln cap="flat" cmpd="sng" w="9525">
-            <a:solidFill>
-              <a:srgbClr val="0097A7"/>
-            </a:solidFill>
-            <a:prstDash val="solid"/>
-            <a:round/>
-            <a:headEnd len="med" w="med" type="none"/>
-            <a:tailEnd len="med" w="med" type="triangle"/>
-          </a:ln>
-        </p:spPr>
-      </p:cxnSp>
-      <p:sp>
-        <p:nvSpPr>
-          <p:cNvPr id="293" name="Google Shape;293;p27"/>
-          <p:cNvSpPr txBox="1"/>
-          <p:nvPr/>
-        </p:nvSpPr>
-        <p:spPr>
-          <a:xfrm>
-            <a:off x="5838595" y="4015365"/>
-            <a:ext cx="2571600" cy="541500"/>
-          </a:xfrm>
-          <a:prstGeom prst="rect">
-            <a:avLst/>
-          </a:prstGeom>
-          <a:noFill/>
-          <a:ln>
-            <a:noFill/>
-          </a:ln>
-        </p:spPr>
-        <p:txBody>
-          <a:bodyPr anchorCtr="0" anchor="t" bIns="91425" lIns="91425" spcFirstLastPara="1" rIns="91425" wrap="square" tIns="91425">
-            <a:noAutofit/>
-          </a:bodyPr>
-          <a:lstStyle/>
-          <a:p>
-            <a:pPr indent="0" lvl="0" marL="0" rtl="0" algn="l">
-              <a:spcBef>
-                <a:spcPts val="0"/>
-              </a:spcBef>
-              <a:spcAft>
-                <a:spcPts val="0"/>
-              </a:spcAft>
-              <a:buNone/>
-            </a:pPr>
-            <a:r>
-              <a:rPr b="1" lang="en" sz="800">
-                <a:solidFill>
-                  <a:srgbClr val="0097A7"/>
-                </a:solidFill>
-              </a:rPr>
-              <a:t>In paper, this inception module is referred to as the traditional inception module --but differs from V1 by using two (double) 3x3 convolution layers, instead of one.</a:t>
-            </a:r>
-            <a:endParaRPr b="1" sz="800">
-              <a:solidFill>
-                <a:srgbClr val="0097A7"/>
-              </a:solidFill>
-            </a:endParaRPr>
-          </a:p>
-        </p:txBody>
-      </p:sp>
-      <p:sp>
-        <p:nvSpPr>
-          <p:cNvPr id="292" name="Google Shape;292;p27"/>
+          <p:cNvPr id="279" name="Google Shape;279;p26"/>
           <p:cNvSpPr/>
           <p:nvPr/>
         </p:nvSpPr>
         <p:spPr>
           <a:xfrm>
-            <a:off x="4173989" y="3770132"/>
-            <a:ext cx="644700" cy="291900"/>
+            <a:off x="5020690" y="3846161"/>
+            <a:ext cx="651000" cy="297000"/>
           </a:xfrm>
           <a:prstGeom prst="roundRect">
             <a:avLst>
@@ -15072,7 +14322,7 @@
             </a:pPr>
             <a:r>
               <a:rPr b="1" lang="en" sz="800"/>
-              <a:t>3 x 3</a:t>
+              <a:t> 3 x 3</a:t>
             </a:r>
             <a:endParaRPr b="1" sz="800"/>
           </a:p>
@@ -15080,16 +14330,14 @@
       </p:sp>
       <p:cxnSp>
         <p:nvCxnSpPr>
-          <p:cNvPr id="294" name="Google Shape;294;p27"/>
-          <p:cNvCxnSpPr>
-            <a:endCxn id="292" idx="0"/>
-          </p:cNvCxnSpPr>
+          <p:cNvPr id="280" name="Google Shape;280;p26"/>
+          <p:cNvCxnSpPr/>
           <p:nvPr/>
         </p:nvCxnSpPr>
         <p:spPr>
           <a:xfrm flipH="1">
-            <a:off x="4496339" y="3601232"/>
-            <a:ext cx="2700" cy="168900"/>
+            <a:off x="5343711" y="4144761"/>
+            <a:ext cx="5100" cy="215100"/>
           </a:xfrm>
           <a:prstGeom prst="straightConnector1">
             <a:avLst/>
@@ -15106,6 +14354,56 @@
           </a:ln>
         </p:spPr>
       </p:cxnSp>
+      <p:sp>
+        <p:nvSpPr>
+          <p:cNvPr id="281" name="Google Shape;281;p26"/>
+          <p:cNvSpPr/>
+          <p:nvPr/>
+        </p:nvSpPr>
+        <p:spPr>
+          <a:xfrm>
+            <a:off x="5804799" y="3469501"/>
+            <a:ext cx="261600" cy="527100"/>
+          </a:xfrm>
+          <a:prstGeom prst="rightBrace">
+            <a:avLst>
+              <a:gd fmla="val 50000" name="adj1"/>
+              <a:gd fmla="val 50000" name="adj2"/>
+            </a:avLst>
+          </a:prstGeom>
+          <a:noFill/>
+          <a:ln cap="flat" cmpd="sng" w="9525">
+            <a:solidFill>
+              <a:srgbClr val="595959"/>
+            </a:solidFill>
+            <a:prstDash val="solid"/>
+            <a:round/>
+            <a:headEnd len="sm" w="sm" type="none"/>
+            <a:tailEnd len="sm" w="sm" type="none"/>
+          </a:ln>
+        </p:spPr>
+        <p:txBody>
+          <a:bodyPr anchorCtr="0" anchor="ctr" bIns="91425" lIns="91425" spcFirstLastPara="1" rIns="91425" wrap="square" tIns="91425">
+            <a:noAutofit/>
+          </a:bodyPr>
+          <a:lstStyle/>
+          <a:p>
+            <a:pPr indent="0" lvl="0" marL="0" rtl="0" algn="l">
+              <a:spcBef>
+                <a:spcPts val="0"/>
+              </a:spcBef>
+              <a:spcAft>
+                <a:spcPts val="0"/>
+              </a:spcAft>
+              <a:buNone/>
+            </a:pPr>
+            <a:r>
+              <a:t/>
+            </a:r>
+            <a:endParaRPr/>
+          </a:p>
+        </p:txBody>
+      </p:sp>
     </p:spTree>
   </p:cSld>
   <p:clrMapOvr>
@@ -15114,12 +14412,12 @@
 </p:sld>
 </file>
 
-<file path=ppt/slides/slide16.xml><?xml version="1.0" encoding="utf-8"?>
+<file path=ppt/slides/slide15.xml><?xml version="1.0" encoding="utf-8"?>
 <p:sld xmlns:a="http://schemas.openxmlformats.org/drawingml/2006/main" xmlns:r="http://schemas.openxmlformats.org/officeDocument/2006/relationships" xmlns:mc="http://schemas.openxmlformats.org/markup-compatibility/2006" xmlns:mv="urn:schemas-microsoft-com:mac:vml" xmlns:p="http://schemas.openxmlformats.org/presentationml/2006/main" xmlns:c="http://schemas.openxmlformats.org/drawingml/2006/chart" xmlns:dgm="http://schemas.openxmlformats.org/drawingml/2006/diagram" xmlns:o="urn:schemas-microsoft-com:office:office" xmlns:v="urn:schemas-microsoft-com:vml" xmlns:pvml="urn:schemas-microsoft-com:office:powerpoint" xmlns:com="http://schemas.openxmlformats.org/drawingml/2006/compatibility" xmlns:p14="http://schemas.microsoft.com/office/powerpoint/2010/main" xmlns:p15="http://schemas.microsoft.com/office/powerpoint/2012/main">
   <p:cSld>
     <p:spTree>
       <p:nvGrpSpPr>
-        <p:cNvPr id="298" name="Shape 298"/>
+        <p:cNvPr id="285" name="Shape 285"/>
         <p:cNvGrpSpPr/>
         <p:nvPr/>
       </p:nvGrpSpPr>
@@ -15133,7 +14431,7 @@
       </p:grpSpPr>
       <p:sp>
         <p:nvSpPr>
-          <p:cNvPr id="299" name="Google Shape;299;p28"/>
+          <p:cNvPr id="286" name="Google Shape;286;p27"/>
           <p:cNvSpPr txBox="1"/>
           <p:nvPr>
             <p:ph type="title"/>
@@ -15184,7 +14482,7 @@
       </p:sp>
       <p:sp>
         <p:nvSpPr>
-          <p:cNvPr id="300" name="Google Shape;300;p28"/>
+          <p:cNvPr id="287" name="Google Shape;287;p27"/>
           <p:cNvSpPr txBox="1"/>
           <p:nvPr/>
         </p:nvSpPr>
@@ -15339,7 +14637,7 @@
       </p:sp>
       <p:graphicFrame>
         <p:nvGraphicFramePr>
-          <p:cNvPr id="301" name="Google Shape;301;p28"/>
+          <p:cNvPr id="288" name="Google Shape;288;p27"/>
           <p:cNvGraphicFramePr/>
           <p:nvPr/>
         </p:nvGraphicFramePr>
@@ -15352,7 +14650,7 @@
             <a:tbl>
               <a:tblPr>
                 <a:noFill/>
-                <a:tableStyleId>{264BC707-175E-4C08-A337-32AED62F180F}</a:tableStyleId>
+                <a:tableStyleId>{6026C9F1-80EC-4B16-9386-2AD92B9CDD83}</a:tableStyleId>
               </a:tblPr>
               <a:tblGrid>
                 <a:gridCol w="8412950"/>
@@ -17052,7 +16350,7 @@
       </p:graphicFrame>
       <p:sp>
         <p:nvSpPr>
-          <p:cNvPr id="302" name="Google Shape;302;p28"/>
+          <p:cNvPr id="289" name="Google Shape;289;p27"/>
           <p:cNvSpPr txBox="1"/>
           <p:nvPr/>
         </p:nvSpPr>
@@ -17155,12 +16453,12 @@
 </p:sld>
 </file>
 
-<file path=ppt/slides/slide17.xml><?xml version="1.0" encoding="utf-8"?>
+<file path=ppt/slides/slide16.xml><?xml version="1.0" encoding="utf-8"?>
 <p:sld xmlns:a="http://schemas.openxmlformats.org/drawingml/2006/main" xmlns:r="http://schemas.openxmlformats.org/officeDocument/2006/relationships" xmlns:mc="http://schemas.openxmlformats.org/markup-compatibility/2006" xmlns:mv="urn:schemas-microsoft-com:mac:vml" xmlns:p="http://schemas.openxmlformats.org/presentationml/2006/main" xmlns:c="http://schemas.openxmlformats.org/drawingml/2006/chart" xmlns:dgm="http://schemas.openxmlformats.org/drawingml/2006/diagram" xmlns:o="urn:schemas-microsoft-com:office:office" xmlns:v="urn:schemas-microsoft-com:vml" xmlns:pvml="urn:schemas-microsoft-com:office:powerpoint" xmlns:com="http://schemas.openxmlformats.org/drawingml/2006/compatibility" xmlns:p14="http://schemas.microsoft.com/office/powerpoint/2010/main" xmlns:p15="http://schemas.microsoft.com/office/powerpoint/2012/main">
   <p:cSld>
     <p:spTree>
       <p:nvGrpSpPr>
-        <p:cNvPr id="306" name="Shape 306"/>
+        <p:cNvPr id="293" name="Shape 293"/>
         <p:cNvGrpSpPr/>
         <p:nvPr/>
       </p:nvGrpSpPr>
@@ -17174,7 +16472,7 @@
       </p:grpSpPr>
       <p:sp>
         <p:nvSpPr>
-          <p:cNvPr id="307" name="Google Shape;307;p29"/>
+          <p:cNvPr id="294" name="Google Shape;294;p28"/>
           <p:cNvSpPr txBox="1"/>
           <p:nvPr>
             <p:ph type="title"/>
@@ -17225,7 +16523,7 @@
       </p:sp>
       <p:pic>
         <p:nvPicPr>
-          <p:cNvPr id="308" name="Google Shape;308;p29"/>
+          <p:cNvPr id="295" name="Google Shape;295;p28"/>
           <p:cNvPicPr preferRelativeResize="0"/>
           <p:nvPr/>
         </p:nvPicPr>
@@ -17253,7 +16551,7 @@
       </p:pic>
       <p:sp>
         <p:nvSpPr>
-          <p:cNvPr id="309" name="Google Shape;309;p29"/>
+          <p:cNvPr id="296" name="Google Shape;296;p28"/>
           <p:cNvSpPr txBox="1"/>
           <p:nvPr/>
         </p:nvSpPr>
@@ -17446,12 +16744,12 @@
 </p:sld>
 </file>
 
-<file path=ppt/slides/slide18.xml><?xml version="1.0" encoding="utf-8"?>
+<file path=ppt/slides/slide17.xml><?xml version="1.0" encoding="utf-8"?>
 <p:sld xmlns:a="http://schemas.openxmlformats.org/drawingml/2006/main" xmlns:r="http://schemas.openxmlformats.org/officeDocument/2006/relationships" xmlns:mc="http://schemas.openxmlformats.org/markup-compatibility/2006" xmlns:mv="urn:schemas-microsoft-com:mac:vml" xmlns:p="http://schemas.openxmlformats.org/presentationml/2006/main" xmlns:c="http://schemas.openxmlformats.org/drawingml/2006/chart" xmlns:dgm="http://schemas.openxmlformats.org/drawingml/2006/diagram" xmlns:o="urn:schemas-microsoft-com:office:office" xmlns:v="urn:schemas-microsoft-com:vml" xmlns:pvml="urn:schemas-microsoft-com:office:powerpoint" xmlns:com="http://schemas.openxmlformats.org/drawingml/2006/compatibility" xmlns:p14="http://schemas.microsoft.com/office/powerpoint/2010/main" xmlns:p15="http://schemas.microsoft.com/office/powerpoint/2012/main">
   <p:cSld>
     <p:spTree>
       <p:nvGrpSpPr>
-        <p:cNvPr id="313" name="Shape 313"/>
+        <p:cNvPr id="300" name="Shape 300"/>
         <p:cNvGrpSpPr/>
         <p:nvPr/>
       </p:nvGrpSpPr>
@@ -17465,7 +16763,7 @@
       </p:grpSpPr>
       <p:sp>
         <p:nvSpPr>
-          <p:cNvPr id="314" name="Google Shape;314;p30"/>
+          <p:cNvPr id="301" name="Google Shape;301;p29"/>
           <p:cNvSpPr txBox="1"/>
           <p:nvPr>
             <p:ph type="title"/>
@@ -17516,7 +16814,7 @@
       </p:sp>
       <p:sp>
         <p:nvSpPr>
-          <p:cNvPr id="315" name="Google Shape;315;p30"/>
+          <p:cNvPr id="302" name="Google Shape;302;p29"/>
           <p:cNvSpPr txBox="1"/>
           <p:nvPr/>
         </p:nvSpPr>
@@ -17682,7 +16980,7 @@
       </p:sp>
       <p:pic>
         <p:nvPicPr>
-          <p:cNvPr id="316" name="Google Shape;316;p30"/>
+          <p:cNvPr id="303" name="Google Shape;303;p29"/>
           <p:cNvPicPr preferRelativeResize="0"/>
           <p:nvPr/>
         </p:nvPicPr>
@@ -17710,7 +17008,7 @@
       </p:pic>
       <p:pic>
         <p:nvPicPr>
-          <p:cNvPr id="317" name="Google Shape;317;p30"/>
+          <p:cNvPr id="304" name="Google Shape;304;p29"/>
           <p:cNvPicPr preferRelativeResize="0"/>
           <p:nvPr/>
         </p:nvPicPr>
@@ -17744,12 +17042,12 @@
 </p:sld>
 </file>
 
-<file path=ppt/slides/slide19.xml><?xml version="1.0" encoding="utf-8"?>
+<file path=ppt/slides/slide18.xml><?xml version="1.0" encoding="utf-8"?>
 <p:sld xmlns:a="http://schemas.openxmlformats.org/drawingml/2006/main" xmlns:r="http://schemas.openxmlformats.org/officeDocument/2006/relationships" xmlns:mc="http://schemas.openxmlformats.org/markup-compatibility/2006" xmlns:mv="urn:schemas-microsoft-com:mac:vml" xmlns:p="http://schemas.openxmlformats.org/presentationml/2006/main" xmlns:c="http://schemas.openxmlformats.org/drawingml/2006/chart" xmlns:dgm="http://schemas.openxmlformats.org/drawingml/2006/diagram" xmlns:o="urn:schemas-microsoft-com:office:office" xmlns:v="urn:schemas-microsoft-com:vml" xmlns:pvml="urn:schemas-microsoft-com:office:powerpoint" xmlns:com="http://schemas.openxmlformats.org/drawingml/2006/compatibility" xmlns:p14="http://schemas.microsoft.com/office/powerpoint/2010/main" xmlns:p15="http://schemas.microsoft.com/office/powerpoint/2012/main">
   <p:cSld>
     <p:spTree>
       <p:nvGrpSpPr>
-        <p:cNvPr id="321" name="Shape 321"/>
+        <p:cNvPr id="308" name="Shape 308"/>
         <p:cNvGrpSpPr/>
         <p:nvPr/>
       </p:nvGrpSpPr>
@@ -17763,7 +17061,7 @@
       </p:grpSpPr>
       <p:sp>
         <p:nvSpPr>
-          <p:cNvPr id="322" name="Google Shape;322;p31"/>
+          <p:cNvPr id="309" name="Google Shape;309;p30"/>
           <p:cNvSpPr txBox="1"/>
           <p:nvPr>
             <p:ph type="title"/>
@@ -17814,7 +17112,7 @@
       </p:sp>
       <p:sp>
         <p:nvSpPr>
-          <p:cNvPr id="323" name="Google Shape;323;p31"/>
+          <p:cNvPr id="310" name="Google Shape;310;p30"/>
           <p:cNvSpPr txBox="1"/>
           <p:nvPr/>
         </p:nvSpPr>
@@ -17860,7 +17158,7 @@
                   <a:schemeClr val="dk1"/>
                 </a:solidFill>
               </a:rPr>
-              <a:t>The gr</a:t>
+              <a:t>The </a:t>
             </a:r>
             <a:r>
               <a:rPr b="1" lang="en" sz="1200">
@@ -17868,7 +17166,7 @@
                   <a:srgbClr val="4A86E8"/>
                 </a:solidFill>
               </a:rPr>
-              <a:t>id reduction blocks reduce the number of feature maps</a:t>
+              <a:t>grid reduction blocks reduce the number of feature maps</a:t>
             </a:r>
             <a:r>
               <a:rPr lang="en" sz="1200">
@@ -18023,7 +17321,7 @@
       </p:sp>
       <p:pic>
         <p:nvPicPr>
-          <p:cNvPr id="324" name="Google Shape;324;p31"/>
+          <p:cNvPr id="311" name="Google Shape;311;p30"/>
           <p:cNvPicPr preferRelativeResize="0"/>
           <p:nvPr/>
         </p:nvPicPr>
@@ -18051,7 +17349,7 @@
       </p:pic>
       <p:pic>
         <p:nvPicPr>
-          <p:cNvPr id="325" name="Google Shape;325;p31"/>
+          <p:cNvPr id="312" name="Google Shape;312;p30"/>
           <p:cNvPicPr preferRelativeResize="0"/>
           <p:nvPr/>
         </p:nvPicPr>
@@ -18077,6 +17375,450 @@
           </a:ln>
         </p:spPr>
       </p:pic>
+    </p:spTree>
+  </p:cSld>
+  <p:clrMapOvr>
+    <a:masterClrMapping/>
+  </p:clrMapOvr>
+</p:sld>
+</file>
+
+<file path=ppt/slides/slide19.xml><?xml version="1.0" encoding="utf-8"?>
+<p:sld xmlns:a="http://schemas.openxmlformats.org/drawingml/2006/main" xmlns:r="http://schemas.openxmlformats.org/officeDocument/2006/relationships" xmlns:mc="http://schemas.openxmlformats.org/markup-compatibility/2006" xmlns:mv="urn:schemas-microsoft-com:mac:vml" xmlns:p="http://schemas.openxmlformats.org/presentationml/2006/main" xmlns:c="http://schemas.openxmlformats.org/drawingml/2006/chart" xmlns:dgm="http://schemas.openxmlformats.org/drawingml/2006/diagram" xmlns:o="urn:schemas-microsoft-com:office:office" xmlns:v="urn:schemas-microsoft-com:vml" xmlns:pvml="urn:schemas-microsoft-com:office:powerpoint" xmlns:com="http://schemas.openxmlformats.org/drawingml/2006/compatibility" xmlns:p14="http://schemas.microsoft.com/office/powerpoint/2010/main" xmlns:p15="http://schemas.microsoft.com/office/powerpoint/2012/main">
+  <p:cSld>
+    <p:spTree>
+      <p:nvGrpSpPr>
+        <p:cNvPr id="316" name="Shape 316"/>
+        <p:cNvGrpSpPr/>
+        <p:nvPr/>
+      </p:nvGrpSpPr>
+      <p:grpSpPr>
+        <a:xfrm>
+          <a:off x="0" y="0"/>
+          <a:ext cx="0" cy="0"/>
+          <a:chOff x="0" y="0"/>
+          <a:chExt cx="0" cy="0"/>
+        </a:xfrm>
+      </p:grpSpPr>
+      <p:sp>
+        <p:nvSpPr>
+          <p:cNvPr id="317" name="Google Shape;317;p31"/>
+          <p:cNvSpPr txBox="1"/>
+          <p:nvPr>
+            <p:ph type="title"/>
+          </p:nvPr>
+        </p:nvSpPr>
+        <p:spPr>
+          <a:xfrm>
+            <a:off x="311700" y="445025"/>
+            <a:ext cx="8520600" cy="572700"/>
+          </a:xfrm>
+          <a:prstGeom prst="rect">
+            <a:avLst/>
+          </a:prstGeom>
+          <a:solidFill>
+            <a:srgbClr val="D9D9D9"/>
+          </a:solidFill>
+        </p:spPr>
+        <p:txBody>
+          <a:bodyPr anchorCtr="0" anchor="t" bIns="91425" lIns="91425" spcFirstLastPara="1" rIns="91425" wrap="square" tIns="91425">
+            <a:noAutofit/>
+          </a:bodyPr>
+          <a:lstStyle/>
+          <a:p>
+            <a:pPr indent="0" lvl="0" marL="0" rtl="0" algn="ctr">
+              <a:spcBef>
+                <a:spcPts val="0"/>
+              </a:spcBef>
+              <a:spcAft>
+                <a:spcPts val="0"/>
+              </a:spcAft>
+              <a:buNone/>
+            </a:pPr>
+            <a:r>
+              <a:rPr lang="en">
+                <a:solidFill>
+                  <a:srgbClr val="A61C00"/>
+                </a:solidFill>
+              </a:rPr>
+              <a:t>Inception - Normal Convolution</a:t>
+            </a:r>
+            <a:endParaRPr>
+              <a:solidFill>
+                <a:srgbClr val="A61C00"/>
+              </a:solidFill>
+            </a:endParaRPr>
+          </a:p>
+        </p:txBody>
+      </p:sp>
+      <p:sp>
+        <p:nvSpPr>
+          <p:cNvPr id="318" name="Google Shape;318;p31"/>
+          <p:cNvSpPr txBox="1"/>
+          <p:nvPr/>
+        </p:nvSpPr>
+        <p:spPr>
+          <a:xfrm>
+            <a:off x="311700" y="1105350"/>
+            <a:ext cx="8590200" cy="1158900"/>
+          </a:xfrm>
+          <a:prstGeom prst="rect">
+            <a:avLst/>
+          </a:prstGeom>
+          <a:noFill/>
+          <a:ln>
+            <a:noFill/>
+          </a:ln>
+        </p:spPr>
+        <p:txBody>
+          <a:bodyPr anchorCtr="0" anchor="t" bIns="91425" lIns="91425" spcFirstLastPara="1" rIns="91425" wrap="square" tIns="91425">
+            <a:noAutofit/>
+          </a:bodyPr>
+          <a:lstStyle/>
+          <a:p>
+            <a:pPr indent="0" lvl="0" marL="0" rtl="0" algn="ctr">
+              <a:spcBef>
+                <a:spcPts val="1100"/>
+              </a:spcBef>
+              <a:spcAft>
+                <a:spcPts val="0"/>
+              </a:spcAft>
+              <a:buClr>
+                <a:schemeClr val="dk1"/>
+              </a:buClr>
+              <a:buSzPts val="1100"/>
+              <a:buFont typeface="Arial"/>
+              <a:buNone/>
+            </a:pPr>
+            <a:r>
+              <a:rPr b="1" lang="en" sz="1200">
+                <a:solidFill>
+                  <a:schemeClr val="dk1"/>
+                </a:solidFill>
+              </a:rPr>
+              <a:t>Normal Convolution</a:t>
+            </a:r>
+            <a:endParaRPr b="1" sz="1200">
+              <a:solidFill>
+                <a:schemeClr val="dk1"/>
+              </a:solidFill>
+            </a:endParaRPr>
+          </a:p>
+          <a:p>
+            <a:pPr indent="0" lvl="0" marL="0" rtl="0" algn="l">
+              <a:lnSpc>
+                <a:spcPct val="115000"/>
+              </a:lnSpc>
+              <a:spcBef>
+                <a:spcPts val="1100"/>
+              </a:spcBef>
+              <a:spcAft>
+                <a:spcPts val="0"/>
+              </a:spcAft>
+              <a:buClr>
+                <a:schemeClr val="dk1"/>
+              </a:buClr>
+              <a:buSzPts val="1100"/>
+              <a:buFont typeface="Arial"/>
+              <a:buNone/>
+            </a:pPr>
+            <a:r>
+              <a:rPr lang="en" sz="1200">
+                <a:solidFill>
+                  <a:schemeClr val="dk1"/>
+                </a:solidFill>
+              </a:rPr>
+              <a:t>The kernel (e.g., 3 x 3) is applied across the height (H), width (W) and depth (D, channels). Each time the kernel is moved, the number of multiply operations equals the number of pixels as H x W x D.</a:t>
+            </a:r>
+            <a:endParaRPr sz="1200">
+              <a:solidFill>
+                <a:schemeClr val="dk1"/>
+              </a:solidFill>
+            </a:endParaRPr>
+          </a:p>
+          <a:p>
+            <a:pPr indent="0" lvl="0" marL="0" rtl="0" algn="l">
+              <a:lnSpc>
+                <a:spcPct val="115000"/>
+              </a:lnSpc>
+              <a:spcBef>
+                <a:spcPts val="1100"/>
+              </a:spcBef>
+              <a:spcAft>
+                <a:spcPts val="0"/>
+              </a:spcAft>
+              <a:buClr>
+                <a:schemeClr val="dk1"/>
+              </a:buClr>
+              <a:buSzPts val="1100"/>
+              <a:buFont typeface="Arial"/>
+              <a:buNone/>
+            </a:pPr>
+            <a:r>
+              <a:t/>
+            </a:r>
+            <a:endParaRPr sz="1200">
+              <a:solidFill>
+                <a:schemeClr val="dk1"/>
+              </a:solidFill>
+            </a:endParaRPr>
+          </a:p>
+          <a:p>
+            <a:pPr indent="0" lvl="0" marL="0" rtl="0" algn="l">
+              <a:lnSpc>
+                <a:spcPct val="115000"/>
+              </a:lnSpc>
+              <a:spcBef>
+                <a:spcPts val="0"/>
+              </a:spcBef>
+              <a:spcAft>
+                <a:spcPts val="0"/>
+              </a:spcAft>
+              <a:buClr>
+                <a:schemeClr val="dk1"/>
+              </a:buClr>
+              <a:buSzPts val="1100"/>
+              <a:buFont typeface="Arial"/>
+              <a:buNone/>
+            </a:pPr>
+            <a:r>
+              <a:t/>
+            </a:r>
+            <a:endParaRPr sz="1200">
+              <a:solidFill>
+                <a:schemeClr val="dk1"/>
+              </a:solidFill>
+            </a:endParaRPr>
+          </a:p>
+          <a:p>
+            <a:pPr indent="0" lvl="0" marL="0" rtl="0" algn="l">
+              <a:lnSpc>
+                <a:spcPct val="115000"/>
+              </a:lnSpc>
+              <a:spcBef>
+                <a:spcPts val="0"/>
+              </a:spcBef>
+              <a:spcAft>
+                <a:spcPts val="0"/>
+              </a:spcAft>
+              <a:buClr>
+                <a:schemeClr val="dk1"/>
+              </a:buClr>
+              <a:buSzPts val="1100"/>
+              <a:buFont typeface="Arial"/>
+              <a:buNone/>
+            </a:pPr>
+            <a:r>
+              <a:t/>
+            </a:r>
+            <a:endParaRPr sz="1200">
+              <a:solidFill>
+                <a:schemeClr val="dk1"/>
+              </a:solidFill>
+            </a:endParaRPr>
+          </a:p>
+          <a:p>
+            <a:pPr indent="0" lvl="0" marL="0" rtl="0" algn="l">
+              <a:lnSpc>
+                <a:spcPct val="115000"/>
+              </a:lnSpc>
+              <a:spcBef>
+                <a:spcPts val="0"/>
+              </a:spcBef>
+              <a:spcAft>
+                <a:spcPts val="0"/>
+              </a:spcAft>
+              <a:buClr>
+                <a:schemeClr val="dk1"/>
+              </a:buClr>
+              <a:buSzPts val="1100"/>
+              <a:buFont typeface="Arial"/>
+              <a:buNone/>
+            </a:pPr>
+            <a:r>
+              <a:t/>
+            </a:r>
+            <a:endParaRPr sz="1200">
+              <a:solidFill>
+                <a:schemeClr val="dk1"/>
+              </a:solidFill>
+            </a:endParaRPr>
+          </a:p>
+          <a:p>
+            <a:pPr indent="0" lvl="0" marL="0" rtl="0" algn="l">
+              <a:lnSpc>
+                <a:spcPct val="115000"/>
+              </a:lnSpc>
+              <a:spcBef>
+                <a:spcPts val="0"/>
+              </a:spcBef>
+              <a:spcAft>
+                <a:spcPts val="0"/>
+              </a:spcAft>
+              <a:buClr>
+                <a:schemeClr val="dk1"/>
+              </a:buClr>
+              <a:buSzPts val="1100"/>
+              <a:buFont typeface="Arial"/>
+              <a:buNone/>
+            </a:pPr>
+            <a:r>
+              <a:t/>
+            </a:r>
+            <a:endParaRPr b="1" sz="1200">
+              <a:solidFill>
+                <a:schemeClr val="dk1"/>
+              </a:solidFill>
+            </a:endParaRPr>
+          </a:p>
+          <a:p>
+            <a:pPr indent="0" lvl="0" marL="0" rtl="0" algn="l">
+              <a:lnSpc>
+                <a:spcPct val="115000"/>
+              </a:lnSpc>
+              <a:spcBef>
+                <a:spcPts val="0"/>
+              </a:spcBef>
+              <a:spcAft>
+                <a:spcPts val="0"/>
+              </a:spcAft>
+              <a:buClr>
+                <a:schemeClr val="dk1"/>
+              </a:buClr>
+              <a:buSzPts val="1100"/>
+              <a:buFont typeface="Arial"/>
+              <a:buNone/>
+            </a:pPr>
+            <a:r>
+              <a:t/>
+            </a:r>
+            <a:endParaRPr sz="1200">
+              <a:solidFill>
+                <a:schemeClr val="dk1"/>
+              </a:solidFill>
+            </a:endParaRPr>
+          </a:p>
+          <a:p>
+            <a:pPr indent="0" lvl="0" marL="0" rtl="0" algn="l">
+              <a:lnSpc>
+                <a:spcPct val="115000"/>
+              </a:lnSpc>
+              <a:spcBef>
+                <a:spcPts val="0"/>
+              </a:spcBef>
+              <a:spcAft>
+                <a:spcPts val="0"/>
+              </a:spcAft>
+              <a:buClr>
+                <a:schemeClr val="dk1"/>
+              </a:buClr>
+              <a:buSzPts val="1100"/>
+              <a:buFont typeface="Arial"/>
+              <a:buNone/>
+            </a:pPr>
+            <a:r>
+              <a:t/>
+            </a:r>
+            <a:endParaRPr sz="1200">
+              <a:solidFill>
+                <a:schemeClr val="dk1"/>
+              </a:solidFill>
+            </a:endParaRPr>
+          </a:p>
+        </p:txBody>
+      </p:sp>
+      <p:pic>
+        <p:nvPicPr>
+          <p:cNvPr id="319" name="Google Shape;319;p31"/>
+          <p:cNvPicPr preferRelativeResize="0"/>
+          <p:nvPr/>
+        </p:nvPicPr>
+        <p:blipFill>
+          <a:blip r:embed="rId3">
+            <a:alphaModFix/>
+          </a:blip>
+          <a:stretch>
+            <a:fillRect/>
+          </a:stretch>
+        </p:blipFill>
+        <p:spPr>
+          <a:xfrm>
+            <a:off x="365625" y="2390900"/>
+            <a:ext cx="5227750" cy="2544100"/>
+          </a:xfrm>
+          <a:prstGeom prst="rect">
+            <a:avLst/>
+          </a:prstGeom>
+          <a:noFill/>
+          <a:ln>
+            <a:noFill/>
+          </a:ln>
+        </p:spPr>
+      </p:pic>
+      <p:sp>
+        <p:nvSpPr>
+          <p:cNvPr id="320" name="Google Shape;320;p31"/>
+          <p:cNvSpPr txBox="1"/>
+          <p:nvPr/>
+        </p:nvSpPr>
+        <p:spPr>
+          <a:xfrm>
+            <a:off x="6698125" y="2414050"/>
+            <a:ext cx="1962000" cy="2497800"/>
+          </a:xfrm>
+          <a:prstGeom prst="rect">
+            <a:avLst/>
+          </a:prstGeom>
+          <a:noFill/>
+          <a:ln cap="flat" cmpd="sng" w="9525">
+            <a:solidFill>
+              <a:srgbClr val="0F9D58"/>
+            </a:solidFill>
+            <a:prstDash val="solid"/>
+            <a:round/>
+            <a:headEnd len="sm" w="sm" type="none"/>
+            <a:tailEnd len="sm" w="sm" type="none"/>
+          </a:ln>
+        </p:spPr>
+        <p:txBody>
+          <a:bodyPr anchorCtr="0" anchor="t" bIns="91425" lIns="91425" spcFirstLastPara="1" rIns="91425" wrap="square" tIns="91425">
+            <a:noAutofit/>
+          </a:bodyPr>
+          <a:lstStyle/>
+          <a:p>
+            <a:pPr indent="0" lvl="0" marL="0" rtl="0" algn="l">
+              <a:lnSpc>
+                <a:spcPct val="115000"/>
+              </a:lnSpc>
+              <a:spcBef>
+                <a:spcPts val="1100"/>
+              </a:spcBef>
+              <a:spcAft>
+                <a:spcPts val="0"/>
+              </a:spcAft>
+              <a:buClr>
+                <a:schemeClr val="dk1"/>
+              </a:buClr>
+              <a:buSzPts val="1100"/>
+              <a:buFont typeface="Arial"/>
+              <a:buNone/>
+            </a:pPr>
+            <a:r>
+              <a:rPr lang="en" sz="1000">
+                <a:solidFill>
+                  <a:srgbClr val="0F9D58"/>
+                </a:solidFill>
+              </a:rPr>
+              <a:t>On an RGB image (3 channels) with a 3 x 3 kernel done across all 3 channels, one has 3 x 3 x 3 = 27 multiply operations, producing a N x M x 1 (e.g., 8 x 8 x 1) feature map (per kernel), where N and M are the resulting height and width of the feature map.</a:t>
+            </a:r>
+            <a:endParaRPr sz="1000">
+              <a:solidFill>
+                <a:srgbClr val="0F9D58"/>
+              </a:solidFill>
+            </a:endParaRPr>
+          </a:p>
+        </p:txBody>
+      </p:sp>
     </p:spTree>
   </p:cSld>
   <p:clrMapOvr>
@@ -18530,7 +18272,7 @@
   <p:cSld>
     <p:spTree>
       <p:nvGrpSpPr>
-        <p:cNvPr id="329" name="Shape 329"/>
+        <p:cNvPr id="324" name="Shape 324"/>
         <p:cNvGrpSpPr/>
         <p:nvPr/>
       </p:nvGrpSpPr>
@@ -18544,7 +18286,7 @@
       </p:grpSpPr>
       <p:sp>
         <p:nvSpPr>
-          <p:cNvPr id="330" name="Google Shape;330;p32"/>
+          <p:cNvPr id="325" name="Google Shape;325;p32"/>
           <p:cNvSpPr txBox="1"/>
           <p:nvPr>
             <p:ph type="title"/>
@@ -18595,7 +18337,7 @@
       </p:sp>
       <p:sp>
         <p:nvSpPr>
-          <p:cNvPr id="331" name="Google Shape;331;p32"/>
+          <p:cNvPr id="326" name="Google Shape;326;p32"/>
           <p:cNvSpPr txBox="1"/>
           <p:nvPr/>
         </p:nvSpPr>
@@ -18670,7 +18412,7 @@
                   <a:schemeClr val="dk1"/>
                 </a:solidFill>
               </a:rPr>
-              <a:t>The kernel (e.g., 3 x 3) is applied across the height (H), width (W) and depth (D, channels). Each time the kernel is moved, the number of multiply operations equals the number of pixels as H x W x D.</a:t>
+              <a:t>If we specify 256 filters for the output of the convolution, we have 256 kernels to train. In the RGB example using 256 3x3 kernels, we have 6,912 multiply operations each time the kernels move.</a:t>
             </a:r>
             <a:endParaRPr sz="1200">
               <a:solidFill>
@@ -18711,7 +18453,7 @@
                 <a:spcPct val="115000"/>
               </a:lnSpc>
               <a:spcBef>
-                <a:spcPts val="0"/>
+                <a:spcPts val="1100"/>
               </a:spcBef>
               <a:spcAft>
                 <a:spcPts val="0"/>
@@ -18807,7 +18549,7 @@
             <a:r>
               <a:t/>
             </a:r>
-            <a:endParaRPr b="1" sz="1200">
+            <a:endParaRPr sz="1200">
               <a:solidFill>
                 <a:schemeClr val="dk1"/>
               </a:solidFill>
@@ -18834,7 +18576,7 @@
             <a:r>
               <a:t/>
             </a:r>
-            <a:endParaRPr sz="1200">
+            <a:endParaRPr b="1" sz="1200">
               <a:solidFill>
                 <a:schemeClr val="dk1"/>
               </a:solidFill>
@@ -18867,482 +18609,38 @@
               </a:solidFill>
             </a:endParaRPr>
           </a:p>
+          <a:p>
+            <a:pPr indent="0" lvl="0" marL="0" rtl="0" algn="l">
+              <a:lnSpc>
+                <a:spcPct val="115000"/>
+              </a:lnSpc>
+              <a:spcBef>
+                <a:spcPts val="0"/>
+              </a:spcBef>
+              <a:spcAft>
+                <a:spcPts val="0"/>
+              </a:spcAft>
+              <a:buClr>
+                <a:schemeClr val="dk1"/>
+              </a:buClr>
+              <a:buSzPts val="1100"/>
+              <a:buFont typeface="Arial"/>
+              <a:buNone/>
+            </a:pPr>
+            <a:r>
+              <a:t/>
+            </a:r>
+            <a:endParaRPr sz="1200">
+              <a:solidFill>
+                <a:schemeClr val="dk1"/>
+              </a:solidFill>
+            </a:endParaRPr>
+          </a:p>
         </p:txBody>
       </p:sp>
       <p:pic>
         <p:nvPicPr>
-          <p:cNvPr id="332" name="Google Shape;332;p32"/>
-          <p:cNvPicPr preferRelativeResize="0"/>
-          <p:nvPr/>
-        </p:nvPicPr>
-        <p:blipFill>
-          <a:blip r:embed="rId3">
-            <a:alphaModFix/>
-          </a:blip>
-          <a:stretch>
-            <a:fillRect/>
-          </a:stretch>
-        </p:blipFill>
-        <p:spPr>
-          <a:xfrm>
-            <a:off x="365625" y="2390900"/>
-            <a:ext cx="5227750" cy="2544100"/>
-          </a:xfrm>
-          <a:prstGeom prst="rect">
-            <a:avLst/>
-          </a:prstGeom>
-          <a:noFill/>
-          <a:ln>
-            <a:noFill/>
-          </a:ln>
-        </p:spPr>
-      </p:pic>
-      <p:sp>
-        <p:nvSpPr>
-          <p:cNvPr id="333" name="Google Shape;333;p32"/>
-          <p:cNvSpPr txBox="1"/>
-          <p:nvPr/>
-        </p:nvSpPr>
-        <p:spPr>
-          <a:xfrm>
-            <a:off x="6698125" y="2414050"/>
-            <a:ext cx="1962000" cy="2497800"/>
-          </a:xfrm>
-          <a:prstGeom prst="rect">
-            <a:avLst/>
-          </a:prstGeom>
-          <a:noFill/>
-          <a:ln cap="flat" cmpd="sng" w="9525">
-            <a:solidFill>
-              <a:srgbClr val="0F9D58"/>
-            </a:solidFill>
-            <a:prstDash val="solid"/>
-            <a:round/>
-            <a:headEnd len="sm" w="sm" type="none"/>
-            <a:tailEnd len="sm" w="sm" type="none"/>
-          </a:ln>
-        </p:spPr>
-        <p:txBody>
-          <a:bodyPr anchorCtr="0" anchor="t" bIns="91425" lIns="91425" spcFirstLastPara="1" rIns="91425" wrap="square" tIns="91425">
-            <a:noAutofit/>
-          </a:bodyPr>
-          <a:lstStyle/>
-          <a:p>
-            <a:pPr indent="0" lvl="0" marL="0" rtl="0" algn="l">
-              <a:lnSpc>
-                <a:spcPct val="115000"/>
-              </a:lnSpc>
-              <a:spcBef>
-                <a:spcPts val="1100"/>
-              </a:spcBef>
-              <a:spcAft>
-                <a:spcPts val="0"/>
-              </a:spcAft>
-              <a:buClr>
-                <a:schemeClr val="dk1"/>
-              </a:buClr>
-              <a:buSzPts val="1100"/>
-              <a:buFont typeface="Arial"/>
-              <a:buNone/>
-            </a:pPr>
-            <a:r>
-              <a:rPr lang="en" sz="1000">
-                <a:solidFill>
-                  <a:srgbClr val="0F9D58"/>
-                </a:solidFill>
-              </a:rPr>
-              <a:t>On an RGB image (3 channels) with a 3 x 3 kernel done across all 3 channels, one has 3 x 3 x 3 = 27 multiply operations, producing a N x M x 1 (e.g., 8 x 8 x 1) feature map (per kernel), where N and M are the resulting height and width of the feature map.</a:t>
-            </a:r>
-            <a:endParaRPr sz="1000">
-              <a:solidFill>
-                <a:srgbClr val="0F9D58"/>
-              </a:solidFill>
-            </a:endParaRPr>
-          </a:p>
-        </p:txBody>
-      </p:sp>
-    </p:spTree>
-  </p:cSld>
-  <p:clrMapOvr>
-    <a:masterClrMapping/>
-  </p:clrMapOvr>
-</p:sld>
-</file>
-
-<file path=ppt/slides/slide21.xml><?xml version="1.0" encoding="utf-8"?>
-<p:sld xmlns:a="http://schemas.openxmlformats.org/drawingml/2006/main" xmlns:r="http://schemas.openxmlformats.org/officeDocument/2006/relationships" xmlns:mc="http://schemas.openxmlformats.org/markup-compatibility/2006" xmlns:mv="urn:schemas-microsoft-com:mac:vml" xmlns:p="http://schemas.openxmlformats.org/presentationml/2006/main" xmlns:c="http://schemas.openxmlformats.org/drawingml/2006/chart" xmlns:dgm="http://schemas.openxmlformats.org/drawingml/2006/diagram" xmlns:o="urn:schemas-microsoft-com:office:office" xmlns:v="urn:schemas-microsoft-com:vml" xmlns:pvml="urn:schemas-microsoft-com:office:powerpoint" xmlns:com="http://schemas.openxmlformats.org/drawingml/2006/compatibility" xmlns:p14="http://schemas.microsoft.com/office/powerpoint/2010/main" xmlns:p15="http://schemas.microsoft.com/office/powerpoint/2012/main">
-  <p:cSld>
-    <p:spTree>
-      <p:nvGrpSpPr>
-        <p:cNvPr id="337" name="Shape 337"/>
-        <p:cNvGrpSpPr/>
-        <p:nvPr/>
-      </p:nvGrpSpPr>
-      <p:grpSpPr>
-        <a:xfrm>
-          <a:off x="0" y="0"/>
-          <a:ext cx="0" cy="0"/>
-          <a:chOff x="0" y="0"/>
-          <a:chExt cx="0" cy="0"/>
-        </a:xfrm>
-      </p:grpSpPr>
-      <p:sp>
-        <p:nvSpPr>
-          <p:cNvPr id="338" name="Google Shape;338;p33"/>
-          <p:cNvSpPr txBox="1"/>
-          <p:nvPr>
-            <p:ph type="title"/>
-          </p:nvPr>
-        </p:nvSpPr>
-        <p:spPr>
-          <a:xfrm>
-            <a:off x="311700" y="445025"/>
-            <a:ext cx="8520600" cy="572700"/>
-          </a:xfrm>
-          <a:prstGeom prst="rect">
-            <a:avLst/>
-          </a:prstGeom>
-          <a:solidFill>
-            <a:srgbClr val="D9D9D9"/>
-          </a:solidFill>
-        </p:spPr>
-        <p:txBody>
-          <a:bodyPr anchorCtr="0" anchor="t" bIns="91425" lIns="91425" spcFirstLastPara="1" rIns="91425" wrap="square" tIns="91425">
-            <a:noAutofit/>
-          </a:bodyPr>
-          <a:lstStyle/>
-          <a:p>
-            <a:pPr indent="0" lvl="0" marL="0" rtl="0" algn="ctr">
-              <a:spcBef>
-                <a:spcPts val="0"/>
-              </a:spcBef>
-              <a:spcAft>
-                <a:spcPts val="0"/>
-              </a:spcAft>
-              <a:buNone/>
-            </a:pPr>
-            <a:r>
-              <a:rPr lang="en">
-                <a:solidFill>
-                  <a:srgbClr val="A61C00"/>
-                </a:solidFill>
-              </a:rPr>
-              <a:t>Inception - Normal Convolution</a:t>
-            </a:r>
-            <a:endParaRPr>
-              <a:solidFill>
-                <a:srgbClr val="A61C00"/>
-              </a:solidFill>
-            </a:endParaRPr>
-          </a:p>
-        </p:txBody>
-      </p:sp>
-      <p:sp>
-        <p:nvSpPr>
-          <p:cNvPr id="339" name="Google Shape;339;p33"/>
-          <p:cNvSpPr txBox="1"/>
-          <p:nvPr/>
-        </p:nvSpPr>
-        <p:spPr>
-          <a:xfrm>
-            <a:off x="311700" y="1105350"/>
-            <a:ext cx="8590200" cy="1158900"/>
-          </a:xfrm>
-          <a:prstGeom prst="rect">
-            <a:avLst/>
-          </a:prstGeom>
-          <a:noFill/>
-          <a:ln>
-            <a:noFill/>
-          </a:ln>
-        </p:spPr>
-        <p:txBody>
-          <a:bodyPr anchorCtr="0" anchor="t" bIns="91425" lIns="91425" spcFirstLastPara="1" rIns="91425" wrap="square" tIns="91425">
-            <a:noAutofit/>
-          </a:bodyPr>
-          <a:lstStyle/>
-          <a:p>
-            <a:pPr indent="0" lvl="0" marL="0" rtl="0" algn="ctr">
-              <a:spcBef>
-                <a:spcPts val="1100"/>
-              </a:spcBef>
-              <a:spcAft>
-                <a:spcPts val="0"/>
-              </a:spcAft>
-              <a:buClr>
-                <a:schemeClr val="dk1"/>
-              </a:buClr>
-              <a:buSzPts val="1100"/>
-              <a:buFont typeface="Arial"/>
-              <a:buNone/>
-            </a:pPr>
-            <a:r>
-              <a:rPr b="1" lang="en" sz="1200">
-                <a:solidFill>
-                  <a:schemeClr val="dk1"/>
-                </a:solidFill>
-              </a:rPr>
-              <a:t>Normal Convolution</a:t>
-            </a:r>
-            <a:endParaRPr b="1" sz="1200">
-              <a:solidFill>
-                <a:schemeClr val="dk1"/>
-              </a:solidFill>
-            </a:endParaRPr>
-          </a:p>
-          <a:p>
-            <a:pPr indent="0" lvl="0" marL="0" rtl="0" algn="l">
-              <a:lnSpc>
-                <a:spcPct val="115000"/>
-              </a:lnSpc>
-              <a:spcBef>
-                <a:spcPts val="1100"/>
-              </a:spcBef>
-              <a:spcAft>
-                <a:spcPts val="0"/>
-              </a:spcAft>
-              <a:buClr>
-                <a:schemeClr val="dk1"/>
-              </a:buClr>
-              <a:buSzPts val="1100"/>
-              <a:buFont typeface="Arial"/>
-              <a:buNone/>
-            </a:pPr>
-            <a:r>
-              <a:rPr lang="en" sz="1200">
-                <a:solidFill>
-                  <a:schemeClr val="dk1"/>
-                </a:solidFill>
-              </a:rPr>
-              <a:t>If we specify 256 filters for the output of the convolution, we have 256 kernels to train. In the RGB example using 256 3x3 kernels, we have 6,912 multiply operations each time the kernels move.</a:t>
-            </a:r>
-            <a:endParaRPr sz="1200">
-              <a:solidFill>
-                <a:schemeClr val="dk1"/>
-              </a:solidFill>
-            </a:endParaRPr>
-          </a:p>
-          <a:p>
-            <a:pPr indent="0" lvl="0" marL="0" rtl="0" algn="l">
-              <a:lnSpc>
-                <a:spcPct val="115000"/>
-              </a:lnSpc>
-              <a:spcBef>
-                <a:spcPts val="1100"/>
-              </a:spcBef>
-              <a:spcAft>
-                <a:spcPts val="0"/>
-              </a:spcAft>
-              <a:buClr>
-                <a:schemeClr val="dk1"/>
-              </a:buClr>
-              <a:buSzPts val="1100"/>
-              <a:buFont typeface="Arial"/>
-              <a:buNone/>
-            </a:pPr>
-            <a:r>
-              <a:t/>
-            </a:r>
-            <a:endParaRPr sz="1200">
-              <a:solidFill>
-                <a:schemeClr val="dk1"/>
-              </a:solidFill>
-            </a:endParaRPr>
-          </a:p>
-          <a:p>
-            <a:pPr indent="0" lvl="0" marL="0" rtl="0" algn="l">
-              <a:lnSpc>
-                <a:spcPct val="115000"/>
-              </a:lnSpc>
-              <a:spcBef>
-                <a:spcPts val="1100"/>
-              </a:spcBef>
-              <a:spcAft>
-                <a:spcPts val="0"/>
-              </a:spcAft>
-              <a:buClr>
-                <a:schemeClr val="dk1"/>
-              </a:buClr>
-              <a:buSzPts val="1100"/>
-              <a:buFont typeface="Arial"/>
-              <a:buNone/>
-            </a:pPr>
-            <a:r>
-              <a:t/>
-            </a:r>
-            <a:endParaRPr sz="1200">
-              <a:solidFill>
-                <a:schemeClr val="dk1"/>
-              </a:solidFill>
-            </a:endParaRPr>
-          </a:p>
-          <a:p>
-            <a:pPr indent="0" lvl="0" marL="0" rtl="0" algn="l">
-              <a:lnSpc>
-                <a:spcPct val="115000"/>
-              </a:lnSpc>
-              <a:spcBef>
-                <a:spcPts val="0"/>
-              </a:spcBef>
-              <a:spcAft>
-                <a:spcPts val="0"/>
-              </a:spcAft>
-              <a:buClr>
-                <a:schemeClr val="dk1"/>
-              </a:buClr>
-              <a:buSzPts val="1100"/>
-              <a:buFont typeface="Arial"/>
-              <a:buNone/>
-            </a:pPr>
-            <a:r>
-              <a:t/>
-            </a:r>
-            <a:endParaRPr sz="1200">
-              <a:solidFill>
-                <a:schemeClr val="dk1"/>
-              </a:solidFill>
-            </a:endParaRPr>
-          </a:p>
-          <a:p>
-            <a:pPr indent="0" lvl="0" marL="0" rtl="0" algn="l">
-              <a:lnSpc>
-                <a:spcPct val="115000"/>
-              </a:lnSpc>
-              <a:spcBef>
-                <a:spcPts val="0"/>
-              </a:spcBef>
-              <a:spcAft>
-                <a:spcPts val="0"/>
-              </a:spcAft>
-              <a:buClr>
-                <a:schemeClr val="dk1"/>
-              </a:buClr>
-              <a:buSzPts val="1100"/>
-              <a:buFont typeface="Arial"/>
-              <a:buNone/>
-            </a:pPr>
-            <a:r>
-              <a:t/>
-            </a:r>
-            <a:endParaRPr sz="1200">
-              <a:solidFill>
-                <a:schemeClr val="dk1"/>
-              </a:solidFill>
-            </a:endParaRPr>
-          </a:p>
-          <a:p>
-            <a:pPr indent="0" lvl="0" marL="0" rtl="0" algn="l">
-              <a:lnSpc>
-                <a:spcPct val="115000"/>
-              </a:lnSpc>
-              <a:spcBef>
-                <a:spcPts val="0"/>
-              </a:spcBef>
-              <a:spcAft>
-                <a:spcPts val="0"/>
-              </a:spcAft>
-              <a:buClr>
-                <a:schemeClr val="dk1"/>
-              </a:buClr>
-              <a:buSzPts val="1100"/>
-              <a:buFont typeface="Arial"/>
-              <a:buNone/>
-            </a:pPr>
-            <a:r>
-              <a:t/>
-            </a:r>
-            <a:endParaRPr sz="1200">
-              <a:solidFill>
-                <a:schemeClr val="dk1"/>
-              </a:solidFill>
-            </a:endParaRPr>
-          </a:p>
-          <a:p>
-            <a:pPr indent="0" lvl="0" marL="0" rtl="0" algn="l">
-              <a:lnSpc>
-                <a:spcPct val="115000"/>
-              </a:lnSpc>
-              <a:spcBef>
-                <a:spcPts val="0"/>
-              </a:spcBef>
-              <a:spcAft>
-                <a:spcPts val="0"/>
-              </a:spcAft>
-              <a:buClr>
-                <a:schemeClr val="dk1"/>
-              </a:buClr>
-              <a:buSzPts val="1100"/>
-              <a:buFont typeface="Arial"/>
-              <a:buNone/>
-            </a:pPr>
-            <a:r>
-              <a:t/>
-            </a:r>
-            <a:endParaRPr b="1" sz="1200">
-              <a:solidFill>
-                <a:schemeClr val="dk1"/>
-              </a:solidFill>
-            </a:endParaRPr>
-          </a:p>
-          <a:p>
-            <a:pPr indent="0" lvl="0" marL="0" rtl="0" algn="l">
-              <a:lnSpc>
-                <a:spcPct val="115000"/>
-              </a:lnSpc>
-              <a:spcBef>
-                <a:spcPts val="0"/>
-              </a:spcBef>
-              <a:spcAft>
-                <a:spcPts val="0"/>
-              </a:spcAft>
-              <a:buClr>
-                <a:schemeClr val="dk1"/>
-              </a:buClr>
-              <a:buSzPts val="1100"/>
-              <a:buFont typeface="Arial"/>
-              <a:buNone/>
-            </a:pPr>
-            <a:r>
-              <a:t/>
-            </a:r>
-            <a:endParaRPr sz="1200">
-              <a:solidFill>
-                <a:schemeClr val="dk1"/>
-              </a:solidFill>
-            </a:endParaRPr>
-          </a:p>
-          <a:p>
-            <a:pPr indent="0" lvl="0" marL="0" rtl="0" algn="l">
-              <a:lnSpc>
-                <a:spcPct val="115000"/>
-              </a:lnSpc>
-              <a:spcBef>
-                <a:spcPts val="0"/>
-              </a:spcBef>
-              <a:spcAft>
-                <a:spcPts val="0"/>
-              </a:spcAft>
-              <a:buClr>
-                <a:schemeClr val="dk1"/>
-              </a:buClr>
-              <a:buSzPts val="1100"/>
-              <a:buFont typeface="Arial"/>
-              <a:buNone/>
-            </a:pPr>
-            <a:r>
-              <a:t/>
-            </a:r>
-            <a:endParaRPr sz="1200">
-              <a:solidFill>
-                <a:schemeClr val="dk1"/>
-              </a:solidFill>
-            </a:endParaRPr>
-          </a:p>
-        </p:txBody>
-      </p:sp>
-      <p:pic>
-        <p:nvPicPr>
-          <p:cNvPr id="340" name="Google Shape;340;p33"/>
+          <p:cNvPr id="327" name="Google Shape;327;p32"/>
           <p:cNvPicPr preferRelativeResize="0"/>
           <p:nvPr/>
         </p:nvPicPr>
@@ -19376,12 +18674,12 @@
 </p:sld>
 </file>
 
-<file path=ppt/slides/slide22.xml><?xml version="1.0" encoding="utf-8"?>
+<file path=ppt/slides/slide21.xml><?xml version="1.0" encoding="utf-8"?>
 <p:sld xmlns:a="http://schemas.openxmlformats.org/drawingml/2006/main" xmlns:r="http://schemas.openxmlformats.org/officeDocument/2006/relationships" xmlns:mc="http://schemas.openxmlformats.org/markup-compatibility/2006" xmlns:mv="urn:schemas-microsoft-com:mac:vml" xmlns:p="http://schemas.openxmlformats.org/presentationml/2006/main" xmlns:c="http://schemas.openxmlformats.org/drawingml/2006/chart" xmlns:dgm="http://schemas.openxmlformats.org/drawingml/2006/diagram" xmlns:o="urn:schemas-microsoft-com:office:office" xmlns:v="urn:schemas-microsoft-com:vml" xmlns:pvml="urn:schemas-microsoft-com:office:powerpoint" xmlns:com="http://schemas.openxmlformats.org/drawingml/2006/compatibility" xmlns:p14="http://schemas.microsoft.com/office/powerpoint/2010/main" xmlns:p15="http://schemas.microsoft.com/office/powerpoint/2012/main">
   <p:cSld>
     <p:spTree>
       <p:nvGrpSpPr>
-        <p:cNvPr id="344" name="Shape 344"/>
+        <p:cNvPr id="331" name="Shape 331"/>
         <p:cNvGrpSpPr/>
         <p:nvPr/>
       </p:nvGrpSpPr>
@@ -19395,7 +18693,7 @@
       </p:grpSpPr>
       <p:sp>
         <p:nvSpPr>
-          <p:cNvPr id="345" name="Google Shape;345;p34"/>
+          <p:cNvPr id="332" name="Google Shape;332;p33"/>
           <p:cNvSpPr txBox="1"/>
           <p:nvPr>
             <p:ph type="title"/>
@@ -19446,7 +18744,7 @@
       </p:sp>
       <p:sp>
         <p:nvSpPr>
-          <p:cNvPr id="346" name="Google Shape;346;p34"/>
+          <p:cNvPr id="333" name="Google Shape;333;p33"/>
           <p:cNvSpPr txBox="1"/>
           <p:nvPr/>
         </p:nvSpPr>
@@ -19840,7 +19138,7 @@
       </p:sp>
       <p:sp>
         <p:nvSpPr>
-          <p:cNvPr id="347" name="Google Shape;347;p34"/>
+          <p:cNvPr id="334" name="Google Shape;334;p33"/>
           <p:cNvSpPr txBox="1"/>
           <p:nvPr/>
         </p:nvSpPr>
@@ -19975,7 +19273,7 @@
       </p:sp>
       <p:pic>
         <p:nvPicPr>
-          <p:cNvPr id="348" name="Google Shape;348;p34"/>
+          <p:cNvPr id="335" name="Google Shape;335;p33"/>
           <p:cNvPicPr preferRelativeResize="0"/>
           <p:nvPr/>
         </p:nvPicPr>
@@ -20009,12 +19307,12 @@
 </p:sld>
 </file>
 
-<file path=ppt/slides/slide23.xml><?xml version="1.0" encoding="utf-8"?>
+<file path=ppt/slides/slide22.xml><?xml version="1.0" encoding="utf-8"?>
 <p:sld xmlns:a="http://schemas.openxmlformats.org/drawingml/2006/main" xmlns:r="http://schemas.openxmlformats.org/officeDocument/2006/relationships" xmlns:mc="http://schemas.openxmlformats.org/markup-compatibility/2006" xmlns:mv="urn:schemas-microsoft-com:mac:vml" xmlns:p="http://schemas.openxmlformats.org/presentationml/2006/main" xmlns:c="http://schemas.openxmlformats.org/drawingml/2006/chart" xmlns:dgm="http://schemas.openxmlformats.org/drawingml/2006/diagram" xmlns:o="urn:schemas-microsoft-com:office:office" xmlns:v="urn:schemas-microsoft-com:vml" xmlns:pvml="urn:schemas-microsoft-com:office:powerpoint" xmlns:com="http://schemas.openxmlformats.org/drawingml/2006/compatibility" xmlns:p14="http://schemas.microsoft.com/office/powerpoint/2010/main" xmlns:p15="http://schemas.microsoft.com/office/powerpoint/2012/main">
   <p:cSld>
     <p:spTree>
       <p:nvGrpSpPr>
-        <p:cNvPr id="352" name="Shape 352"/>
+        <p:cNvPr id="339" name="Shape 339"/>
         <p:cNvGrpSpPr/>
         <p:nvPr/>
       </p:nvGrpSpPr>
@@ -20028,7 +19326,7 @@
       </p:grpSpPr>
       <p:sp>
         <p:nvSpPr>
-          <p:cNvPr id="353" name="Google Shape;353;p35"/>
+          <p:cNvPr id="340" name="Google Shape;340;p34"/>
           <p:cNvSpPr txBox="1"/>
           <p:nvPr>
             <p:ph type="title"/>
@@ -20079,7 +19377,7 @@
       </p:sp>
       <p:sp>
         <p:nvSpPr>
-          <p:cNvPr id="354" name="Google Shape;354;p35"/>
+          <p:cNvPr id="341" name="Google Shape;341;p34"/>
           <p:cNvSpPr txBox="1"/>
           <p:nvPr/>
         </p:nvSpPr>
@@ -20428,7 +19726,7 @@
       </p:sp>
       <p:sp>
         <p:nvSpPr>
-          <p:cNvPr id="355" name="Google Shape;355;p35"/>
+          <p:cNvPr id="342" name="Google Shape;342;p34"/>
           <p:cNvSpPr txBox="1"/>
           <p:nvPr/>
         </p:nvSpPr>
@@ -20615,7 +19913,7 @@
       </p:sp>
       <p:pic>
         <p:nvPicPr>
-          <p:cNvPr id="356" name="Google Shape;356;p35"/>
+          <p:cNvPr id="343" name="Google Shape;343;p34"/>
           <p:cNvPicPr preferRelativeResize="0"/>
           <p:nvPr/>
         </p:nvPicPr>
@@ -20649,12 +19947,12 @@
 </p:sld>
 </file>
 
-<file path=ppt/slides/slide24.xml><?xml version="1.0" encoding="utf-8"?>
+<file path=ppt/slides/slide23.xml><?xml version="1.0" encoding="utf-8"?>
 <p:sld xmlns:a="http://schemas.openxmlformats.org/drawingml/2006/main" xmlns:r="http://schemas.openxmlformats.org/officeDocument/2006/relationships" xmlns:mc="http://schemas.openxmlformats.org/markup-compatibility/2006" xmlns:mv="urn:schemas-microsoft-com:mac:vml" xmlns:p="http://schemas.openxmlformats.org/presentationml/2006/main" xmlns:c="http://schemas.openxmlformats.org/drawingml/2006/chart" xmlns:dgm="http://schemas.openxmlformats.org/drawingml/2006/diagram" xmlns:o="urn:schemas-microsoft-com:office:office" xmlns:v="urn:schemas-microsoft-com:vml" xmlns:pvml="urn:schemas-microsoft-com:office:powerpoint" xmlns:com="http://schemas.openxmlformats.org/drawingml/2006/compatibility" xmlns:p14="http://schemas.microsoft.com/office/powerpoint/2010/main" xmlns:p15="http://schemas.microsoft.com/office/powerpoint/2012/main">
   <p:cSld>
     <p:spTree>
       <p:nvGrpSpPr>
-        <p:cNvPr id="360" name="Shape 360"/>
+        <p:cNvPr id="347" name="Shape 347"/>
         <p:cNvGrpSpPr/>
         <p:nvPr/>
       </p:nvGrpSpPr>
@@ -20668,7 +19966,7 @@
       </p:grpSpPr>
       <p:sp>
         <p:nvSpPr>
-          <p:cNvPr id="361" name="Google Shape;361;p36"/>
+          <p:cNvPr id="348" name="Google Shape;348;p35"/>
           <p:cNvSpPr txBox="1"/>
           <p:nvPr>
             <p:ph type="title"/>
@@ -20719,7 +20017,7 @@
       </p:sp>
       <p:sp>
         <p:nvSpPr>
-          <p:cNvPr id="362" name="Google Shape;362;p36"/>
+          <p:cNvPr id="349" name="Google Shape;349;p35"/>
           <p:cNvSpPr txBox="1"/>
           <p:nvPr/>
         </p:nvSpPr>
@@ -21092,7 +20390,7 @@
       </p:sp>
       <p:pic>
         <p:nvPicPr>
-          <p:cNvPr id="363" name="Google Shape;363;p36"/>
+          <p:cNvPr id="350" name="Google Shape;350;p35"/>
           <p:cNvPicPr preferRelativeResize="0"/>
           <p:nvPr/>
         </p:nvPicPr>
@@ -21106,8 +20404,8 @@
         </p:blipFill>
         <p:spPr>
           <a:xfrm>
-            <a:off x="1940950" y="1863100"/>
-            <a:ext cx="5213275" cy="3202200"/>
+            <a:off x="1268450" y="1678050"/>
+            <a:ext cx="5877464" cy="3160650"/>
           </a:xfrm>
           <a:prstGeom prst="rect">
             <a:avLst/>
@@ -21126,12 +20424,12 @@
 </p:sld>
 </file>
 
-<file path=ppt/slides/slide25.xml><?xml version="1.0" encoding="utf-8"?>
+<file path=ppt/slides/slide24.xml><?xml version="1.0" encoding="utf-8"?>
 <p:sld xmlns:a="http://schemas.openxmlformats.org/drawingml/2006/main" xmlns:r="http://schemas.openxmlformats.org/officeDocument/2006/relationships" xmlns:mc="http://schemas.openxmlformats.org/markup-compatibility/2006" xmlns:mv="urn:schemas-microsoft-com:mac:vml" xmlns:p="http://schemas.openxmlformats.org/presentationml/2006/main" xmlns:c="http://schemas.openxmlformats.org/drawingml/2006/chart" xmlns:dgm="http://schemas.openxmlformats.org/drawingml/2006/diagram" xmlns:o="urn:schemas-microsoft-com:office:office" xmlns:v="urn:schemas-microsoft-com:vml" xmlns:pvml="urn:schemas-microsoft-com:office:powerpoint" xmlns:com="http://schemas.openxmlformats.org/drawingml/2006/compatibility" xmlns:p14="http://schemas.microsoft.com/office/powerpoint/2010/main" xmlns:p15="http://schemas.microsoft.com/office/powerpoint/2012/main">
   <p:cSld>
     <p:spTree>
       <p:nvGrpSpPr>
-        <p:cNvPr id="367" name="Shape 367"/>
+        <p:cNvPr id="354" name="Shape 354"/>
         <p:cNvGrpSpPr/>
         <p:nvPr/>
       </p:nvGrpSpPr>
@@ -21145,7 +20443,7 @@
       </p:grpSpPr>
       <p:sp>
         <p:nvSpPr>
-          <p:cNvPr id="368" name="Google Shape;368;p37"/>
+          <p:cNvPr id="355" name="Google Shape;355;p36"/>
           <p:cNvSpPr txBox="1"/>
           <p:nvPr>
             <p:ph type="title"/>
@@ -21196,7 +20494,7 @@
       </p:sp>
       <p:sp>
         <p:nvSpPr>
-          <p:cNvPr id="369" name="Google Shape;369;p37"/>
+          <p:cNvPr id="356" name="Google Shape;356;p36"/>
           <p:cNvSpPr txBox="1"/>
           <p:nvPr/>
         </p:nvSpPr>
@@ -21250,7 +20548,7 @@
                   <a:schemeClr val="dk1"/>
                 </a:solidFill>
               </a:rPr>
-              <a:t>(Microsoft Research) was the winner of the 2015 ILSVRC competition for ImageNet and </a:t>
+              <a:t>(Microsoft Research) was the first runner up of the 2016 ILSVRC competition for ImageNet and </a:t>
             </a:r>
             <a:r>
               <a:rPr b="1" lang="en" sz="1200">
@@ -21661,12 +20959,12 @@
 </p:sld>
 </file>
 
-<file path=ppt/slides/slide26.xml><?xml version="1.0" encoding="utf-8"?>
+<file path=ppt/slides/slide25.xml><?xml version="1.0" encoding="utf-8"?>
 <p:sld xmlns:a="http://schemas.openxmlformats.org/drawingml/2006/main" xmlns:r="http://schemas.openxmlformats.org/officeDocument/2006/relationships" xmlns:mc="http://schemas.openxmlformats.org/markup-compatibility/2006" xmlns:mv="urn:schemas-microsoft-com:mac:vml" xmlns:p="http://schemas.openxmlformats.org/presentationml/2006/main" xmlns:c="http://schemas.openxmlformats.org/drawingml/2006/chart" xmlns:dgm="http://schemas.openxmlformats.org/drawingml/2006/diagram" xmlns:o="urn:schemas-microsoft-com:office:office" xmlns:v="urn:schemas-microsoft-com:vml" xmlns:pvml="urn:schemas-microsoft-com:office:powerpoint" xmlns:com="http://schemas.openxmlformats.org/drawingml/2006/compatibility" xmlns:p14="http://schemas.microsoft.com/office/powerpoint/2010/main" xmlns:p15="http://schemas.microsoft.com/office/powerpoint/2012/main">
   <p:cSld>
     <p:spTree>
       <p:nvGrpSpPr>
-        <p:cNvPr id="373" name="Shape 373"/>
+        <p:cNvPr id="360" name="Shape 360"/>
         <p:cNvGrpSpPr/>
         <p:nvPr/>
       </p:nvGrpSpPr>
@@ -21680,7 +20978,7 @@
       </p:grpSpPr>
       <p:sp>
         <p:nvSpPr>
-          <p:cNvPr id="374" name="Google Shape;374;p38"/>
+          <p:cNvPr id="361" name="Google Shape;361;p37"/>
           <p:cNvSpPr txBox="1"/>
           <p:nvPr>
             <p:ph type="title"/>
@@ -21731,7 +21029,7 @@
       </p:sp>
       <p:sp>
         <p:nvSpPr>
-          <p:cNvPr id="375" name="Google Shape;375;p38"/>
+          <p:cNvPr id="362" name="Google Shape;362;p37"/>
           <p:cNvSpPr txBox="1"/>
           <p:nvPr/>
         </p:nvSpPr>
@@ -22261,7 +21559,7 @@
       </p:sp>
       <p:pic>
         <p:nvPicPr>
-          <p:cNvPr id="376" name="Google Shape;376;p38"/>
+          <p:cNvPr id="363" name="Google Shape;363;p37"/>
           <p:cNvPicPr preferRelativeResize="0"/>
           <p:nvPr/>
         </p:nvPicPr>
@@ -22289,7 +21587,7 @@
       </p:pic>
       <p:sp>
         <p:nvSpPr>
-          <p:cNvPr id="377" name="Google Shape;377;p38"/>
+          <p:cNvPr id="364" name="Google Shape;364;p37"/>
           <p:cNvSpPr txBox="1"/>
           <p:nvPr/>
         </p:nvSpPr>
@@ -22355,12 +21653,12 @@
 </p:sld>
 </file>
 
-<file path=ppt/slides/slide27.xml><?xml version="1.0" encoding="utf-8"?>
+<file path=ppt/slides/slide26.xml><?xml version="1.0" encoding="utf-8"?>
 <p:sld xmlns:a="http://schemas.openxmlformats.org/drawingml/2006/main" xmlns:r="http://schemas.openxmlformats.org/officeDocument/2006/relationships" xmlns:mc="http://schemas.openxmlformats.org/markup-compatibility/2006" xmlns:mv="urn:schemas-microsoft-com:mac:vml" xmlns:p="http://schemas.openxmlformats.org/presentationml/2006/main" xmlns:c="http://schemas.openxmlformats.org/drawingml/2006/chart" xmlns:dgm="http://schemas.openxmlformats.org/drawingml/2006/diagram" xmlns:o="urn:schemas-microsoft-com:office:office" xmlns:v="urn:schemas-microsoft-com:vml" xmlns:pvml="urn:schemas-microsoft-com:office:powerpoint" xmlns:com="http://schemas.openxmlformats.org/drawingml/2006/compatibility" xmlns:p14="http://schemas.microsoft.com/office/powerpoint/2010/main" xmlns:p15="http://schemas.microsoft.com/office/powerpoint/2012/main">
   <p:cSld>
     <p:spTree>
       <p:nvGrpSpPr>
-        <p:cNvPr id="381" name="Shape 381"/>
+        <p:cNvPr id="368" name="Shape 368"/>
         <p:cNvGrpSpPr/>
         <p:nvPr/>
       </p:nvGrpSpPr>
@@ -22374,7 +21672,7 @@
       </p:grpSpPr>
       <p:pic>
         <p:nvPicPr>
-          <p:cNvPr id="382" name="Google Shape;382;p39"/>
+          <p:cNvPr id="369" name="Google Shape;369;p38"/>
           <p:cNvPicPr preferRelativeResize="0"/>
           <p:nvPr/>
         </p:nvPicPr>
@@ -22402,7 +21700,7 @@
       </p:pic>
       <p:sp>
         <p:nvSpPr>
-          <p:cNvPr id="383" name="Google Shape;383;p39"/>
+          <p:cNvPr id="370" name="Google Shape;370;p38"/>
           <p:cNvSpPr txBox="1"/>
           <p:nvPr>
             <p:ph type="title"/>
@@ -22453,7 +21751,7 @@
       </p:sp>
       <p:sp>
         <p:nvSpPr>
-          <p:cNvPr id="384" name="Google Shape;384;p39"/>
+          <p:cNvPr id="371" name="Google Shape;371;p38"/>
           <p:cNvSpPr txBox="1"/>
           <p:nvPr/>
         </p:nvSpPr>
@@ -22905,7 +22203,7 @@
       </p:sp>
       <p:sp>
         <p:nvSpPr>
-          <p:cNvPr id="385" name="Google Shape;385;p39"/>
+          <p:cNvPr id="372" name="Google Shape;372;p38"/>
           <p:cNvSpPr txBox="1"/>
           <p:nvPr/>
         </p:nvSpPr>
@@ -23277,12 +22575,12 @@
 </p:sld>
 </file>
 
-<file path=ppt/slides/slide28.xml><?xml version="1.0" encoding="utf-8"?>
+<file path=ppt/slides/slide27.xml><?xml version="1.0" encoding="utf-8"?>
 <p:sld xmlns:a="http://schemas.openxmlformats.org/drawingml/2006/main" xmlns:r="http://schemas.openxmlformats.org/officeDocument/2006/relationships" xmlns:mc="http://schemas.openxmlformats.org/markup-compatibility/2006" xmlns:mv="urn:schemas-microsoft-com:mac:vml" xmlns:p="http://schemas.openxmlformats.org/presentationml/2006/main" xmlns:c="http://schemas.openxmlformats.org/drawingml/2006/chart" xmlns:dgm="http://schemas.openxmlformats.org/drawingml/2006/diagram" xmlns:o="urn:schemas-microsoft-com:office:office" xmlns:v="urn:schemas-microsoft-com:vml" xmlns:pvml="urn:schemas-microsoft-com:office:powerpoint" xmlns:com="http://schemas.openxmlformats.org/drawingml/2006/compatibility" xmlns:p14="http://schemas.microsoft.com/office/powerpoint/2010/main" xmlns:p15="http://schemas.microsoft.com/office/powerpoint/2012/main">
   <p:cSld>
     <p:spTree>
       <p:nvGrpSpPr>
-        <p:cNvPr id="389" name="Shape 389"/>
+        <p:cNvPr id="376" name="Shape 376"/>
         <p:cNvGrpSpPr/>
         <p:nvPr/>
       </p:nvGrpSpPr>
@@ -23296,7 +22594,7 @@
       </p:grpSpPr>
       <p:sp>
         <p:nvSpPr>
-          <p:cNvPr id="390" name="Google Shape;390;p40"/>
+          <p:cNvPr id="377" name="Google Shape;377;p39"/>
           <p:cNvSpPr txBox="1"/>
           <p:nvPr>
             <p:ph type="title"/>
@@ -23347,7 +22645,7 @@
       </p:sp>
       <p:graphicFrame>
         <p:nvGraphicFramePr>
-          <p:cNvPr id="391" name="Google Shape;391;p40"/>
+          <p:cNvPr id="378" name="Google Shape;378;p39"/>
           <p:cNvGraphicFramePr/>
           <p:nvPr/>
         </p:nvGraphicFramePr>
@@ -23360,7 +22658,7 @@
             <a:tbl>
               <a:tblPr>
                 <a:noFill/>
-                <a:tableStyleId>{264BC707-175E-4C08-A337-32AED62F180F}</a:tableStyleId>
+                <a:tableStyleId>{6026C9F1-80EC-4B16-9386-2AD92B9CDD83}</a:tableStyleId>
               </a:tblPr>
               <a:tblGrid>
                 <a:gridCol w="4596175"/>
@@ -25017,7 +24315,7 @@
       </p:graphicFrame>
       <p:graphicFrame>
         <p:nvGraphicFramePr>
-          <p:cNvPr id="392" name="Google Shape;392;p40"/>
+          <p:cNvPr id="379" name="Google Shape;379;p39"/>
           <p:cNvGraphicFramePr/>
           <p:nvPr/>
         </p:nvGraphicFramePr>
@@ -25030,7 +24328,7 @@
             <a:tbl>
               <a:tblPr>
                 <a:noFill/>
-                <a:tableStyleId>{264BC707-175E-4C08-A337-32AED62F180F}</a:tableStyleId>
+                <a:tableStyleId>{6026C9F1-80EC-4B16-9386-2AD92B9CDD83}</a:tableStyleId>
               </a:tblPr>
               <a:tblGrid>
                 <a:gridCol w="4171275"/>
@@ -26214,12 +25512,12 @@
 </p:sld>
 </file>
 
-<file path=ppt/slides/slide29.xml><?xml version="1.0" encoding="utf-8"?>
+<file path=ppt/slides/slide28.xml><?xml version="1.0" encoding="utf-8"?>
 <p:sld xmlns:a="http://schemas.openxmlformats.org/drawingml/2006/main" xmlns:r="http://schemas.openxmlformats.org/officeDocument/2006/relationships" xmlns:mc="http://schemas.openxmlformats.org/markup-compatibility/2006" xmlns:mv="urn:schemas-microsoft-com:mac:vml" xmlns:p="http://schemas.openxmlformats.org/presentationml/2006/main" xmlns:c="http://schemas.openxmlformats.org/drawingml/2006/chart" xmlns:dgm="http://schemas.openxmlformats.org/drawingml/2006/diagram" xmlns:o="urn:schemas-microsoft-com:office:office" xmlns:v="urn:schemas-microsoft-com:vml" xmlns:pvml="urn:schemas-microsoft-com:office:powerpoint" xmlns:com="http://schemas.openxmlformats.org/drawingml/2006/compatibility" xmlns:p14="http://schemas.microsoft.com/office/powerpoint/2010/main" xmlns:p15="http://schemas.microsoft.com/office/powerpoint/2012/main">
   <p:cSld>
     <p:spTree>
       <p:nvGrpSpPr>
-        <p:cNvPr id="396" name="Shape 396"/>
+        <p:cNvPr id="383" name="Shape 383"/>
         <p:cNvGrpSpPr/>
         <p:nvPr/>
       </p:nvGrpSpPr>
@@ -26233,7 +25531,7 @@
       </p:grpSpPr>
       <p:sp>
         <p:nvSpPr>
-          <p:cNvPr id="397" name="Google Shape;397;p41"/>
+          <p:cNvPr id="384" name="Google Shape;384;p40"/>
           <p:cNvSpPr txBox="1"/>
           <p:nvPr>
             <p:ph type="title"/>
@@ -26284,7 +25582,7 @@
       </p:sp>
       <p:sp>
         <p:nvSpPr>
-          <p:cNvPr id="398" name="Google Shape;398;p41"/>
+          <p:cNvPr id="385" name="Google Shape;385;p40"/>
           <p:cNvSpPr txBox="1"/>
           <p:nvPr/>
         </p:nvSpPr>
@@ -26472,7 +25770,7 @@
       </p:sp>
       <p:pic>
         <p:nvPicPr>
-          <p:cNvPr id="399" name="Google Shape;399;p41"/>
+          <p:cNvPr id="386" name="Google Shape;386;p40"/>
           <p:cNvPicPr preferRelativeResize="0"/>
           <p:nvPr/>
         </p:nvPicPr>
@@ -26488,6 +25786,270 @@
           <a:xfrm>
             <a:off x="1766349" y="2429750"/>
             <a:ext cx="5346349" cy="2604625"/>
+          </a:xfrm>
+          <a:prstGeom prst="rect">
+            <a:avLst/>
+          </a:prstGeom>
+          <a:noFill/>
+          <a:ln>
+            <a:noFill/>
+          </a:ln>
+        </p:spPr>
+      </p:pic>
+    </p:spTree>
+  </p:cSld>
+  <p:clrMapOvr>
+    <a:masterClrMapping/>
+  </p:clrMapOvr>
+</p:sld>
+</file>
+
+<file path=ppt/slides/slide29.xml><?xml version="1.0" encoding="utf-8"?>
+<p:sld xmlns:a="http://schemas.openxmlformats.org/drawingml/2006/main" xmlns:r="http://schemas.openxmlformats.org/officeDocument/2006/relationships" xmlns:mc="http://schemas.openxmlformats.org/markup-compatibility/2006" xmlns:mv="urn:schemas-microsoft-com:mac:vml" xmlns:p="http://schemas.openxmlformats.org/presentationml/2006/main" xmlns:c="http://schemas.openxmlformats.org/drawingml/2006/chart" xmlns:dgm="http://schemas.openxmlformats.org/drawingml/2006/diagram" xmlns:o="urn:schemas-microsoft-com:office:office" xmlns:v="urn:schemas-microsoft-com:vml" xmlns:pvml="urn:schemas-microsoft-com:office:powerpoint" xmlns:com="http://schemas.openxmlformats.org/drawingml/2006/compatibility" xmlns:p14="http://schemas.microsoft.com/office/powerpoint/2010/main" xmlns:p15="http://schemas.microsoft.com/office/powerpoint/2012/main">
+  <p:cSld>
+    <p:spTree>
+      <p:nvGrpSpPr>
+        <p:cNvPr id="390" name="Shape 390"/>
+        <p:cNvGrpSpPr/>
+        <p:nvPr/>
+      </p:nvGrpSpPr>
+      <p:grpSpPr>
+        <a:xfrm>
+          <a:off x="0" y="0"/>
+          <a:ext cx="0" cy="0"/>
+          <a:chOff x="0" y="0"/>
+          <a:chExt cx="0" cy="0"/>
+        </a:xfrm>
+      </p:grpSpPr>
+      <p:sp>
+        <p:nvSpPr>
+          <p:cNvPr id="391" name="Google Shape;391;p41"/>
+          <p:cNvSpPr txBox="1"/>
+          <p:nvPr>
+            <p:ph type="title"/>
+          </p:nvPr>
+        </p:nvSpPr>
+        <p:spPr>
+          <a:xfrm>
+            <a:off x="311700" y="445025"/>
+            <a:ext cx="8520600" cy="572700"/>
+          </a:xfrm>
+          <a:prstGeom prst="rect">
+            <a:avLst/>
+          </a:prstGeom>
+          <a:solidFill>
+            <a:srgbClr val="D9D9D9"/>
+          </a:solidFill>
+        </p:spPr>
+        <p:txBody>
+          <a:bodyPr anchorCtr="0" anchor="t" bIns="91425" lIns="91425" spcFirstLastPara="1" rIns="91425" wrap="square" tIns="91425">
+            <a:noAutofit/>
+          </a:bodyPr>
+          <a:lstStyle/>
+          <a:p>
+            <a:pPr indent="0" lvl="0" marL="0" rtl="0" algn="ctr">
+              <a:spcBef>
+                <a:spcPts val="0"/>
+              </a:spcBef>
+              <a:spcAft>
+                <a:spcPts val="0"/>
+              </a:spcAft>
+              <a:buNone/>
+            </a:pPr>
+            <a:r>
+              <a:rPr lang="en">
+                <a:solidFill>
+                  <a:srgbClr val="A61C00"/>
+                </a:solidFill>
+              </a:rPr>
+              <a:t>Wide Residual Network (WRN)</a:t>
+            </a:r>
+            <a:endParaRPr>
+              <a:solidFill>
+                <a:srgbClr val="A61C00"/>
+              </a:solidFill>
+            </a:endParaRPr>
+          </a:p>
+        </p:txBody>
+      </p:sp>
+      <p:sp>
+        <p:nvSpPr>
+          <p:cNvPr id="392" name="Google Shape;392;p41"/>
+          <p:cNvSpPr txBox="1"/>
+          <p:nvPr/>
+        </p:nvSpPr>
+        <p:spPr>
+          <a:xfrm>
+            <a:off x="288850" y="1122000"/>
+            <a:ext cx="8493000" cy="1238700"/>
+          </a:xfrm>
+          <a:prstGeom prst="rect">
+            <a:avLst/>
+          </a:prstGeom>
+          <a:noFill/>
+          <a:ln>
+            <a:noFill/>
+          </a:ln>
+        </p:spPr>
+        <p:txBody>
+          <a:bodyPr anchorCtr="0" anchor="t" bIns="91425" lIns="91425" spcFirstLastPara="1" rIns="91425" wrap="square" tIns="91425">
+            <a:noAutofit/>
+          </a:bodyPr>
+          <a:lstStyle/>
+          <a:p>
+            <a:pPr indent="0" lvl="0" marL="0" rtl="0" algn="l">
+              <a:lnSpc>
+                <a:spcPct val="115000"/>
+              </a:lnSpc>
+              <a:spcBef>
+                <a:spcPts val="0"/>
+              </a:spcBef>
+              <a:spcAft>
+                <a:spcPts val="0"/>
+              </a:spcAft>
+              <a:buNone/>
+            </a:pPr>
+            <a:r>
+              <a:rPr lang="en" sz="1100">
+                <a:solidFill>
+                  <a:schemeClr val="dk1"/>
+                </a:solidFill>
+              </a:rPr>
+              <a:t>The Wide Residual Network (WRN) introduced in 2016 (Paris Tech University) took another approach to wide convolutional neural networks. </a:t>
+            </a:r>
+            <a:endParaRPr sz="1100">
+              <a:solidFill>
+                <a:schemeClr val="dk1"/>
+              </a:solidFill>
+            </a:endParaRPr>
+          </a:p>
+          <a:p>
+            <a:pPr indent="0" lvl="0" marL="0" rtl="0" algn="l">
+              <a:lnSpc>
+                <a:spcPct val="115000"/>
+              </a:lnSpc>
+              <a:spcBef>
+                <a:spcPts val="0"/>
+              </a:spcBef>
+              <a:spcAft>
+                <a:spcPts val="0"/>
+              </a:spcAft>
+              <a:buNone/>
+            </a:pPr>
+            <a:r>
+              <a:t/>
+            </a:r>
+            <a:endParaRPr sz="1100">
+              <a:solidFill>
+                <a:schemeClr val="dk1"/>
+              </a:solidFill>
+            </a:endParaRPr>
+          </a:p>
+          <a:p>
+            <a:pPr indent="0" lvl="0" marL="0" rtl="0" algn="l">
+              <a:lnSpc>
+                <a:spcPct val="115000"/>
+              </a:lnSpc>
+              <a:spcBef>
+                <a:spcPts val="0"/>
+              </a:spcBef>
+              <a:spcAft>
+                <a:spcPts val="0"/>
+              </a:spcAft>
+              <a:buClr>
+                <a:schemeClr val="dk1"/>
+              </a:buClr>
+              <a:buSzPts val="1100"/>
+              <a:buFont typeface="Arial"/>
+              <a:buNone/>
+            </a:pPr>
+            <a:r>
+              <a:rPr lang="en" sz="1100">
+                <a:solidFill>
+                  <a:schemeClr val="dk1"/>
+                </a:solidFill>
+              </a:rPr>
+              <a:t>The authors’ </a:t>
+            </a:r>
+            <a:r>
+              <a:rPr lang="en" sz="1100" u="sng">
+                <a:solidFill>
+                  <a:schemeClr val="dk1"/>
+                </a:solidFill>
+              </a:rPr>
+              <a:t>theory was that as one goes deeper in layers, feature reuse is diminished and it takes longer to train</a:t>
+            </a:r>
+            <a:r>
+              <a:rPr lang="en" sz="1100">
+                <a:solidFill>
+                  <a:schemeClr val="dk1"/>
+                </a:solidFill>
+              </a:rPr>
+              <a:t>. They did a study using residual networks and </a:t>
+            </a:r>
+            <a:r>
+              <a:rPr b="1" lang="en" sz="1100">
+                <a:solidFill>
+                  <a:srgbClr val="4A86E8"/>
+                </a:solidFill>
+              </a:rPr>
+              <a:t>added a parameter for a multiplier on the number of filters (width) per residual block and decreasing the depth</a:t>
+            </a:r>
+            <a:r>
+              <a:rPr lang="en" sz="1100">
+                <a:solidFill>
+                  <a:schemeClr val="dk1"/>
+                </a:solidFill>
+              </a:rPr>
+              <a:t>. They reported in their ablation study that a WRN with just 16 layers could outperform other state-of-the-art (SOTA) architectures.</a:t>
+            </a:r>
+            <a:endParaRPr sz="1100">
+              <a:solidFill>
+                <a:schemeClr val="dk1"/>
+              </a:solidFill>
+            </a:endParaRPr>
+          </a:p>
+          <a:p>
+            <a:pPr indent="0" lvl="0" marL="0" rtl="0" algn="l">
+              <a:lnSpc>
+                <a:spcPct val="115000"/>
+              </a:lnSpc>
+              <a:spcBef>
+                <a:spcPts val="0"/>
+              </a:spcBef>
+              <a:spcAft>
+                <a:spcPts val="0"/>
+              </a:spcAft>
+              <a:buNone/>
+            </a:pPr>
+            <a:r>
+              <a:t/>
+            </a:r>
+            <a:endParaRPr sz="1100">
+              <a:solidFill>
+                <a:schemeClr val="dk1"/>
+              </a:solidFill>
+            </a:endParaRPr>
+          </a:p>
+        </p:txBody>
+      </p:sp>
+      <p:pic>
+        <p:nvPicPr>
+          <p:cNvPr id="393" name="Google Shape;393;p41"/>
+          <p:cNvPicPr preferRelativeResize="0"/>
+          <p:nvPr/>
+        </p:nvPicPr>
+        <p:blipFill rotWithShape="1">
+          <a:blip r:embed="rId3">
+            <a:alphaModFix/>
+          </a:blip>
+          <a:srcRect b="0" l="-2860" r="2859" t="0"/>
+          <a:stretch/>
+        </p:blipFill>
+        <p:spPr>
+          <a:xfrm>
+            <a:off x="1974275" y="2400075"/>
+            <a:ext cx="4863350" cy="2743425"/>
           </a:xfrm>
           <a:prstGeom prst="rect">
             <a:avLst/>
@@ -27231,7 +26793,7 @@
   <p:cSld>
     <p:spTree>
       <p:nvGrpSpPr>
-        <p:cNvPr id="403" name="Shape 403"/>
+        <p:cNvPr id="397" name="Shape 397"/>
         <p:cNvGrpSpPr/>
         <p:nvPr/>
       </p:nvGrpSpPr>
@@ -27245,7 +26807,7 @@
       </p:grpSpPr>
       <p:sp>
         <p:nvSpPr>
-          <p:cNvPr id="404" name="Google Shape;404;p42"/>
+          <p:cNvPr id="398" name="Google Shape;398;p42"/>
           <p:cNvSpPr txBox="1"/>
           <p:nvPr>
             <p:ph type="title"/>
@@ -27296,14 +26858,14 @@
       </p:sp>
       <p:sp>
         <p:nvSpPr>
-          <p:cNvPr id="405" name="Google Shape;405;p42"/>
+          <p:cNvPr id="399" name="Google Shape;399;p42"/>
           <p:cNvSpPr txBox="1"/>
           <p:nvPr/>
         </p:nvSpPr>
         <p:spPr>
           <a:xfrm>
             <a:off x="288850" y="1122000"/>
-            <a:ext cx="8493000" cy="1238700"/>
+            <a:ext cx="8493000" cy="2638500"/>
           </a:xfrm>
           <a:prstGeom prst="rect">
             <a:avLst/>
@@ -27332,14 +26894,14 @@
               <a:buNone/>
             </a:pPr>
             <a:r>
-              <a:rPr lang="en" sz="1100">
+              <a:rPr lang="en" sz="1200">
                 <a:solidFill>
                   <a:schemeClr val="dk1"/>
                 </a:solidFill>
               </a:rPr>
-              <a:t>The Wide Residual Network (WRN) introduced in 2016 (Paris Tech University) took another approach to wide convolutional neural networks. </a:t>
-            </a:r>
-            <a:endParaRPr sz="1100">
+              <a:t>Their model used the following design considerations:</a:t>
+            </a:r>
+            <a:endParaRPr sz="1200">
               <a:solidFill>
                 <a:schemeClr val="dk1"/>
               </a:solidFill>
@@ -27361,7 +26923,238 @@
             <a:r>
               <a:t/>
             </a:r>
-            <a:endParaRPr sz="1100">
+            <a:endParaRPr sz="1200">
+              <a:solidFill>
+                <a:schemeClr val="dk1"/>
+              </a:solidFill>
+            </a:endParaRPr>
+          </a:p>
+          <a:p>
+            <a:pPr indent="-304800" lvl="0" marL="457200" rtl="0" algn="l">
+              <a:lnSpc>
+                <a:spcPct val="115000"/>
+              </a:lnSpc>
+              <a:spcBef>
+                <a:spcPts val="0"/>
+              </a:spcBef>
+              <a:spcAft>
+                <a:spcPts val="0"/>
+              </a:spcAft>
+              <a:buClr>
+                <a:schemeClr val="dk1"/>
+              </a:buClr>
+              <a:buSzPts val="1200"/>
+              <a:buAutoNum type="arabicPeriod"/>
+            </a:pPr>
+            <a:r>
+              <a:rPr lang="en" sz="1200">
+                <a:solidFill>
+                  <a:schemeClr val="dk1"/>
+                </a:solidFill>
+              </a:rPr>
+              <a:t>Pre-activation batch normalization (</a:t>
+            </a:r>
+            <a:r>
+              <a:rPr b="1" lang="en" sz="1200">
+                <a:solidFill>
+                  <a:srgbClr val="4A86E8"/>
+                </a:solidFill>
+              </a:rPr>
+              <a:t>BN-RE-Conv</a:t>
+            </a:r>
+            <a:r>
+              <a:rPr lang="en" sz="1200">
+                <a:solidFill>
+                  <a:schemeClr val="dk1"/>
+                </a:solidFill>
+              </a:rPr>
+              <a:t>) for faster training, as in the ResNet V2.</a:t>
+            </a:r>
+            <a:endParaRPr sz="1200">
+              <a:solidFill>
+                <a:schemeClr val="dk1"/>
+              </a:solidFill>
+            </a:endParaRPr>
+          </a:p>
+          <a:p>
+            <a:pPr indent="0" lvl="0" marL="457200" rtl="0" algn="l">
+              <a:lnSpc>
+                <a:spcPct val="115000"/>
+              </a:lnSpc>
+              <a:spcBef>
+                <a:spcPts val="0"/>
+              </a:spcBef>
+              <a:spcAft>
+                <a:spcPts val="0"/>
+              </a:spcAft>
+              <a:buNone/>
+            </a:pPr>
+            <a:r>
+              <a:t/>
+            </a:r>
+            <a:endParaRPr sz="1200">
+              <a:solidFill>
+                <a:schemeClr val="dk1"/>
+              </a:solidFill>
+            </a:endParaRPr>
+          </a:p>
+          <a:p>
+            <a:pPr indent="-304800" lvl="0" marL="457200" rtl="0" algn="l">
+              <a:lnSpc>
+                <a:spcPct val="115000"/>
+              </a:lnSpc>
+              <a:spcBef>
+                <a:spcPts val="0"/>
+              </a:spcBef>
+              <a:spcAft>
+                <a:spcPts val="0"/>
+              </a:spcAft>
+              <a:buClr>
+                <a:schemeClr val="dk1"/>
+              </a:buClr>
+              <a:buSzPts val="1200"/>
+              <a:buAutoNum type="arabicPeriod"/>
+            </a:pPr>
+            <a:r>
+              <a:rPr lang="en" sz="1200">
+                <a:solidFill>
+                  <a:schemeClr val="dk1"/>
+                </a:solidFill>
+              </a:rPr>
+              <a:t>Use t</a:t>
+            </a:r>
+            <a:r>
+              <a:rPr b="1" lang="en" sz="1200">
+                <a:solidFill>
+                  <a:srgbClr val="4A86E8"/>
+                </a:solidFill>
+              </a:rPr>
+              <a:t>wo 3x3 convolutionals (B(3, 3)) as in ResNet34</a:t>
+            </a:r>
+            <a:r>
+              <a:rPr lang="en" sz="1200">
+                <a:solidFill>
+                  <a:schemeClr val="dk1"/>
+                </a:solidFill>
+              </a:rPr>
+              <a:t> instead of the bottleneck residual block (B(1,3,1)) in ResNet50. The authors stated that the bottleneck design was not needed due to it being used in deep networks to reduce parameters from being computationally expensive as the network goes deeper.</a:t>
+            </a:r>
+            <a:endParaRPr sz="1200">
+              <a:solidFill>
+                <a:schemeClr val="dk1"/>
+              </a:solidFill>
+            </a:endParaRPr>
+          </a:p>
+          <a:p>
+            <a:pPr indent="0" lvl="0" marL="457200" rtl="0" algn="l">
+              <a:lnSpc>
+                <a:spcPct val="115000"/>
+              </a:lnSpc>
+              <a:spcBef>
+                <a:spcPts val="0"/>
+              </a:spcBef>
+              <a:spcAft>
+                <a:spcPts val="0"/>
+              </a:spcAft>
+              <a:buNone/>
+            </a:pPr>
+            <a:r>
+              <a:t/>
+            </a:r>
+            <a:endParaRPr sz="1200">
+              <a:solidFill>
+                <a:schemeClr val="dk1"/>
+              </a:solidFill>
+            </a:endParaRPr>
+          </a:p>
+          <a:p>
+            <a:pPr indent="-304800" lvl="0" marL="457200" rtl="0" algn="l">
+              <a:lnSpc>
+                <a:spcPct val="115000"/>
+              </a:lnSpc>
+              <a:spcBef>
+                <a:spcPts val="0"/>
+              </a:spcBef>
+              <a:spcAft>
+                <a:spcPts val="0"/>
+              </a:spcAft>
+              <a:buClr>
+                <a:schemeClr val="dk1"/>
+              </a:buClr>
+              <a:buSzPts val="1200"/>
+              <a:buAutoNum type="arabicPeriod"/>
+            </a:pPr>
+            <a:r>
+              <a:rPr lang="en" sz="1200">
+                <a:solidFill>
+                  <a:schemeClr val="dk1"/>
+                </a:solidFill>
+              </a:rPr>
+              <a:t>Denote “</a:t>
+            </a:r>
+            <a:r>
+              <a:rPr b="1" lang="en" sz="1200">
+                <a:solidFill>
+                  <a:srgbClr val="4A86E8"/>
+                </a:solidFill>
+              </a:rPr>
+              <a:t>l” as the number of convolutional layers per group and “k” as the width factor</a:t>
+            </a:r>
+            <a:r>
+              <a:rPr lang="en" sz="1200">
+                <a:solidFill>
+                  <a:schemeClr val="dk1"/>
+                </a:solidFill>
+              </a:rPr>
+              <a:t> to multiply the number of filters.</a:t>
+            </a:r>
+            <a:br>
+              <a:rPr lang="en" sz="1200">
+                <a:solidFill>
+                  <a:schemeClr val="dk1"/>
+                </a:solidFill>
+              </a:rPr>
+            </a:br>
+            <a:endParaRPr sz="1200">
+              <a:solidFill>
+                <a:schemeClr val="dk1"/>
+              </a:solidFill>
+            </a:endParaRPr>
+          </a:p>
+          <a:p>
+            <a:pPr indent="-304800" lvl="0" marL="457200" rtl="0" algn="l">
+              <a:lnSpc>
+                <a:spcPct val="115000"/>
+              </a:lnSpc>
+              <a:spcBef>
+                <a:spcPts val="0"/>
+              </a:spcBef>
+              <a:spcAft>
+                <a:spcPts val="0"/>
+              </a:spcAft>
+              <a:buClr>
+                <a:schemeClr val="dk1"/>
+              </a:buClr>
+              <a:buSzPts val="1200"/>
+              <a:buAutoNum type="arabicPeriod"/>
+            </a:pPr>
+            <a:r>
+              <a:rPr b="1" lang="en" sz="1200">
+                <a:solidFill>
+                  <a:srgbClr val="4A86E8"/>
+                </a:solidFill>
+              </a:rPr>
+              <a:t>Moved using Dropout from the top layers (convention) to in-between each convolutional layer in the residual blocks</a:t>
+            </a:r>
+            <a:r>
+              <a:rPr lang="en" sz="1200">
+                <a:solidFill>
+                  <a:schemeClr val="dk1"/>
+                </a:solidFill>
+              </a:rPr>
+              <a:t> and after the ReLU. The later the authors stated was to perturb the batch normalization.</a:t>
+            </a:r>
+            <a:endParaRPr sz="1200">
               <a:solidFill>
                 <a:schemeClr val="dk1"/>
               </a:solidFill>
@@ -27378,52 +27171,10 @@
               <a:spcAft>
                 <a:spcPts val="0"/>
               </a:spcAft>
-              <a:buClr>
-                <a:schemeClr val="dk1"/>
-              </a:buClr>
-              <a:buSzPts val="1100"/>
-              <a:buFont typeface="Arial"/>
-              <a:buNone/>
-            </a:pPr>
-            <a:r>
-              <a:rPr lang="en" sz="1100">
-                <a:solidFill>
-                  <a:schemeClr val="dk1"/>
-                </a:solidFill>
-              </a:rPr>
-              <a:t>The authors’ </a:t>
-            </a:r>
-            <a:r>
-              <a:rPr lang="en" sz="1100" u="sng">
-                <a:solidFill>
-                  <a:schemeClr val="dk1"/>
-                </a:solidFill>
-              </a:rPr>
-              <a:t>theory was that as one goes deeper in layers, feature reuse is diminished and it takes longer to train</a:t>
-            </a:r>
-            <a:r>
-              <a:rPr lang="en" sz="1100">
-                <a:solidFill>
-                  <a:schemeClr val="dk1"/>
-                </a:solidFill>
-              </a:rPr>
-              <a:t>. They did a study using residual networks and </a:t>
-            </a:r>
-            <a:r>
-              <a:rPr b="1" lang="en" sz="1100">
-                <a:solidFill>
-                  <a:srgbClr val="4A86E8"/>
-                </a:solidFill>
-              </a:rPr>
-              <a:t>added a parameter for a multiplier on the number of filters (width) per residual block and decreasing the depth</a:t>
-            </a:r>
-            <a:r>
-              <a:rPr lang="en" sz="1100">
-                <a:solidFill>
-                  <a:schemeClr val="dk1"/>
-                </a:solidFill>
-              </a:rPr>
-              <a:t>. They reported in their ablation study that a WRN with just 16 layers could outperform other state-of-the-art (WRN) architectures.</a:t>
+              <a:buNone/>
+            </a:pPr>
+            <a:r>
+              <a:t/>
             </a:r>
             <a:endParaRPr sz="1100">
               <a:solidFill>
@@ -27455,33 +27206,6 @@
           </a:p>
         </p:txBody>
       </p:sp>
-      <p:pic>
-        <p:nvPicPr>
-          <p:cNvPr id="406" name="Google Shape;406;p42"/>
-          <p:cNvPicPr preferRelativeResize="0"/>
-          <p:nvPr/>
-        </p:nvPicPr>
-        <p:blipFill rotWithShape="1">
-          <a:blip r:embed="rId3">
-            <a:alphaModFix/>
-          </a:blip>
-          <a:srcRect b="0" l="-2860" r="2859" t="0"/>
-          <a:stretch/>
-        </p:blipFill>
-        <p:spPr>
-          <a:xfrm>
-            <a:off x="1974275" y="2400075"/>
-            <a:ext cx="4863350" cy="2743425"/>
-          </a:xfrm>
-          <a:prstGeom prst="rect">
-            <a:avLst/>
-          </a:prstGeom>
-          <a:noFill/>
-          <a:ln>
-            <a:noFill/>
-          </a:ln>
-        </p:spPr>
-      </p:pic>
     </p:spTree>
   </p:cSld>
   <p:clrMapOvr>
@@ -27495,7 +27219,7 @@
   <p:cSld>
     <p:spTree>
       <p:nvGrpSpPr>
-        <p:cNvPr id="410" name="Shape 410"/>
+        <p:cNvPr id="403" name="Shape 403"/>
         <p:cNvGrpSpPr/>
         <p:nvPr/>
       </p:nvGrpSpPr>
@@ -27509,7 +27233,7 @@
       </p:grpSpPr>
       <p:sp>
         <p:nvSpPr>
-          <p:cNvPr id="411" name="Google Shape;411;p43"/>
+          <p:cNvPr id="404" name="Google Shape;404;p43"/>
           <p:cNvSpPr txBox="1"/>
           <p:nvPr>
             <p:ph type="title"/>
@@ -27558,435 +27282,9 @@
           </a:p>
         </p:txBody>
       </p:sp>
-      <p:sp>
-        <p:nvSpPr>
-          <p:cNvPr id="412" name="Google Shape;412;p43"/>
-          <p:cNvSpPr txBox="1"/>
-          <p:nvPr/>
-        </p:nvSpPr>
-        <p:spPr>
-          <a:xfrm>
-            <a:off x="288850" y="1122000"/>
-            <a:ext cx="8493000" cy="2638500"/>
-          </a:xfrm>
-          <a:prstGeom prst="rect">
-            <a:avLst/>
-          </a:prstGeom>
-          <a:noFill/>
-          <a:ln>
-            <a:noFill/>
-          </a:ln>
-        </p:spPr>
-        <p:txBody>
-          <a:bodyPr anchorCtr="0" anchor="t" bIns="91425" lIns="91425" spcFirstLastPara="1" rIns="91425" wrap="square" tIns="91425">
-            <a:noAutofit/>
-          </a:bodyPr>
-          <a:lstStyle/>
-          <a:p>
-            <a:pPr indent="0" lvl="0" marL="0" rtl="0" algn="l">
-              <a:lnSpc>
-                <a:spcPct val="115000"/>
-              </a:lnSpc>
-              <a:spcBef>
-                <a:spcPts val="0"/>
-              </a:spcBef>
-              <a:spcAft>
-                <a:spcPts val="0"/>
-              </a:spcAft>
-              <a:buNone/>
-            </a:pPr>
-            <a:r>
-              <a:rPr lang="en" sz="1200">
-                <a:solidFill>
-                  <a:schemeClr val="dk1"/>
-                </a:solidFill>
-              </a:rPr>
-              <a:t>Their model used the following design considerations:</a:t>
-            </a:r>
-            <a:endParaRPr sz="1200">
-              <a:solidFill>
-                <a:schemeClr val="dk1"/>
-              </a:solidFill>
-            </a:endParaRPr>
-          </a:p>
-          <a:p>
-            <a:pPr indent="0" lvl="0" marL="0" rtl="0" algn="l">
-              <a:lnSpc>
-                <a:spcPct val="115000"/>
-              </a:lnSpc>
-              <a:spcBef>
-                <a:spcPts val="0"/>
-              </a:spcBef>
-              <a:spcAft>
-                <a:spcPts val="0"/>
-              </a:spcAft>
-              <a:buNone/>
-            </a:pPr>
-            <a:r>
-              <a:t/>
-            </a:r>
-            <a:endParaRPr sz="1200">
-              <a:solidFill>
-                <a:schemeClr val="dk1"/>
-              </a:solidFill>
-            </a:endParaRPr>
-          </a:p>
-          <a:p>
-            <a:pPr indent="-304800" lvl="0" marL="457200" rtl="0" algn="l">
-              <a:lnSpc>
-                <a:spcPct val="115000"/>
-              </a:lnSpc>
-              <a:spcBef>
-                <a:spcPts val="0"/>
-              </a:spcBef>
-              <a:spcAft>
-                <a:spcPts val="0"/>
-              </a:spcAft>
-              <a:buClr>
-                <a:schemeClr val="dk1"/>
-              </a:buClr>
-              <a:buSzPts val="1200"/>
-              <a:buAutoNum type="arabicPeriod"/>
-            </a:pPr>
-            <a:r>
-              <a:rPr lang="en" sz="1200">
-                <a:solidFill>
-                  <a:schemeClr val="dk1"/>
-                </a:solidFill>
-              </a:rPr>
-              <a:t>Pre-activation batch normalization (</a:t>
-            </a:r>
-            <a:r>
-              <a:rPr b="1" lang="en" sz="1200">
-                <a:solidFill>
-                  <a:srgbClr val="4A86E8"/>
-                </a:solidFill>
-              </a:rPr>
-              <a:t>BN-RE-Conv</a:t>
-            </a:r>
-            <a:r>
-              <a:rPr lang="en" sz="1200">
-                <a:solidFill>
-                  <a:schemeClr val="dk1"/>
-                </a:solidFill>
-              </a:rPr>
-              <a:t>) for faster training, as in the ResNet V2.</a:t>
-            </a:r>
-            <a:endParaRPr sz="1200">
-              <a:solidFill>
-                <a:schemeClr val="dk1"/>
-              </a:solidFill>
-            </a:endParaRPr>
-          </a:p>
-          <a:p>
-            <a:pPr indent="0" lvl="0" marL="457200" rtl="0" algn="l">
-              <a:lnSpc>
-                <a:spcPct val="115000"/>
-              </a:lnSpc>
-              <a:spcBef>
-                <a:spcPts val="0"/>
-              </a:spcBef>
-              <a:spcAft>
-                <a:spcPts val="0"/>
-              </a:spcAft>
-              <a:buNone/>
-            </a:pPr>
-            <a:r>
-              <a:t/>
-            </a:r>
-            <a:endParaRPr sz="1200">
-              <a:solidFill>
-                <a:schemeClr val="dk1"/>
-              </a:solidFill>
-            </a:endParaRPr>
-          </a:p>
-          <a:p>
-            <a:pPr indent="-304800" lvl="0" marL="457200" rtl="0" algn="l">
-              <a:lnSpc>
-                <a:spcPct val="115000"/>
-              </a:lnSpc>
-              <a:spcBef>
-                <a:spcPts val="0"/>
-              </a:spcBef>
-              <a:spcAft>
-                <a:spcPts val="0"/>
-              </a:spcAft>
-              <a:buClr>
-                <a:schemeClr val="dk1"/>
-              </a:buClr>
-              <a:buSzPts val="1200"/>
-              <a:buAutoNum type="arabicPeriod"/>
-            </a:pPr>
-            <a:r>
-              <a:rPr lang="en" sz="1200">
-                <a:solidFill>
-                  <a:schemeClr val="dk1"/>
-                </a:solidFill>
-              </a:rPr>
-              <a:t>Use t</a:t>
-            </a:r>
-            <a:r>
-              <a:rPr b="1" lang="en" sz="1200">
-                <a:solidFill>
-                  <a:srgbClr val="4A86E8"/>
-                </a:solidFill>
-              </a:rPr>
-              <a:t>wo 3x3 convolutionals (B(3, 3)) as in ResNet34</a:t>
-            </a:r>
-            <a:r>
-              <a:rPr lang="en" sz="1200">
-                <a:solidFill>
-                  <a:schemeClr val="dk1"/>
-                </a:solidFill>
-              </a:rPr>
-              <a:t> instead of the bottleneck residual block (B(1,3,1)) in ResNet50. The authors stated that the bottleneck design was not needed due to it was used to think deep networks to reduce parameters from being computationally expensive as the network goes deeper.</a:t>
-            </a:r>
-            <a:endParaRPr sz="1200">
-              <a:solidFill>
-                <a:schemeClr val="dk1"/>
-              </a:solidFill>
-            </a:endParaRPr>
-          </a:p>
-          <a:p>
-            <a:pPr indent="0" lvl="0" marL="457200" rtl="0" algn="l">
-              <a:lnSpc>
-                <a:spcPct val="115000"/>
-              </a:lnSpc>
-              <a:spcBef>
-                <a:spcPts val="0"/>
-              </a:spcBef>
-              <a:spcAft>
-                <a:spcPts val="0"/>
-              </a:spcAft>
-              <a:buNone/>
-            </a:pPr>
-            <a:r>
-              <a:t/>
-            </a:r>
-            <a:endParaRPr sz="1200">
-              <a:solidFill>
-                <a:schemeClr val="dk1"/>
-              </a:solidFill>
-            </a:endParaRPr>
-          </a:p>
-          <a:p>
-            <a:pPr indent="-304800" lvl="0" marL="457200" rtl="0" algn="l">
-              <a:lnSpc>
-                <a:spcPct val="115000"/>
-              </a:lnSpc>
-              <a:spcBef>
-                <a:spcPts val="0"/>
-              </a:spcBef>
-              <a:spcAft>
-                <a:spcPts val="0"/>
-              </a:spcAft>
-              <a:buClr>
-                <a:schemeClr val="dk1"/>
-              </a:buClr>
-              <a:buSzPts val="1200"/>
-              <a:buAutoNum type="arabicPeriod"/>
-            </a:pPr>
-            <a:r>
-              <a:rPr lang="en" sz="1200">
-                <a:solidFill>
-                  <a:schemeClr val="dk1"/>
-                </a:solidFill>
-              </a:rPr>
-              <a:t>Denote “</a:t>
-            </a:r>
-            <a:r>
-              <a:rPr b="1" lang="en" sz="1200">
-                <a:solidFill>
-                  <a:srgbClr val="4A86E8"/>
-                </a:solidFill>
-              </a:rPr>
-              <a:t>l” as the number of convolutional layers per group and “k” as the width factor</a:t>
-            </a:r>
-            <a:r>
-              <a:rPr lang="en" sz="1200">
-                <a:solidFill>
-                  <a:schemeClr val="dk1"/>
-                </a:solidFill>
-              </a:rPr>
-              <a:t> to multiply the number of filters.</a:t>
-            </a:r>
-            <a:br>
-              <a:rPr lang="en" sz="1200">
-                <a:solidFill>
-                  <a:schemeClr val="dk1"/>
-                </a:solidFill>
-              </a:rPr>
-            </a:br>
-            <a:endParaRPr sz="1200">
-              <a:solidFill>
-                <a:schemeClr val="dk1"/>
-              </a:solidFill>
-            </a:endParaRPr>
-          </a:p>
-          <a:p>
-            <a:pPr indent="-304800" lvl="0" marL="457200" rtl="0" algn="l">
-              <a:lnSpc>
-                <a:spcPct val="115000"/>
-              </a:lnSpc>
-              <a:spcBef>
-                <a:spcPts val="0"/>
-              </a:spcBef>
-              <a:spcAft>
-                <a:spcPts val="0"/>
-              </a:spcAft>
-              <a:buClr>
-                <a:schemeClr val="dk1"/>
-              </a:buClr>
-              <a:buSzPts val="1200"/>
-              <a:buAutoNum type="arabicPeriod"/>
-            </a:pPr>
-            <a:r>
-              <a:rPr b="1" lang="en" sz="1200">
-                <a:solidFill>
-                  <a:srgbClr val="4A86E8"/>
-                </a:solidFill>
-              </a:rPr>
-              <a:t>Moved using Dropout from the top layers (convention) to in-between each convolutional layer in the residual blocks</a:t>
-            </a:r>
-            <a:r>
-              <a:rPr lang="en" sz="1200">
-                <a:solidFill>
-                  <a:schemeClr val="dk1"/>
-                </a:solidFill>
-              </a:rPr>
-              <a:t> and after the ReLU. The later the authors stated was to perturb the batch normalization.</a:t>
-            </a:r>
-            <a:endParaRPr sz="1200">
-              <a:solidFill>
-                <a:schemeClr val="dk1"/>
-              </a:solidFill>
-            </a:endParaRPr>
-          </a:p>
-          <a:p>
-            <a:pPr indent="0" lvl="0" marL="0" rtl="0" algn="l">
-              <a:lnSpc>
-                <a:spcPct val="115000"/>
-              </a:lnSpc>
-              <a:spcBef>
-                <a:spcPts val="0"/>
-              </a:spcBef>
-              <a:spcAft>
-                <a:spcPts val="0"/>
-              </a:spcAft>
-              <a:buNone/>
-            </a:pPr>
-            <a:r>
-              <a:t/>
-            </a:r>
-            <a:endParaRPr sz="1100">
-              <a:solidFill>
-                <a:schemeClr val="dk1"/>
-              </a:solidFill>
-            </a:endParaRPr>
-          </a:p>
-          <a:p>
-            <a:pPr indent="0" lvl="0" marL="0" rtl="0" algn="l">
-              <a:lnSpc>
-                <a:spcPct val="115000"/>
-              </a:lnSpc>
-              <a:spcBef>
-                <a:spcPts val="0"/>
-              </a:spcBef>
-              <a:spcAft>
-                <a:spcPts val="0"/>
-              </a:spcAft>
-              <a:buNone/>
-            </a:pPr>
-            <a:r>
-              <a:t/>
-            </a:r>
-            <a:endParaRPr sz="1100">
-              <a:solidFill>
-                <a:schemeClr val="dk1"/>
-              </a:solidFill>
-            </a:endParaRPr>
-          </a:p>
-        </p:txBody>
-      </p:sp>
-    </p:spTree>
-  </p:cSld>
-  <p:clrMapOvr>
-    <a:masterClrMapping/>
-  </p:clrMapOvr>
-</p:sld>
-</file>
-
-<file path=ppt/slides/slide32.xml><?xml version="1.0" encoding="utf-8"?>
-<p:sld xmlns:a="http://schemas.openxmlformats.org/drawingml/2006/main" xmlns:r="http://schemas.openxmlformats.org/officeDocument/2006/relationships" xmlns:mc="http://schemas.openxmlformats.org/markup-compatibility/2006" xmlns:mv="urn:schemas-microsoft-com:mac:vml" xmlns:p="http://schemas.openxmlformats.org/presentationml/2006/main" xmlns:c="http://schemas.openxmlformats.org/drawingml/2006/chart" xmlns:dgm="http://schemas.openxmlformats.org/drawingml/2006/diagram" xmlns:o="urn:schemas-microsoft-com:office:office" xmlns:v="urn:schemas-microsoft-com:vml" xmlns:pvml="urn:schemas-microsoft-com:office:powerpoint" xmlns:com="http://schemas.openxmlformats.org/drawingml/2006/compatibility" xmlns:p14="http://schemas.microsoft.com/office/powerpoint/2010/main" xmlns:p15="http://schemas.microsoft.com/office/powerpoint/2012/main">
-  <p:cSld>
-    <p:spTree>
-      <p:nvGrpSpPr>
-        <p:cNvPr id="416" name="Shape 416"/>
-        <p:cNvGrpSpPr/>
-        <p:nvPr/>
-      </p:nvGrpSpPr>
-      <p:grpSpPr>
-        <a:xfrm>
-          <a:off x="0" y="0"/>
-          <a:ext cx="0" cy="0"/>
-          <a:chOff x="0" y="0"/>
-          <a:chExt cx="0" cy="0"/>
-        </a:xfrm>
-      </p:grpSpPr>
-      <p:sp>
-        <p:nvSpPr>
-          <p:cNvPr id="417" name="Google Shape;417;p44"/>
-          <p:cNvSpPr txBox="1"/>
-          <p:nvPr>
-            <p:ph type="title"/>
-          </p:nvPr>
-        </p:nvSpPr>
-        <p:spPr>
-          <a:xfrm>
-            <a:off x="311700" y="445025"/>
-            <a:ext cx="8520600" cy="572700"/>
-          </a:xfrm>
-          <a:prstGeom prst="rect">
-            <a:avLst/>
-          </a:prstGeom>
-          <a:solidFill>
-            <a:srgbClr val="D9D9D9"/>
-          </a:solidFill>
-        </p:spPr>
-        <p:txBody>
-          <a:bodyPr anchorCtr="0" anchor="t" bIns="91425" lIns="91425" spcFirstLastPara="1" rIns="91425" wrap="square" tIns="91425">
-            <a:noAutofit/>
-          </a:bodyPr>
-          <a:lstStyle/>
-          <a:p>
-            <a:pPr indent="0" lvl="0" marL="0" rtl="0" algn="ctr">
-              <a:spcBef>
-                <a:spcPts val="0"/>
-              </a:spcBef>
-              <a:spcAft>
-                <a:spcPts val="0"/>
-              </a:spcAft>
-              <a:buNone/>
-            </a:pPr>
-            <a:r>
-              <a:rPr lang="en">
-                <a:solidFill>
-                  <a:srgbClr val="A61C00"/>
-                </a:solidFill>
-              </a:rPr>
-              <a:t>Wide Residual Network (WRN)</a:t>
-            </a:r>
-            <a:endParaRPr>
-              <a:solidFill>
-                <a:srgbClr val="A61C00"/>
-              </a:solidFill>
-            </a:endParaRPr>
-          </a:p>
-        </p:txBody>
-      </p:sp>
       <p:pic>
         <p:nvPicPr>
-          <p:cNvPr id="418" name="Google Shape;418;p44"/>
+          <p:cNvPr id="405" name="Google Shape;405;p43"/>
           <p:cNvPicPr preferRelativeResize="0"/>
           <p:nvPr/>
         </p:nvPicPr>
@@ -28014,7 +27312,7 @@
       </p:pic>
       <p:graphicFrame>
         <p:nvGraphicFramePr>
-          <p:cNvPr id="419" name="Google Shape;419;p44"/>
+          <p:cNvPr id="406" name="Google Shape;406;p43"/>
           <p:cNvGraphicFramePr/>
           <p:nvPr/>
         </p:nvGraphicFramePr>
@@ -28027,7 +27325,7 @@
             <a:tbl>
               <a:tblPr>
                 <a:noFill/>
-                <a:tableStyleId>{264BC707-175E-4C08-A337-32AED62F180F}</a:tableStyleId>
+                <a:tableStyleId>{6026C9F1-80EC-4B16-9386-2AD92B9CDD83}</a:tableStyleId>
               </a:tblPr>
               <a:tblGrid>
                 <a:gridCol w="3804650"/>
@@ -28168,6 +27466,228 @@
                         <a:t># First 3x3 convolutional layer</a:t>
                       </a:r>
                       <a:endParaRPr sz="900">
+                        <a:solidFill>
+                          <a:srgbClr val="455A64"/>
+                        </a:solidFill>
+                        <a:latin typeface="Consolas"/>
+                        <a:ea typeface="Consolas"/>
+                        <a:cs typeface="Consolas"/>
+                        <a:sym typeface="Consolas"/>
+                      </a:endParaRPr>
+                    </a:p>
+                    <a:p>
+                      <a:pPr indent="0" lvl="0" marL="0" rtl="0" algn="l">
+                        <a:lnSpc>
+                          <a:spcPct val="115000"/>
+                        </a:lnSpc>
+                        <a:spcBef>
+                          <a:spcPts val="0"/>
+                        </a:spcBef>
+                        <a:spcAft>
+                          <a:spcPts val="0"/>
+                        </a:spcAft>
+                        <a:buNone/>
+                      </a:pPr>
+                      <a:r>
+                        <a:rPr lang="en" sz="900">
+                          <a:solidFill>
+                            <a:schemeClr val="dk1"/>
+                          </a:solidFill>
+                          <a:latin typeface="Consolas"/>
+                          <a:ea typeface="Consolas"/>
+                          <a:cs typeface="Consolas"/>
+                          <a:sym typeface="Consolas"/>
+                        </a:rPr>
+                        <a:t>x </a:t>
+                      </a:r>
+                      <a:r>
+                        <a:rPr lang="en" sz="900">
+                          <a:solidFill>
+                            <a:srgbClr val="616161"/>
+                          </a:solidFill>
+                          <a:latin typeface="Consolas"/>
+                          <a:ea typeface="Consolas"/>
+                          <a:cs typeface="Consolas"/>
+                          <a:sym typeface="Consolas"/>
+                        </a:rPr>
+                        <a:t>=</a:t>
+                      </a:r>
+                      <a:r>
+                        <a:rPr lang="en" sz="900">
+                          <a:solidFill>
+                            <a:schemeClr val="dk1"/>
+                          </a:solidFill>
+                          <a:latin typeface="Consolas"/>
+                          <a:ea typeface="Consolas"/>
+                          <a:cs typeface="Consolas"/>
+                          <a:sym typeface="Consolas"/>
+                        </a:rPr>
+                        <a:t> </a:t>
+                      </a:r>
+                      <a:r>
+                        <a:rPr lang="en" sz="900">
+                          <a:solidFill>
+                            <a:srgbClr val="3367D6"/>
+                          </a:solidFill>
+                          <a:latin typeface="Consolas"/>
+                          <a:ea typeface="Consolas"/>
+                          <a:cs typeface="Consolas"/>
+                          <a:sym typeface="Consolas"/>
+                        </a:rPr>
+                        <a:t>BatchNormalization</a:t>
+                      </a:r>
+                      <a:r>
+                        <a:rPr lang="en" sz="900">
+                          <a:solidFill>
+                            <a:srgbClr val="616161"/>
+                          </a:solidFill>
+                          <a:latin typeface="Consolas"/>
+                          <a:ea typeface="Consolas"/>
+                          <a:cs typeface="Consolas"/>
+                          <a:sym typeface="Consolas"/>
+                        </a:rPr>
+                        <a:t>()(</a:t>
+                      </a:r>
+                      <a:r>
+                        <a:rPr lang="en" sz="900">
+                          <a:solidFill>
+                            <a:schemeClr val="dk1"/>
+                          </a:solidFill>
+                          <a:latin typeface="Consolas"/>
+                          <a:ea typeface="Consolas"/>
+                          <a:cs typeface="Consolas"/>
+                          <a:sym typeface="Consolas"/>
+                        </a:rPr>
+                        <a:t>x</a:t>
+                      </a:r>
+                      <a:r>
+                        <a:rPr lang="en" sz="900">
+                          <a:solidFill>
+                            <a:srgbClr val="616161"/>
+                          </a:solidFill>
+                          <a:latin typeface="Consolas"/>
+                          <a:ea typeface="Consolas"/>
+                          <a:cs typeface="Consolas"/>
+                          <a:sym typeface="Consolas"/>
+                        </a:rPr>
+                        <a:t>)</a:t>
+                      </a:r>
+                      <a:endParaRPr sz="900">
+                        <a:solidFill>
+                          <a:schemeClr val="dk1"/>
+                        </a:solidFill>
+                        <a:latin typeface="Consolas"/>
+                        <a:ea typeface="Consolas"/>
+                        <a:cs typeface="Consolas"/>
+                        <a:sym typeface="Consolas"/>
+                      </a:endParaRPr>
+                    </a:p>
+                    <a:p>
+                      <a:pPr indent="0" lvl="0" marL="0" rtl="0" algn="l">
+                        <a:lnSpc>
+                          <a:spcPct val="115000"/>
+                        </a:lnSpc>
+                        <a:spcBef>
+                          <a:spcPts val="0"/>
+                        </a:spcBef>
+                        <a:spcAft>
+                          <a:spcPts val="0"/>
+                        </a:spcAft>
+                        <a:buClr>
+                          <a:schemeClr val="dk1"/>
+                        </a:buClr>
+                        <a:buSzPts val="1100"/>
+                        <a:buFont typeface="Arial"/>
+                        <a:buNone/>
+                      </a:pPr>
+                      <a:r>
+                        <a:rPr lang="en" sz="900">
+                          <a:solidFill>
+                            <a:schemeClr val="dk1"/>
+                          </a:solidFill>
+                          <a:latin typeface="Consolas"/>
+                          <a:ea typeface="Consolas"/>
+                          <a:cs typeface="Consolas"/>
+                          <a:sym typeface="Consolas"/>
+                        </a:rPr>
+                        <a:t>x </a:t>
+                      </a:r>
+                      <a:r>
+                        <a:rPr lang="en" sz="900">
+                          <a:solidFill>
+                            <a:srgbClr val="616161"/>
+                          </a:solidFill>
+                          <a:latin typeface="Consolas"/>
+                          <a:ea typeface="Consolas"/>
+                          <a:cs typeface="Consolas"/>
+                          <a:sym typeface="Consolas"/>
+                        </a:rPr>
+                        <a:t>=</a:t>
+                      </a:r>
+                      <a:r>
+                        <a:rPr lang="en" sz="900">
+                          <a:solidFill>
+                            <a:schemeClr val="dk1"/>
+                          </a:solidFill>
+                          <a:latin typeface="Consolas"/>
+                          <a:ea typeface="Consolas"/>
+                          <a:cs typeface="Consolas"/>
+                          <a:sym typeface="Consolas"/>
+                        </a:rPr>
+                        <a:t> </a:t>
+                      </a:r>
+                      <a:r>
+                        <a:rPr lang="en" sz="900">
+                          <a:solidFill>
+                            <a:srgbClr val="3367D6"/>
+                          </a:solidFill>
+                          <a:latin typeface="Consolas"/>
+                          <a:ea typeface="Consolas"/>
+                          <a:cs typeface="Consolas"/>
+                          <a:sym typeface="Consolas"/>
+                        </a:rPr>
+                        <a:t>ReLU</a:t>
+                      </a:r>
+                      <a:r>
+                        <a:rPr lang="en" sz="900">
+                          <a:solidFill>
+                            <a:srgbClr val="616161"/>
+                          </a:solidFill>
+                          <a:latin typeface="Consolas"/>
+                          <a:ea typeface="Consolas"/>
+                          <a:cs typeface="Consolas"/>
+                          <a:sym typeface="Consolas"/>
+                        </a:rPr>
+                        <a:t>()(</a:t>
+                      </a:r>
+                      <a:r>
+                        <a:rPr lang="en" sz="900">
+                          <a:solidFill>
+                            <a:schemeClr val="dk1"/>
+                          </a:solidFill>
+                          <a:latin typeface="Consolas"/>
+                          <a:ea typeface="Consolas"/>
+                          <a:cs typeface="Consolas"/>
+                          <a:sym typeface="Consolas"/>
+                        </a:rPr>
+                        <a:t>x</a:t>
+                      </a:r>
+                      <a:r>
+                        <a:rPr lang="en" sz="900">
+                          <a:solidFill>
+                            <a:srgbClr val="616161"/>
+                          </a:solidFill>
+                          <a:latin typeface="Consolas"/>
+                          <a:ea typeface="Consolas"/>
+                          <a:cs typeface="Consolas"/>
+                          <a:sym typeface="Consolas"/>
+                        </a:rPr>
+                        <a:t>)</a:t>
+                      </a:r>
+                      <a:endParaRPr sz="900">
+                        <a:solidFill>
+                          <a:srgbClr val="455A64"/>
+                        </a:solidFill>
                         <a:latin typeface="Consolas"/>
                         <a:ea typeface="Consolas"/>
                         <a:cs typeface="Consolas"/>
@@ -28522,79 +28042,7 @@
                         <a:buNone/>
                       </a:pPr>
                       <a:r>
-                        <a:rPr lang="en" sz="900">
-                          <a:latin typeface="Consolas"/>
-                          <a:ea typeface="Consolas"/>
-                          <a:cs typeface="Consolas"/>
-                          <a:sym typeface="Consolas"/>
-                        </a:rPr>
-                        <a:t>x </a:t>
-                      </a:r>
-                      <a:r>
-                        <a:rPr lang="en" sz="900">
-                          <a:solidFill>
-                            <a:srgbClr val="616161"/>
-                          </a:solidFill>
-                          <a:latin typeface="Consolas"/>
-                          <a:ea typeface="Consolas"/>
-                          <a:cs typeface="Consolas"/>
-                          <a:sym typeface="Consolas"/>
-                        </a:rPr>
-                        <a:t>=</a:t>
-                      </a:r>
-                      <a:r>
-                        <a:rPr lang="en" sz="900">
-                          <a:latin typeface="Consolas"/>
-                          <a:ea typeface="Consolas"/>
-                          <a:cs typeface="Consolas"/>
-                          <a:sym typeface="Consolas"/>
-                        </a:rPr>
-                        <a:t> </a:t>
-                      </a:r>
-                      <a:r>
-                        <a:rPr lang="en" sz="900">
-                          <a:solidFill>
-                            <a:srgbClr val="3367D6"/>
-                          </a:solidFill>
-                          <a:latin typeface="Consolas"/>
-                          <a:ea typeface="Consolas"/>
-                          <a:cs typeface="Consolas"/>
-                          <a:sym typeface="Consolas"/>
-                        </a:rPr>
-                        <a:t>BatchNormalization</a:t>
-                      </a:r>
-                      <a:r>
-                        <a:rPr lang="en" sz="900">
-                          <a:solidFill>
-                            <a:srgbClr val="616161"/>
-                          </a:solidFill>
-                          <a:latin typeface="Consolas"/>
-                          <a:ea typeface="Consolas"/>
-                          <a:cs typeface="Consolas"/>
-                          <a:sym typeface="Consolas"/>
-                        </a:rPr>
-                        <a:t>()(</a:t>
-                      </a:r>
-                      <a:r>
-                        <a:rPr lang="en" sz="900">
-                          <a:latin typeface="Consolas"/>
-                          <a:ea typeface="Consolas"/>
-                          <a:cs typeface="Consolas"/>
-                          <a:sym typeface="Consolas"/>
-                        </a:rPr>
-                        <a:t>x</a:t>
-                      </a:r>
-                      <a:r>
-                        <a:rPr lang="en" sz="900">
-                          <a:solidFill>
-                            <a:srgbClr val="616161"/>
-                          </a:solidFill>
-                          <a:latin typeface="Consolas"/>
-                          <a:ea typeface="Consolas"/>
-                          <a:cs typeface="Consolas"/>
-                          <a:sym typeface="Consolas"/>
-                        </a:rPr>
-                        <a:t>)</a:t>
+                        <a:t/>
                       </a:r>
                       <a:endParaRPr sz="900">
                         <a:latin typeface="Consolas"/>
@@ -28617,79 +28065,7 @@
                         <a:buNone/>
                       </a:pPr>
                       <a:r>
-                        <a:rPr lang="en" sz="900">
-                          <a:latin typeface="Consolas"/>
-                          <a:ea typeface="Consolas"/>
-                          <a:cs typeface="Consolas"/>
-                          <a:sym typeface="Consolas"/>
-                        </a:rPr>
-                        <a:t>x </a:t>
-                      </a:r>
-                      <a:r>
-                        <a:rPr lang="en" sz="900">
-                          <a:solidFill>
-                            <a:srgbClr val="616161"/>
-                          </a:solidFill>
-                          <a:latin typeface="Consolas"/>
-                          <a:ea typeface="Consolas"/>
-                          <a:cs typeface="Consolas"/>
-                          <a:sym typeface="Consolas"/>
-                        </a:rPr>
-                        <a:t>=</a:t>
-                      </a:r>
-                      <a:r>
-                        <a:rPr lang="en" sz="900">
-                          <a:latin typeface="Consolas"/>
-                          <a:ea typeface="Consolas"/>
-                          <a:cs typeface="Consolas"/>
-                          <a:sym typeface="Consolas"/>
-                        </a:rPr>
-                        <a:t> </a:t>
-                      </a:r>
-                      <a:r>
-                        <a:rPr lang="en" sz="900">
-                          <a:solidFill>
-                            <a:srgbClr val="3367D6"/>
-                          </a:solidFill>
-                          <a:latin typeface="Consolas"/>
-                          <a:ea typeface="Consolas"/>
-                          <a:cs typeface="Consolas"/>
-                          <a:sym typeface="Consolas"/>
-                        </a:rPr>
-                        <a:t>ReLU</a:t>
-                      </a:r>
-                      <a:r>
-                        <a:rPr lang="en" sz="900">
-                          <a:solidFill>
-                            <a:srgbClr val="616161"/>
-                          </a:solidFill>
-                          <a:latin typeface="Consolas"/>
-                          <a:ea typeface="Consolas"/>
-                          <a:cs typeface="Consolas"/>
-                          <a:sym typeface="Consolas"/>
-                        </a:rPr>
-                        <a:t>()(</a:t>
-                      </a:r>
-                      <a:r>
-                        <a:rPr lang="en" sz="900">
-                          <a:latin typeface="Consolas"/>
-                          <a:ea typeface="Consolas"/>
-                          <a:cs typeface="Consolas"/>
-                          <a:sym typeface="Consolas"/>
-                        </a:rPr>
-                        <a:t>x</a:t>
-                      </a:r>
-                      <a:r>
-                        <a:rPr lang="en" sz="900">
-                          <a:solidFill>
-                            <a:srgbClr val="616161"/>
-                          </a:solidFill>
-                          <a:latin typeface="Consolas"/>
-                          <a:ea typeface="Consolas"/>
-                          <a:cs typeface="Consolas"/>
-                          <a:sym typeface="Consolas"/>
-                        </a:rPr>
-                        <a:t>)</a:t>
+                        <a:t/>
                       </a:r>
                       <a:endParaRPr sz="900">
                         <a:latin typeface="Consolas"/>
@@ -28712,7 +28088,226 @@
                         <a:buNone/>
                       </a:pPr>
                       <a:r>
-                        <a:t/>
+                        <a:rPr lang="en" sz="900">
+                          <a:solidFill>
+                            <a:srgbClr val="455A64"/>
+                          </a:solidFill>
+                          <a:latin typeface="Consolas"/>
+                          <a:ea typeface="Consolas"/>
+                          <a:cs typeface="Consolas"/>
+                          <a:sym typeface="Consolas"/>
+                        </a:rPr>
+                        <a:t># Second 3x3 convolutional layer</a:t>
+                      </a:r>
+                      <a:endParaRPr sz="900">
+                        <a:solidFill>
+                          <a:srgbClr val="455A64"/>
+                        </a:solidFill>
+                        <a:latin typeface="Consolas"/>
+                        <a:ea typeface="Consolas"/>
+                        <a:cs typeface="Consolas"/>
+                        <a:sym typeface="Consolas"/>
+                      </a:endParaRPr>
+                    </a:p>
+                    <a:p>
+                      <a:pPr indent="0" lvl="0" marL="0" rtl="0" algn="l">
+                        <a:lnSpc>
+                          <a:spcPct val="115000"/>
+                        </a:lnSpc>
+                        <a:spcBef>
+                          <a:spcPts val="0"/>
+                        </a:spcBef>
+                        <a:spcAft>
+                          <a:spcPts val="0"/>
+                        </a:spcAft>
+                        <a:buClr>
+                          <a:schemeClr val="dk1"/>
+                        </a:buClr>
+                        <a:buSzPts val="1100"/>
+                        <a:buFont typeface="Arial"/>
+                        <a:buNone/>
+                      </a:pPr>
+                      <a:r>
+                        <a:rPr lang="en" sz="900">
+                          <a:solidFill>
+                            <a:schemeClr val="dk1"/>
+                          </a:solidFill>
+                          <a:latin typeface="Consolas"/>
+                          <a:ea typeface="Consolas"/>
+                          <a:cs typeface="Consolas"/>
+                          <a:sym typeface="Consolas"/>
+                        </a:rPr>
+                        <a:t>x </a:t>
+                      </a:r>
+                      <a:r>
+                        <a:rPr lang="en" sz="900">
+                          <a:solidFill>
+                            <a:srgbClr val="616161"/>
+                          </a:solidFill>
+                          <a:latin typeface="Consolas"/>
+                          <a:ea typeface="Consolas"/>
+                          <a:cs typeface="Consolas"/>
+                          <a:sym typeface="Consolas"/>
+                        </a:rPr>
+                        <a:t>=</a:t>
+                      </a:r>
+                      <a:r>
+                        <a:rPr lang="en" sz="900">
+                          <a:solidFill>
+                            <a:schemeClr val="dk1"/>
+                          </a:solidFill>
+                          <a:latin typeface="Consolas"/>
+                          <a:ea typeface="Consolas"/>
+                          <a:cs typeface="Consolas"/>
+                          <a:sym typeface="Consolas"/>
+                        </a:rPr>
+                        <a:t> </a:t>
+                      </a:r>
+                      <a:r>
+                        <a:rPr lang="en" sz="900">
+                          <a:solidFill>
+                            <a:srgbClr val="3367D6"/>
+                          </a:solidFill>
+                          <a:latin typeface="Consolas"/>
+                          <a:ea typeface="Consolas"/>
+                          <a:cs typeface="Consolas"/>
+                          <a:sym typeface="Consolas"/>
+                        </a:rPr>
+                        <a:t>BatchNormalization</a:t>
+                      </a:r>
+                      <a:r>
+                        <a:rPr lang="en" sz="900">
+                          <a:solidFill>
+                            <a:srgbClr val="616161"/>
+                          </a:solidFill>
+                          <a:latin typeface="Consolas"/>
+                          <a:ea typeface="Consolas"/>
+                          <a:cs typeface="Consolas"/>
+                          <a:sym typeface="Consolas"/>
+                        </a:rPr>
+                        <a:t>()(</a:t>
+                      </a:r>
+                      <a:r>
+                        <a:rPr lang="en" sz="900">
+                          <a:solidFill>
+                            <a:schemeClr val="dk1"/>
+                          </a:solidFill>
+                          <a:latin typeface="Consolas"/>
+                          <a:ea typeface="Consolas"/>
+                          <a:cs typeface="Consolas"/>
+                          <a:sym typeface="Consolas"/>
+                        </a:rPr>
+                        <a:t>x</a:t>
+                      </a:r>
+                      <a:r>
+                        <a:rPr lang="en" sz="900">
+                          <a:solidFill>
+                            <a:srgbClr val="616161"/>
+                          </a:solidFill>
+                          <a:latin typeface="Consolas"/>
+                          <a:ea typeface="Consolas"/>
+                          <a:cs typeface="Consolas"/>
+                          <a:sym typeface="Consolas"/>
+                        </a:rPr>
+                        <a:t>)</a:t>
+                      </a:r>
+                      <a:endParaRPr sz="900">
+                        <a:solidFill>
+                          <a:srgbClr val="455A64"/>
+                        </a:solidFill>
+                        <a:latin typeface="Consolas"/>
+                        <a:ea typeface="Consolas"/>
+                        <a:cs typeface="Consolas"/>
+                        <a:sym typeface="Consolas"/>
+                      </a:endParaRPr>
+                    </a:p>
+                    <a:p>
+                      <a:pPr indent="0" lvl="0" marL="0" rtl="0" algn="l">
+                        <a:lnSpc>
+                          <a:spcPct val="115000"/>
+                        </a:lnSpc>
+                        <a:spcBef>
+                          <a:spcPts val="0"/>
+                        </a:spcBef>
+                        <a:spcAft>
+                          <a:spcPts val="0"/>
+                        </a:spcAft>
+                        <a:buNone/>
+                      </a:pPr>
+                      <a:r>
+                        <a:rPr lang="en" sz="900">
+                          <a:latin typeface="Consolas"/>
+                          <a:ea typeface="Consolas"/>
+                          <a:cs typeface="Consolas"/>
+                          <a:sym typeface="Consolas"/>
+                        </a:rPr>
+                        <a:t>x </a:t>
+                      </a:r>
+                      <a:r>
+                        <a:rPr lang="en" sz="900">
+                          <a:solidFill>
+                            <a:srgbClr val="616161"/>
+                          </a:solidFill>
+                          <a:latin typeface="Consolas"/>
+                          <a:ea typeface="Consolas"/>
+                          <a:cs typeface="Consolas"/>
+                          <a:sym typeface="Consolas"/>
+                        </a:rPr>
+                        <a:t>=</a:t>
+                      </a:r>
+                      <a:r>
+                        <a:rPr lang="en" sz="900">
+                          <a:latin typeface="Consolas"/>
+                          <a:ea typeface="Consolas"/>
+                          <a:cs typeface="Consolas"/>
+                          <a:sym typeface="Consolas"/>
+                        </a:rPr>
+                        <a:t> </a:t>
+                      </a:r>
+                      <a:r>
+                        <a:rPr lang="en" sz="900">
+                          <a:solidFill>
+                            <a:srgbClr val="3367D6"/>
+                          </a:solidFill>
+                          <a:latin typeface="Consolas"/>
+                          <a:ea typeface="Consolas"/>
+                          <a:cs typeface="Consolas"/>
+                          <a:sym typeface="Consolas"/>
+                        </a:rPr>
+                        <a:t>ReLU</a:t>
+                      </a:r>
+                      <a:r>
+                        <a:rPr lang="en" sz="900">
+                          <a:solidFill>
+                            <a:srgbClr val="616161"/>
+                          </a:solidFill>
+                          <a:latin typeface="Consolas"/>
+                          <a:ea typeface="Consolas"/>
+                          <a:cs typeface="Consolas"/>
+                          <a:sym typeface="Consolas"/>
+                        </a:rPr>
+                        <a:t>()(</a:t>
+                      </a:r>
+                      <a:r>
+                        <a:rPr lang="en" sz="900">
+                          <a:latin typeface="Consolas"/>
+                          <a:ea typeface="Consolas"/>
+                          <a:cs typeface="Consolas"/>
+                          <a:sym typeface="Consolas"/>
+                        </a:rPr>
+                        <a:t>x</a:t>
+                      </a:r>
+                      <a:r>
+                        <a:rPr lang="en" sz="900">
+                          <a:solidFill>
+                            <a:srgbClr val="616161"/>
+                          </a:solidFill>
+                          <a:latin typeface="Consolas"/>
+                          <a:ea typeface="Consolas"/>
+                          <a:cs typeface="Consolas"/>
+                          <a:sym typeface="Consolas"/>
+                        </a:rPr>
+                        <a:t>)</a:t>
                       </a:r>
                       <a:endParaRPr sz="900">
                         <a:latin typeface="Consolas"/>
@@ -28744,7 +28339,30 @@
                           <a:cs typeface="Consolas"/>
                           <a:sym typeface="Consolas"/>
                         </a:rPr>
-                        <a:t># Second 3x3 convolutional layer</a:t>
+                        <a:t># Dropout after the ReLU to perturb the batch </a:t>
+                      </a:r>
+                      <a:br>
+                        <a:rPr lang="en" sz="900">
+                          <a:solidFill>
+                            <a:srgbClr val="455A64"/>
+                          </a:solidFill>
+                          <a:latin typeface="Consolas"/>
+                          <a:ea typeface="Consolas"/>
+                          <a:cs typeface="Consolas"/>
+                          <a:sym typeface="Consolas"/>
+                        </a:rPr>
+                      </a:br>
+                      <a:r>
+                        <a:rPr lang="en" sz="900">
+                          <a:solidFill>
+                            <a:srgbClr val="455A64"/>
+                          </a:solidFill>
+                          <a:latin typeface="Consolas"/>
+                          <a:ea typeface="Consolas"/>
+                          <a:cs typeface="Consolas"/>
+                          <a:sym typeface="Consolas"/>
+                        </a:rPr>
+                        <a:t># normalization</a:t>
                       </a:r>
                       <a:endParaRPr sz="900">
                         <a:latin typeface="Consolas"/>
@@ -28806,7 +28424,7 @@
                           <a:cs typeface="Consolas"/>
                           <a:sym typeface="Consolas"/>
                         </a:rPr>
-                        <a:t>ReLU</a:t>
+                        <a:t>Dropout</a:t>
                       </a:r>
                       <a:r>
                         <a:rPr lang="en" sz="900">
@@ -28818,7 +28436,28 @@
                           <a:cs typeface="Consolas"/>
                           <a:sym typeface="Consolas"/>
                         </a:rPr>
-                        <a:t>()(</a:t>
+                        <a:t>(</a:t>
+                      </a:r>
+                      <a:r>
+                        <a:rPr lang="en" sz="900">
+                          <a:latin typeface="Consolas"/>
+                          <a:ea typeface="Consolas"/>
+                          <a:cs typeface="Consolas"/>
+                          <a:sym typeface="Consolas"/>
+                        </a:rPr>
+                        <a:t>rate</a:t>
+                      </a:r>
+                      <a:r>
+                        <a:rPr lang="en" sz="900">
+                          <a:solidFill>
+                            <a:srgbClr val="616161"/>
+                          </a:solidFill>
+                          <a:latin typeface="Consolas"/>
+                          <a:ea typeface="Consolas"/>
+                          <a:cs typeface="Consolas"/>
+                          <a:sym typeface="Consolas"/>
+                        </a:rPr>
+                        <a:t>)(</a:t>
                       </a:r>
                       <a:r>
                         <a:rPr lang="en" sz="900">
@@ -28863,21 +28502,246 @@
                       </a:pPr>
                       <a:r>
                         <a:rPr lang="en" sz="900">
-                          <a:solidFill>
-                            <a:srgbClr val="455A64"/>
-                          </a:solidFill>
-                          <a:latin typeface="Consolas"/>
-                          <a:ea typeface="Consolas"/>
-                          <a:cs typeface="Consolas"/>
-                          <a:sym typeface="Consolas"/>
-                        </a:rPr>
-                        <a:t># Dropout after the ReLU to perturb the batch </a:t>
+                          <a:latin typeface="Consolas"/>
+                          <a:ea typeface="Consolas"/>
+                          <a:cs typeface="Consolas"/>
+                          <a:sym typeface="Consolas"/>
+                        </a:rPr>
+                        <a:t>x </a:t>
+                      </a:r>
+                      <a:r>
+                        <a:rPr lang="en" sz="900">
+                          <a:solidFill>
+                            <a:srgbClr val="616161"/>
+                          </a:solidFill>
+                          <a:latin typeface="Consolas"/>
+                          <a:ea typeface="Consolas"/>
+                          <a:cs typeface="Consolas"/>
+                          <a:sym typeface="Consolas"/>
+                        </a:rPr>
+                        <a:t>=</a:t>
+                      </a:r>
+                      <a:r>
+                        <a:rPr lang="en" sz="900">
+                          <a:latin typeface="Consolas"/>
+                          <a:ea typeface="Consolas"/>
+                          <a:cs typeface="Consolas"/>
+                          <a:sym typeface="Consolas"/>
+                        </a:rPr>
+                        <a:t> </a:t>
+                      </a:r>
+                      <a:r>
+                        <a:rPr lang="en" sz="900">
+                          <a:solidFill>
+                            <a:srgbClr val="3367D6"/>
+                          </a:solidFill>
+                          <a:latin typeface="Consolas"/>
+                          <a:ea typeface="Consolas"/>
+                          <a:cs typeface="Consolas"/>
+                          <a:sym typeface="Consolas"/>
+                        </a:rPr>
+                        <a:t>Conv2D</a:t>
+                      </a:r>
+                      <a:r>
+                        <a:rPr lang="en" sz="900">
+                          <a:solidFill>
+                            <a:srgbClr val="616161"/>
+                          </a:solidFill>
+                          <a:latin typeface="Consolas"/>
+                          <a:ea typeface="Consolas"/>
+                          <a:cs typeface="Consolas"/>
+                          <a:sym typeface="Consolas"/>
+                        </a:rPr>
+                        <a:t>(</a:t>
+                      </a:r>
+                      <a:r>
+                        <a:rPr lang="en" sz="900">
+                          <a:latin typeface="Consolas"/>
+                          <a:ea typeface="Consolas"/>
+                          <a:cs typeface="Consolas"/>
+                          <a:sym typeface="Consolas"/>
+                        </a:rPr>
+                        <a:t>filters_out</a:t>
+                      </a:r>
+                      <a:r>
+                        <a:rPr lang="en" sz="900">
+                          <a:solidFill>
+                            <a:srgbClr val="616161"/>
+                          </a:solidFill>
+                          <a:latin typeface="Consolas"/>
+                          <a:ea typeface="Consolas"/>
+                          <a:cs typeface="Consolas"/>
+                          <a:sym typeface="Consolas"/>
+                        </a:rPr>
+                        <a:t>,</a:t>
+                      </a:r>
+                      <a:r>
+                        <a:rPr lang="en" sz="900">
+                          <a:latin typeface="Consolas"/>
+                          <a:ea typeface="Consolas"/>
+                          <a:cs typeface="Consolas"/>
+                          <a:sym typeface="Consolas"/>
+                        </a:rPr>
+                        <a:t> </a:t>
+                      </a:r>
+                      <a:r>
+                        <a:rPr lang="en" sz="900">
+                          <a:solidFill>
+                            <a:srgbClr val="616161"/>
+                          </a:solidFill>
+                          <a:latin typeface="Consolas"/>
+                          <a:ea typeface="Consolas"/>
+                          <a:cs typeface="Consolas"/>
+                          <a:sym typeface="Consolas"/>
+                        </a:rPr>
+                        <a:t>(</a:t>
+                      </a:r>
+                      <a:r>
+                        <a:rPr lang="en" sz="900">
+                          <a:solidFill>
+                            <a:srgbClr val="C53929"/>
+                          </a:solidFill>
+                          <a:latin typeface="Consolas"/>
+                          <a:ea typeface="Consolas"/>
+                          <a:cs typeface="Consolas"/>
+                          <a:sym typeface="Consolas"/>
+                        </a:rPr>
+                        <a:t>3</a:t>
+                      </a:r>
+                      <a:r>
+                        <a:rPr lang="en" sz="900">
+                          <a:solidFill>
+                            <a:srgbClr val="616161"/>
+                          </a:solidFill>
+                          <a:latin typeface="Consolas"/>
+                          <a:ea typeface="Consolas"/>
+                          <a:cs typeface="Consolas"/>
+                          <a:sym typeface="Consolas"/>
+                        </a:rPr>
+                        <a:t>,</a:t>
+                      </a:r>
+                      <a:r>
+                        <a:rPr lang="en" sz="900">
+                          <a:latin typeface="Consolas"/>
+                          <a:ea typeface="Consolas"/>
+                          <a:cs typeface="Consolas"/>
+                          <a:sym typeface="Consolas"/>
+                        </a:rPr>
+                        <a:t> </a:t>
+                      </a:r>
+                      <a:r>
+                        <a:rPr lang="en" sz="900">
+                          <a:solidFill>
+                            <a:srgbClr val="C53929"/>
+                          </a:solidFill>
+                          <a:latin typeface="Consolas"/>
+                          <a:ea typeface="Consolas"/>
+                          <a:cs typeface="Consolas"/>
+                          <a:sym typeface="Consolas"/>
+                        </a:rPr>
+                        <a:t>3</a:t>
+                      </a:r>
+                      <a:r>
+                        <a:rPr lang="en" sz="900">
+                          <a:solidFill>
+                            <a:srgbClr val="616161"/>
+                          </a:solidFill>
+                          <a:latin typeface="Consolas"/>
+                          <a:ea typeface="Consolas"/>
+                          <a:cs typeface="Consolas"/>
+                          <a:sym typeface="Consolas"/>
+                        </a:rPr>
+                        <a:t>),</a:t>
+                      </a:r>
+                      <a:r>
+                        <a:rPr lang="en" sz="900">
+                          <a:latin typeface="Consolas"/>
+                          <a:ea typeface="Consolas"/>
+                          <a:cs typeface="Consolas"/>
+                          <a:sym typeface="Consolas"/>
+                        </a:rPr>
+                        <a:t> strides</a:t>
+                      </a:r>
+                      <a:r>
+                        <a:rPr lang="en" sz="900">
+                          <a:solidFill>
+                            <a:srgbClr val="616161"/>
+                          </a:solidFill>
+                          <a:latin typeface="Consolas"/>
+                          <a:ea typeface="Consolas"/>
+                          <a:cs typeface="Consolas"/>
+                          <a:sym typeface="Consolas"/>
+                        </a:rPr>
+                        <a:t>=(</a:t>
+                      </a:r>
+                      <a:r>
+                        <a:rPr lang="en" sz="900">
+                          <a:solidFill>
+                            <a:srgbClr val="C53929"/>
+                          </a:solidFill>
+                          <a:latin typeface="Consolas"/>
+                          <a:ea typeface="Consolas"/>
+                          <a:cs typeface="Consolas"/>
+                          <a:sym typeface="Consolas"/>
+                        </a:rPr>
+                        <a:t>1</a:t>
+                      </a:r>
+                      <a:r>
+                        <a:rPr lang="en" sz="900">
+                          <a:solidFill>
+                            <a:srgbClr val="616161"/>
+                          </a:solidFill>
+                          <a:latin typeface="Consolas"/>
+                          <a:ea typeface="Consolas"/>
+                          <a:cs typeface="Consolas"/>
+                          <a:sym typeface="Consolas"/>
+                        </a:rPr>
+                        <a:t>,</a:t>
+                      </a:r>
+                      <a:r>
+                        <a:rPr lang="en" sz="900">
+                          <a:latin typeface="Consolas"/>
+                          <a:ea typeface="Consolas"/>
+                          <a:cs typeface="Consolas"/>
+                          <a:sym typeface="Consolas"/>
+                        </a:rPr>
+                        <a:t> </a:t>
+                      </a:r>
+                      <a:r>
+                        <a:rPr lang="en" sz="900">
+                          <a:solidFill>
+                            <a:srgbClr val="C53929"/>
+                          </a:solidFill>
+                          <a:latin typeface="Consolas"/>
+                          <a:ea typeface="Consolas"/>
+                          <a:cs typeface="Consolas"/>
+                          <a:sym typeface="Consolas"/>
+                        </a:rPr>
+                        <a:t>1</a:t>
+                      </a:r>
+                      <a:r>
+                        <a:rPr lang="en" sz="900">
+                          <a:solidFill>
+                            <a:srgbClr val="616161"/>
+                          </a:solidFill>
+                          <a:latin typeface="Consolas"/>
+                          <a:ea typeface="Consolas"/>
+                          <a:cs typeface="Consolas"/>
+                          <a:sym typeface="Consolas"/>
+                        </a:rPr>
+                        <a:t>),</a:t>
+                      </a:r>
+                      <a:r>
+                        <a:rPr lang="en" sz="900">
+                          <a:latin typeface="Consolas"/>
+                          <a:ea typeface="Consolas"/>
+                          <a:cs typeface="Consolas"/>
+                          <a:sym typeface="Consolas"/>
+                        </a:rPr>
+                        <a:t> </a:t>
                       </a:r>
                       <a:br>
                         <a:rPr lang="en" sz="900">
-                          <a:solidFill>
-                            <a:srgbClr val="455A64"/>
-                          </a:solidFill>
                           <a:latin typeface="Consolas"/>
                           <a:ea typeface="Consolas"/>
                           <a:cs typeface="Consolas"/>
@@ -28886,15 +28750,69 @@
                       </a:br>
                       <a:r>
                         <a:rPr lang="en" sz="900">
-                          <a:solidFill>
-                            <a:srgbClr val="455A64"/>
-                          </a:solidFill>
-                          <a:latin typeface="Consolas"/>
-                          <a:ea typeface="Consolas"/>
-                          <a:cs typeface="Consolas"/>
-                          <a:sym typeface="Consolas"/>
-                        </a:rPr>
-                        <a:t># normalization</a:t>
+                          <a:latin typeface="Consolas"/>
+                          <a:ea typeface="Consolas"/>
+                          <a:cs typeface="Consolas"/>
+                          <a:sym typeface="Consolas"/>
+                        </a:rPr>
+                        <a:t>           padding</a:t>
+                      </a:r>
+                      <a:r>
+                        <a:rPr lang="en" sz="900">
+                          <a:solidFill>
+                            <a:srgbClr val="616161"/>
+                          </a:solidFill>
+                          <a:latin typeface="Consolas"/>
+                          <a:ea typeface="Consolas"/>
+                          <a:cs typeface="Consolas"/>
+                          <a:sym typeface="Consolas"/>
+                        </a:rPr>
+                        <a:t>=</a:t>
+                      </a:r>
+                      <a:r>
+                        <a:rPr lang="en" sz="900">
+                          <a:solidFill>
+                            <a:srgbClr val="0F9D58"/>
+                          </a:solidFill>
+                          <a:latin typeface="Consolas"/>
+                          <a:ea typeface="Consolas"/>
+                          <a:cs typeface="Consolas"/>
+                          <a:sym typeface="Consolas"/>
+                        </a:rPr>
+                        <a:t>'same'</a:t>
+                      </a:r>
+                      <a:r>
+                        <a:rPr lang="en" sz="900">
+                          <a:solidFill>
+                            <a:srgbClr val="616161"/>
+                          </a:solidFill>
+                          <a:latin typeface="Consolas"/>
+                          <a:ea typeface="Consolas"/>
+                          <a:cs typeface="Consolas"/>
+                          <a:sym typeface="Consolas"/>
+                        </a:rPr>
+                        <a:t>)(</a:t>
+                      </a:r>
+                      <a:r>
+                        <a:rPr lang="en" sz="900">
+                          <a:latin typeface="Consolas"/>
+                          <a:ea typeface="Consolas"/>
+                          <a:cs typeface="Consolas"/>
+                          <a:sym typeface="Consolas"/>
+                        </a:rPr>
+                        <a:t>x</a:t>
+                      </a:r>
+                      <a:r>
+                        <a:rPr lang="en" sz="900">
+                          <a:solidFill>
+                            <a:srgbClr val="616161"/>
+                          </a:solidFill>
+                          <a:latin typeface="Consolas"/>
+                          <a:ea typeface="Consolas"/>
+                          <a:cs typeface="Consolas"/>
+                          <a:sym typeface="Consolas"/>
+                        </a:rPr>
+                        <a:t>)</a:t>
                       </a:r>
                       <a:endParaRPr sz="900">
                         <a:latin typeface="Consolas"/>
@@ -28917,100 +28835,7 @@
                         <a:buNone/>
                       </a:pPr>
                       <a:r>
-                        <a:rPr lang="en" sz="900">
-                          <a:latin typeface="Consolas"/>
-                          <a:ea typeface="Consolas"/>
-                          <a:cs typeface="Consolas"/>
-                          <a:sym typeface="Consolas"/>
-                        </a:rPr>
-                        <a:t>x </a:t>
-                      </a:r>
-                      <a:r>
-                        <a:rPr lang="en" sz="900">
-                          <a:solidFill>
-                            <a:srgbClr val="616161"/>
-                          </a:solidFill>
-                          <a:latin typeface="Consolas"/>
-                          <a:ea typeface="Consolas"/>
-                          <a:cs typeface="Consolas"/>
-                          <a:sym typeface="Consolas"/>
-                        </a:rPr>
-                        <a:t>=</a:t>
-                      </a:r>
-                      <a:r>
-                        <a:rPr lang="en" sz="900">
-                          <a:latin typeface="Consolas"/>
-                          <a:ea typeface="Consolas"/>
-                          <a:cs typeface="Consolas"/>
-                          <a:sym typeface="Consolas"/>
-                        </a:rPr>
-                        <a:t> </a:t>
-                      </a:r>
-                      <a:r>
-                        <a:rPr lang="en" sz="900">
-                          <a:solidFill>
-                            <a:srgbClr val="3367D6"/>
-                          </a:solidFill>
-                          <a:latin typeface="Consolas"/>
-                          <a:ea typeface="Consolas"/>
-                          <a:cs typeface="Consolas"/>
-                          <a:sym typeface="Consolas"/>
-                        </a:rPr>
-                        <a:t>Dropout</a:t>
-                      </a:r>
-                      <a:r>
-                        <a:rPr lang="en" sz="900">
-                          <a:solidFill>
-                            <a:srgbClr val="616161"/>
-                          </a:solidFill>
-                          <a:latin typeface="Consolas"/>
-                          <a:ea typeface="Consolas"/>
-                          <a:cs typeface="Consolas"/>
-                          <a:sym typeface="Consolas"/>
-                        </a:rPr>
-                        <a:t>(</a:t>
-                      </a:r>
-                      <a:r>
-                        <a:rPr lang="en" sz="900">
-                          <a:latin typeface="Consolas"/>
-                          <a:ea typeface="Consolas"/>
-                          <a:cs typeface="Consolas"/>
-                          <a:sym typeface="Consolas"/>
-                        </a:rPr>
-                        <a:t>rate</a:t>
-                      </a:r>
-                      <a:r>
-                        <a:rPr lang="en" sz="900">
-                          <a:solidFill>
-                            <a:srgbClr val="616161"/>
-                          </a:solidFill>
-                          <a:latin typeface="Consolas"/>
-                          <a:ea typeface="Consolas"/>
-                          <a:cs typeface="Consolas"/>
-                          <a:sym typeface="Consolas"/>
-                        </a:rPr>
-                        <a:t>)(</a:t>
-                      </a:r>
-                      <a:r>
-                        <a:rPr lang="en" sz="900">
-                          <a:latin typeface="Consolas"/>
-                          <a:ea typeface="Consolas"/>
-                          <a:cs typeface="Consolas"/>
-                          <a:sym typeface="Consolas"/>
-                        </a:rPr>
-                        <a:t>x</a:t>
-                      </a:r>
-                      <a:r>
-                        <a:rPr lang="en" sz="900">
-                          <a:solidFill>
-                            <a:srgbClr val="616161"/>
-                          </a:solidFill>
-                          <a:latin typeface="Consolas"/>
-                          <a:ea typeface="Consolas"/>
-                          <a:cs typeface="Consolas"/>
-                          <a:sym typeface="Consolas"/>
-                        </a:rPr>
-                        <a:t>)</a:t>
+                        <a:t/>
                       </a:r>
                       <a:endParaRPr sz="900">
                         <a:latin typeface="Consolas"/>
@@ -29034,78 +28859,15 @@
                       </a:pPr>
                       <a:r>
                         <a:rPr lang="en" sz="900">
-                          <a:latin typeface="Consolas"/>
-                          <a:ea typeface="Consolas"/>
-                          <a:cs typeface="Consolas"/>
-                          <a:sym typeface="Consolas"/>
-                        </a:rPr>
-                        <a:t>x </a:t>
-                      </a:r>
-                      <a:r>
-                        <a:rPr lang="en" sz="900">
-                          <a:solidFill>
-                            <a:srgbClr val="616161"/>
-                          </a:solidFill>
-                          <a:latin typeface="Consolas"/>
-                          <a:ea typeface="Consolas"/>
-                          <a:cs typeface="Consolas"/>
-                          <a:sym typeface="Consolas"/>
-                        </a:rPr>
-                        <a:t>=</a:t>
-                      </a:r>
-                      <a:r>
-                        <a:rPr lang="en" sz="900">
-                          <a:latin typeface="Consolas"/>
-                          <a:ea typeface="Consolas"/>
-                          <a:cs typeface="Consolas"/>
-                          <a:sym typeface="Consolas"/>
-                        </a:rPr>
-                        <a:t> </a:t>
-                      </a:r>
-                      <a:r>
-                        <a:rPr lang="en" sz="900">
-                          <a:solidFill>
-                            <a:srgbClr val="3367D6"/>
-                          </a:solidFill>
-                          <a:latin typeface="Consolas"/>
-                          <a:ea typeface="Consolas"/>
-                          <a:cs typeface="Consolas"/>
-                          <a:sym typeface="Consolas"/>
-                        </a:rPr>
-                        <a:t>BatchNormalization</a:t>
-                      </a:r>
-                      <a:r>
-                        <a:rPr lang="en" sz="900">
-                          <a:solidFill>
-                            <a:srgbClr val="616161"/>
-                          </a:solidFill>
-                          <a:latin typeface="Consolas"/>
-                          <a:ea typeface="Consolas"/>
-                          <a:cs typeface="Consolas"/>
-                          <a:sym typeface="Consolas"/>
-                        </a:rPr>
-                        <a:t>()(</a:t>
-                      </a:r>
-                      <a:r>
-                        <a:rPr lang="en" sz="900">
-                          <a:latin typeface="Consolas"/>
-                          <a:ea typeface="Consolas"/>
-                          <a:cs typeface="Consolas"/>
-                          <a:sym typeface="Consolas"/>
-                        </a:rPr>
-                        <a:t>x</a:t>
-                      </a:r>
-                      <a:r>
-                        <a:rPr lang="en" sz="900">
-                          <a:solidFill>
-                            <a:srgbClr val="616161"/>
-                          </a:solidFill>
-                          <a:latin typeface="Consolas"/>
-                          <a:ea typeface="Consolas"/>
-                          <a:cs typeface="Consolas"/>
-                          <a:sym typeface="Consolas"/>
-                        </a:rPr>
-                        <a:t>)</a:t>
+                          <a:solidFill>
+                            <a:srgbClr val="455A64"/>
+                          </a:solidFill>
+                          <a:latin typeface="Consolas"/>
+                          <a:ea typeface="Consolas"/>
+                          <a:cs typeface="Consolas"/>
+                          <a:sym typeface="Consolas"/>
+                        </a:rPr>
+                        <a:t># Identity Link: Add the shortcut (input) to the output of # the block</a:t>
                       </a:r>
                       <a:endParaRPr sz="900">
                         <a:latin typeface="Consolas"/>
@@ -29167,7 +28929,7 @@
                           <a:cs typeface="Consolas"/>
                           <a:sym typeface="Consolas"/>
                         </a:rPr>
-                        <a:t>Conv2D</a:t>
+                        <a:t>Add</a:t>
                       </a:r>
                       <a:r>
                         <a:rPr lang="en" sz="900">
@@ -29179,16 +28941,16 @@
                           <a:cs typeface="Consolas"/>
                           <a:sym typeface="Consolas"/>
                         </a:rPr>
-                        <a:t>(</a:t>
-                      </a:r>
-                      <a:r>
-                        <a:rPr lang="en" sz="900">
-                          <a:latin typeface="Consolas"/>
-                          <a:ea typeface="Consolas"/>
-                          <a:cs typeface="Consolas"/>
-                          <a:sym typeface="Consolas"/>
-                        </a:rPr>
-                        <a:t>filters_out</a:t>
+                        <a:t>()([</a:t>
+                      </a:r>
+                      <a:r>
+                        <a:rPr lang="en" sz="900">
+                          <a:latin typeface="Consolas"/>
+                          <a:ea typeface="Consolas"/>
+                          <a:cs typeface="Consolas"/>
+                          <a:sym typeface="Consolas"/>
+                        </a:rPr>
+                        <a:t>shortcut</a:t>
                       </a:r>
                       <a:r>
                         <a:rPr lang="en" sz="900">
@@ -29209,7 +28971,7 @@
                           <a:cs typeface="Consolas"/>
                           <a:sym typeface="Consolas"/>
                         </a:rPr>
-                        <a:t> </a:t>
+                        <a:t> x</a:t>
                       </a:r>
                       <a:r>
                         <a:rPr lang="en" sz="900">
@@ -29221,437 +28983,7 @@
                           <a:cs typeface="Consolas"/>
                           <a:sym typeface="Consolas"/>
                         </a:rPr>
-                        <a:t>(</a:t>
-                      </a:r>
-                      <a:r>
-                        <a:rPr lang="en" sz="900">
-                          <a:solidFill>
-                            <a:srgbClr val="C53929"/>
-                          </a:solidFill>
-                          <a:latin typeface="Consolas"/>
-                          <a:ea typeface="Consolas"/>
-                          <a:cs typeface="Consolas"/>
-                          <a:sym typeface="Consolas"/>
-                        </a:rPr>
-                        <a:t>3</a:t>
-                      </a:r>
-                      <a:r>
-                        <a:rPr lang="en" sz="900">
-                          <a:solidFill>
-                            <a:srgbClr val="616161"/>
-                          </a:solidFill>
-                          <a:latin typeface="Consolas"/>
-                          <a:ea typeface="Consolas"/>
-                          <a:cs typeface="Consolas"/>
-                          <a:sym typeface="Consolas"/>
-                        </a:rPr>
-                        <a:t>,</a:t>
-                      </a:r>
-                      <a:r>
-                        <a:rPr lang="en" sz="900">
-                          <a:latin typeface="Consolas"/>
-                          <a:ea typeface="Consolas"/>
-                          <a:cs typeface="Consolas"/>
-                          <a:sym typeface="Consolas"/>
-                        </a:rPr>
-                        <a:t> </a:t>
-                      </a:r>
-                      <a:r>
-                        <a:rPr lang="en" sz="900">
-                          <a:solidFill>
-                            <a:srgbClr val="C53929"/>
-                          </a:solidFill>
-                          <a:latin typeface="Consolas"/>
-                          <a:ea typeface="Consolas"/>
-                          <a:cs typeface="Consolas"/>
-                          <a:sym typeface="Consolas"/>
-                        </a:rPr>
-                        <a:t>3</a:t>
-                      </a:r>
-                      <a:r>
-                        <a:rPr lang="en" sz="900">
-                          <a:solidFill>
-                            <a:srgbClr val="616161"/>
-                          </a:solidFill>
-                          <a:latin typeface="Consolas"/>
-                          <a:ea typeface="Consolas"/>
-                          <a:cs typeface="Consolas"/>
-                          <a:sym typeface="Consolas"/>
-                        </a:rPr>
-                        <a:t>),</a:t>
-                      </a:r>
-                      <a:r>
-                        <a:rPr lang="en" sz="900">
-                          <a:latin typeface="Consolas"/>
-                          <a:ea typeface="Consolas"/>
-                          <a:cs typeface="Consolas"/>
-                          <a:sym typeface="Consolas"/>
-                        </a:rPr>
-                        <a:t> strides</a:t>
-                      </a:r>
-                      <a:r>
-                        <a:rPr lang="en" sz="900">
-                          <a:solidFill>
-                            <a:srgbClr val="616161"/>
-                          </a:solidFill>
-                          <a:latin typeface="Consolas"/>
-                          <a:ea typeface="Consolas"/>
-                          <a:cs typeface="Consolas"/>
-                          <a:sym typeface="Consolas"/>
-                        </a:rPr>
-                        <a:t>=(</a:t>
-                      </a:r>
-                      <a:r>
-                        <a:rPr lang="en" sz="900">
-                          <a:solidFill>
-                            <a:srgbClr val="C53929"/>
-                          </a:solidFill>
-                          <a:latin typeface="Consolas"/>
-                          <a:ea typeface="Consolas"/>
-                          <a:cs typeface="Consolas"/>
-                          <a:sym typeface="Consolas"/>
-                        </a:rPr>
-                        <a:t>1</a:t>
-                      </a:r>
-                      <a:r>
-                        <a:rPr lang="en" sz="900">
-                          <a:solidFill>
-                            <a:srgbClr val="616161"/>
-                          </a:solidFill>
-                          <a:latin typeface="Consolas"/>
-                          <a:ea typeface="Consolas"/>
-                          <a:cs typeface="Consolas"/>
-                          <a:sym typeface="Consolas"/>
-                        </a:rPr>
-                        <a:t>,</a:t>
-                      </a:r>
-                      <a:r>
-                        <a:rPr lang="en" sz="900">
-                          <a:latin typeface="Consolas"/>
-                          <a:ea typeface="Consolas"/>
-                          <a:cs typeface="Consolas"/>
-                          <a:sym typeface="Consolas"/>
-                        </a:rPr>
-                        <a:t> </a:t>
-                      </a:r>
-                      <a:r>
-                        <a:rPr lang="en" sz="900">
-                          <a:solidFill>
-                            <a:srgbClr val="C53929"/>
-                          </a:solidFill>
-                          <a:latin typeface="Consolas"/>
-                          <a:ea typeface="Consolas"/>
-                          <a:cs typeface="Consolas"/>
-                          <a:sym typeface="Consolas"/>
-                        </a:rPr>
-                        <a:t>1</a:t>
-                      </a:r>
-                      <a:r>
-                        <a:rPr lang="en" sz="900">
-                          <a:solidFill>
-                            <a:srgbClr val="616161"/>
-                          </a:solidFill>
-                          <a:latin typeface="Consolas"/>
-                          <a:ea typeface="Consolas"/>
-                          <a:cs typeface="Consolas"/>
-                          <a:sym typeface="Consolas"/>
-                        </a:rPr>
-                        <a:t>),</a:t>
-                      </a:r>
-                      <a:r>
-                        <a:rPr lang="en" sz="900">
-                          <a:latin typeface="Consolas"/>
-                          <a:ea typeface="Consolas"/>
-                          <a:cs typeface="Consolas"/>
-                          <a:sym typeface="Consolas"/>
-                        </a:rPr>
-                        <a:t> </a:t>
-                      </a:r>
-                      <a:br>
-                        <a:rPr lang="en" sz="900">
-                          <a:latin typeface="Consolas"/>
-                          <a:ea typeface="Consolas"/>
-                          <a:cs typeface="Consolas"/>
-                          <a:sym typeface="Consolas"/>
-                        </a:rPr>
-                      </a:br>
-                      <a:r>
-                        <a:rPr lang="en" sz="900">
-                          <a:latin typeface="Consolas"/>
-                          <a:ea typeface="Consolas"/>
-                          <a:cs typeface="Consolas"/>
-                          <a:sym typeface="Consolas"/>
-                        </a:rPr>
-                        <a:t>           padding</a:t>
-                      </a:r>
-                      <a:r>
-                        <a:rPr lang="en" sz="900">
-                          <a:solidFill>
-                            <a:srgbClr val="616161"/>
-                          </a:solidFill>
-                          <a:latin typeface="Consolas"/>
-                          <a:ea typeface="Consolas"/>
-                          <a:cs typeface="Consolas"/>
-                          <a:sym typeface="Consolas"/>
-                        </a:rPr>
-                        <a:t>=</a:t>
-                      </a:r>
-                      <a:r>
-                        <a:rPr lang="en" sz="900">
-                          <a:solidFill>
-                            <a:srgbClr val="0F9D58"/>
-                          </a:solidFill>
-                          <a:latin typeface="Consolas"/>
-                          <a:ea typeface="Consolas"/>
-                          <a:cs typeface="Consolas"/>
-                          <a:sym typeface="Consolas"/>
-                        </a:rPr>
-                        <a:t>'same'</a:t>
-                      </a:r>
-                      <a:r>
-                        <a:rPr lang="en" sz="900">
-                          <a:solidFill>
-                            <a:srgbClr val="616161"/>
-                          </a:solidFill>
-                          <a:latin typeface="Consolas"/>
-                          <a:ea typeface="Consolas"/>
-                          <a:cs typeface="Consolas"/>
-                          <a:sym typeface="Consolas"/>
-                        </a:rPr>
-                        <a:t>)(</a:t>
-                      </a:r>
-                      <a:r>
-                        <a:rPr lang="en" sz="900">
-                          <a:latin typeface="Consolas"/>
-                          <a:ea typeface="Consolas"/>
-                          <a:cs typeface="Consolas"/>
-                          <a:sym typeface="Consolas"/>
-                        </a:rPr>
-                        <a:t>x</a:t>
-                      </a:r>
-                      <a:r>
-                        <a:rPr lang="en" sz="900">
-                          <a:solidFill>
-                            <a:srgbClr val="616161"/>
-                          </a:solidFill>
-                          <a:latin typeface="Consolas"/>
-                          <a:ea typeface="Consolas"/>
-                          <a:cs typeface="Consolas"/>
-                          <a:sym typeface="Consolas"/>
-                        </a:rPr>
-                        <a:t>)</a:t>
-                      </a:r>
-                      <a:endParaRPr sz="900">
-                        <a:latin typeface="Consolas"/>
-                        <a:ea typeface="Consolas"/>
-                        <a:cs typeface="Consolas"/>
-                        <a:sym typeface="Consolas"/>
-                      </a:endParaRPr>
-                    </a:p>
-                    <a:p>
-                      <a:pPr indent="0" lvl="0" marL="0" rtl="0" algn="l">
-                        <a:lnSpc>
-                          <a:spcPct val="115000"/>
-                        </a:lnSpc>
-                        <a:spcBef>
-                          <a:spcPts val="0"/>
-                        </a:spcBef>
-                        <a:spcAft>
-                          <a:spcPts val="0"/>
-                        </a:spcAft>
-                        <a:buNone/>
-                      </a:pPr>
-                      <a:r>
-                        <a:t/>
-                      </a:r>
-                      <a:endParaRPr sz="900">
-                        <a:latin typeface="Consolas"/>
-                        <a:ea typeface="Consolas"/>
-                        <a:cs typeface="Consolas"/>
-                        <a:sym typeface="Consolas"/>
-                      </a:endParaRPr>
-                    </a:p>
-                    <a:p>
-                      <a:pPr indent="0" lvl="0" marL="0" rtl="0" algn="l">
-                        <a:lnSpc>
-                          <a:spcPct val="115000"/>
-                        </a:lnSpc>
-                        <a:spcBef>
-                          <a:spcPts val="0"/>
-                        </a:spcBef>
-                        <a:spcAft>
-                          <a:spcPts val="0"/>
-                        </a:spcAft>
-                        <a:buNone/>
-                      </a:pPr>
-                      <a:r>
-                        <a:rPr lang="en" sz="900">
-                          <a:solidFill>
-                            <a:srgbClr val="455A64"/>
-                          </a:solidFill>
-                          <a:latin typeface="Consolas"/>
-                          <a:ea typeface="Consolas"/>
-                          <a:cs typeface="Consolas"/>
-                          <a:sym typeface="Consolas"/>
-                        </a:rPr>
-                        <a:t># Identity Link: Add the shortcut (input) to the output of # the block</a:t>
-                      </a:r>
-                      <a:endParaRPr sz="900">
-                        <a:latin typeface="Consolas"/>
-                        <a:ea typeface="Consolas"/>
-                        <a:cs typeface="Consolas"/>
-                        <a:sym typeface="Consolas"/>
-                      </a:endParaRPr>
-                    </a:p>
-                    <a:p>
-                      <a:pPr indent="0" lvl="0" marL="0" rtl="0" algn="l">
-                        <a:lnSpc>
-                          <a:spcPct val="115000"/>
-                        </a:lnSpc>
-                        <a:spcBef>
-                          <a:spcPts val="0"/>
-                        </a:spcBef>
-                        <a:spcAft>
-                          <a:spcPts val="0"/>
-                        </a:spcAft>
-                        <a:buNone/>
-                      </a:pPr>
-                      <a:r>
-                        <a:rPr lang="en" sz="900">
-                          <a:latin typeface="Consolas"/>
-                          <a:ea typeface="Consolas"/>
-                          <a:cs typeface="Consolas"/>
-                          <a:sym typeface="Consolas"/>
-                        </a:rPr>
-                        <a:t>x </a:t>
-                      </a:r>
-                      <a:r>
-                        <a:rPr lang="en" sz="900">
-                          <a:solidFill>
-                            <a:srgbClr val="616161"/>
-                          </a:solidFill>
-                          <a:latin typeface="Consolas"/>
-                          <a:ea typeface="Consolas"/>
-                          <a:cs typeface="Consolas"/>
-                          <a:sym typeface="Consolas"/>
-                        </a:rPr>
-                        <a:t>=</a:t>
-                      </a:r>
-                      <a:r>
-                        <a:rPr lang="en" sz="900">
-                          <a:latin typeface="Consolas"/>
-                          <a:ea typeface="Consolas"/>
-                          <a:cs typeface="Consolas"/>
-                          <a:sym typeface="Consolas"/>
-                        </a:rPr>
-                        <a:t> </a:t>
-                      </a:r>
-                      <a:r>
-                        <a:rPr lang="en" sz="900">
-                          <a:solidFill>
-                            <a:srgbClr val="3367D6"/>
-                          </a:solidFill>
-                          <a:latin typeface="Consolas"/>
-                          <a:ea typeface="Consolas"/>
-                          <a:cs typeface="Consolas"/>
-                          <a:sym typeface="Consolas"/>
-                        </a:rPr>
-                        <a:t>Add</a:t>
-                      </a:r>
-                      <a:r>
-                        <a:rPr lang="en" sz="900">
-                          <a:solidFill>
-                            <a:srgbClr val="616161"/>
-                          </a:solidFill>
-                          <a:latin typeface="Consolas"/>
-                          <a:ea typeface="Consolas"/>
-                          <a:cs typeface="Consolas"/>
-                          <a:sym typeface="Consolas"/>
-                        </a:rPr>
-                        <a:t>()([</a:t>
-                      </a:r>
-                      <a:r>
-                        <a:rPr lang="en" sz="900">
-                          <a:latin typeface="Consolas"/>
-                          <a:ea typeface="Consolas"/>
-                          <a:cs typeface="Consolas"/>
-                          <a:sym typeface="Consolas"/>
-                        </a:rPr>
-                        <a:t>shortcut</a:t>
-                      </a:r>
-                      <a:r>
-                        <a:rPr lang="en" sz="900">
-                          <a:solidFill>
-                            <a:srgbClr val="616161"/>
-                          </a:solidFill>
-                          <a:latin typeface="Consolas"/>
-                          <a:ea typeface="Consolas"/>
-                          <a:cs typeface="Consolas"/>
-                          <a:sym typeface="Consolas"/>
-                        </a:rPr>
-                        <a:t>,</a:t>
-                      </a:r>
-                      <a:r>
-                        <a:rPr lang="en" sz="900">
-                          <a:latin typeface="Consolas"/>
-                          <a:ea typeface="Consolas"/>
-                          <a:cs typeface="Consolas"/>
-                          <a:sym typeface="Consolas"/>
-                        </a:rPr>
-                        <a:t> x</a:t>
-                      </a:r>
-                      <a:r>
-                        <a:rPr lang="en" sz="900">
-                          <a:solidFill>
-                            <a:srgbClr val="616161"/>
-                          </a:solidFill>
-                          <a:latin typeface="Consolas"/>
-                          <a:ea typeface="Consolas"/>
-                          <a:cs typeface="Consolas"/>
-                          <a:sym typeface="Consolas"/>
-                        </a:rPr>
                         <a:t>])</a:t>
-                      </a:r>
-                      <a:endParaRPr sz="900">
-                        <a:latin typeface="Consolas"/>
-                        <a:ea typeface="Consolas"/>
-                        <a:cs typeface="Consolas"/>
-                        <a:sym typeface="Consolas"/>
-                      </a:endParaRPr>
-                    </a:p>
-                    <a:p>
-                      <a:pPr indent="0" lvl="0" marL="0" rtl="0" algn="l">
-                        <a:lnSpc>
-                          <a:spcPct val="115000"/>
-                        </a:lnSpc>
-                        <a:spcBef>
-                          <a:spcPts val="0"/>
-                        </a:spcBef>
-                        <a:spcAft>
-                          <a:spcPts val="0"/>
-                        </a:spcAft>
-                        <a:buNone/>
-                      </a:pPr>
-                      <a:r>
-                        <a:rPr lang="en" sz="900">
-                          <a:solidFill>
-                            <a:srgbClr val="9C27B0"/>
-                          </a:solidFill>
-                          <a:latin typeface="Consolas"/>
-                          <a:ea typeface="Consolas"/>
-                          <a:cs typeface="Consolas"/>
-                          <a:sym typeface="Consolas"/>
-                        </a:rPr>
-                        <a:t>return</a:t>
-                      </a:r>
-                      <a:r>
-                        <a:rPr lang="en" sz="900">
-                          <a:latin typeface="Consolas"/>
-                          <a:ea typeface="Consolas"/>
-                          <a:cs typeface="Consolas"/>
-                          <a:sym typeface="Consolas"/>
-                        </a:rPr>
-                        <a:t> x</a:t>
                       </a:r>
                       <a:endParaRPr sz="900">
                         <a:latin typeface="Consolas"/>
@@ -29680,12 +29012,12 @@
 </p:sld>
 </file>
 
-<file path=ppt/slides/slide33.xml><?xml version="1.0" encoding="utf-8"?>
+<file path=ppt/slides/slide32.xml><?xml version="1.0" encoding="utf-8"?>
 <p:sld xmlns:a="http://schemas.openxmlformats.org/drawingml/2006/main" xmlns:r="http://schemas.openxmlformats.org/officeDocument/2006/relationships" xmlns:mc="http://schemas.openxmlformats.org/markup-compatibility/2006" xmlns:mv="urn:schemas-microsoft-com:mac:vml" xmlns:p="http://schemas.openxmlformats.org/presentationml/2006/main" xmlns:c="http://schemas.openxmlformats.org/drawingml/2006/chart" xmlns:dgm="http://schemas.openxmlformats.org/drawingml/2006/diagram" xmlns:o="urn:schemas-microsoft-com:office:office" xmlns:v="urn:schemas-microsoft-com:vml" xmlns:pvml="urn:schemas-microsoft-com:office:powerpoint" xmlns:com="http://schemas.openxmlformats.org/drawingml/2006/compatibility" xmlns:p14="http://schemas.microsoft.com/office/powerpoint/2010/main" xmlns:p15="http://schemas.microsoft.com/office/powerpoint/2012/main">
   <p:cSld>
     <p:spTree>
       <p:nvGrpSpPr>
-        <p:cNvPr id="423" name="Shape 423"/>
+        <p:cNvPr id="410" name="Shape 410"/>
         <p:cNvGrpSpPr/>
         <p:nvPr/>
       </p:nvGrpSpPr>
@@ -29699,7 +29031,7 @@
       </p:grpSpPr>
       <p:sp>
         <p:nvSpPr>
-          <p:cNvPr id="424" name="Google Shape;424;p45"/>
+          <p:cNvPr id="411" name="Google Shape;411;p44"/>
           <p:cNvSpPr txBox="1"/>
           <p:nvPr>
             <p:ph idx="1" type="subTitle"/>
@@ -29755,7 +29087,7 @@
       </p:sp>
       <p:pic>
         <p:nvPicPr>
-          <p:cNvPr id="425" name="Google Shape;425;p45"/>
+          <p:cNvPr id="412" name="Google Shape;412;p44"/>
           <p:cNvPicPr preferRelativeResize="0"/>
           <p:nvPr/>
         </p:nvPicPr>
@@ -29783,7 +29115,7 @@
       </p:pic>
       <p:sp>
         <p:nvSpPr>
-          <p:cNvPr id="426" name="Google Shape;426;p45"/>
+          <p:cNvPr id="413" name="Google Shape;413;p44"/>
           <p:cNvSpPr txBox="1"/>
           <p:nvPr/>
         </p:nvSpPr>
@@ -29923,6 +29255,64 @@
             <a:endParaRPr b="1" sz="1200">
               <a:solidFill>
                 <a:schemeClr val="dk1"/>
+              </a:solidFill>
+            </a:endParaRPr>
+          </a:p>
+          <a:p>
+            <a:pPr indent="0" lvl="0" marL="0" rtl="0" algn="ctr">
+              <a:lnSpc>
+                <a:spcPct val="115000"/>
+              </a:lnSpc>
+              <a:spcBef>
+                <a:spcPts val="0"/>
+              </a:spcBef>
+              <a:spcAft>
+                <a:spcPts val="0"/>
+              </a:spcAft>
+              <a:buNone/>
+            </a:pPr>
+            <a:r>
+              <a:t/>
+            </a:r>
+            <a:endParaRPr b="1" sz="1200">
+              <a:solidFill>
+                <a:schemeClr val="dk1"/>
+              </a:solidFill>
+            </a:endParaRPr>
+          </a:p>
+          <a:p>
+            <a:pPr indent="0" lvl="0" marL="0" rtl="0" algn="ctr">
+              <a:lnSpc>
+                <a:spcPct val="115000"/>
+              </a:lnSpc>
+              <a:spcBef>
+                <a:spcPts val="0"/>
+              </a:spcBef>
+              <a:spcAft>
+                <a:spcPts val="0"/>
+              </a:spcAft>
+              <a:buNone/>
+            </a:pPr>
+            <a:r>
+              <a:rPr b="1" lang="en" sz="1600" u="sng">
+                <a:solidFill>
+                  <a:srgbClr val="FF0000"/>
+                </a:solidFill>
+                <a:hlinkClick r:id="rId5"/>
+              </a:rPr>
+              <a:t>https://bit.ly/3amVRhD</a:t>
+            </a:r>
+            <a:r>
+              <a:rPr b="1" lang="en" sz="1600">
+                <a:solidFill>
+                  <a:srgbClr val="FF0000"/>
+                </a:solidFill>
+              </a:rPr>
+              <a:t> </a:t>
+            </a:r>
+            <a:endParaRPr b="1" sz="1600">
+              <a:solidFill>
+                <a:srgbClr val="FF0000"/>
               </a:solidFill>
             </a:endParaRPr>
           </a:p>
@@ -31082,7 +30472,7 @@
             <a:tbl>
               <a:tblPr>
                 <a:noFill/>
-                <a:tableStyleId>{264BC707-175E-4C08-A337-32AED62F180F}</a:tableStyleId>
+                <a:tableStyleId>{6026C9F1-80EC-4B16-9386-2AD92B9CDD83}</a:tableStyleId>
               </a:tblPr>
               <a:tblGrid>
                 <a:gridCol w="6191250"/>
@@ -35047,7 +34437,7 @@
             <a:tbl>
               <a:tblPr>
                 <a:noFill/>
-                <a:tableStyleId>{264BC707-175E-4C08-A337-32AED62F180F}</a:tableStyleId>
+                <a:tableStyleId>{6026C9F1-80EC-4B16-9386-2AD92B9CDD83}</a:tableStyleId>
               </a:tblPr>
               <a:tblGrid>
                 <a:gridCol w="6150775"/>
